--- a/ppt/ad_tech_img.pptx
+++ b/ppt/ad_tech_img.pptx
@@ -6,6 +6,8 @@
   </p:sldMasterIdLst>
   <p:sldIdLst>
     <p:sldId id="257" r:id="rId2"/>
+    <p:sldId id="259" r:id="rId3"/>
+    <p:sldId id="260" r:id="rId4"/>
   </p:sldIdLst>
   <p:sldSz cx="9144000" cy="6858000" type="screen4x3"/>
   <p:notesSz cx="6858000" cy="9144000"/>
@@ -288,7 +290,7 @@
           <a:p>
             <a:fld id="{8631857F-C886-4D4D-87CA-9FA06DD642F4}" type="datetimeFigureOut">
               <a:rPr kumimoji="1" lang="ja-JP" altLang="en-US" smtClean="0"/>
-              <a:t>2014/11/05</a:t>
+              <a:t>2014/11/07</a:t>
             </a:fld>
             <a:endParaRPr kumimoji="1" lang="ja-JP" altLang="en-US"/>
           </a:p>
@@ -490,7 +492,7 @@
           <a:p>
             <a:fld id="{8631857F-C886-4D4D-87CA-9FA06DD642F4}" type="datetimeFigureOut">
               <a:rPr kumimoji="1" lang="ja-JP" altLang="en-US" smtClean="0"/>
-              <a:t>2014/11/05</a:t>
+              <a:t>2014/11/07</a:t>
             </a:fld>
             <a:endParaRPr kumimoji="1" lang="ja-JP" altLang="en-US"/>
           </a:p>
@@ -702,7 +704,7 @@
           <a:p>
             <a:fld id="{8631857F-C886-4D4D-87CA-9FA06DD642F4}" type="datetimeFigureOut">
               <a:rPr kumimoji="1" lang="ja-JP" altLang="en-US" smtClean="0"/>
-              <a:t>2014/11/05</a:t>
+              <a:t>2014/11/07</a:t>
             </a:fld>
             <a:endParaRPr kumimoji="1" lang="ja-JP" altLang="en-US"/>
           </a:p>
@@ -904,7 +906,7 @@
           <a:p>
             <a:fld id="{8631857F-C886-4D4D-87CA-9FA06DD642F4}" type="datetimeFigureOut">
               <a:rPr kumimoji="1" lang="ja-JP" altLang="en-US" smtClean="0"/>
-              <a:t>2014/11/05</a:t>
+              <a:t>2014/11/07</a:t>
             </a:fld>
             <a:endParaRPr kumimoji="1" lang="ja-JP" altLang="en-US"/>
           </a:p>
@@ -1150,7 +1152,7 @@
           <a:p>
             <a:fld id="{8631857F-C886-4D4D-87CA-9FA06DD642F4}" type="datetimeFigureOut">
               <a:rPr kumimoji="1" lang="ja-JP" altLang="en-US" smtClean="0"/>
-              <a:t>2014/11/05</a:t>
+              <a:t>2014/11/07</a:t>
             </a:fld>
             <a:endParaRPr kumimoji="1" lang="ja-JP" altLang="en-US"/>
           </a:p>
@@ -1502,7 +1504,7 @@
           <a:p>
             <a:fld id="{8631857F-C886-4D4D-87CA-9FA06DD642F4}" type="datetimeFigureOut">
               <a:rPr kumimoji="1" lang="ja-JP" altLang="en-US" smtClean="0"/>
-              <a:t>2014/11/05</a:t>
+              <a:t>2014/11/07</a:t>
             </a:fld>
             <a:endParaRPr kumimoji="1" lang="ja-JP" altLang="en-US"/>
           </a:p>
@@ -1988,7 +1990,7 @@
           <a:p>
             <a:fld id="{8631857F-C886-4D4D-87CA-9FA06DD642F4}" type="datetimeFigureOut">
               <a:rPr kumimoji="1" lang="ja-JP" altLang="en-US" smtClean="0"/>
-              <a:t>2014/11/05</a:t>
+              <a:t>2014/11/07</a:t>
             </a:fld>
             <a:endParaRPr kumimoji="1" lang="ja-JP" altLang="en-US"/>
           </a:p>
@@ -2106,7 +2108,7 @@
           <a:p>
             <a:fld id="{8631857F-C886-4D4D-87CA-9FA06DD642F4}" type="datetimeFigureOut">
               <a:rPr kumimoji="1" lang="ja-JP" altLang="en-US" smtClean="0"/>
-              <a:t>2014/11/05</a:t>
+              <a:t>2014/11/07</a:t>
             </a:fld>
             <a:endParaRPr kumimoji="1" lang="ja-JP" altLang="en-US"/>
           </a:p>
@@ -2201,7 +2203,7 @@
           <a:p>
             <a:fld id="{8631857F-C886-4D4D-87CA-9FA06DD642F4}" type="datetimeFigureOut">
               <a:rPr kumimoji="1" lang="ja-JP" altLang="en-US" smtClean="0"/>
-              <a:t>2014/11/05</a:t>
+              <a:t>2014/11/07</a:t>
             </a:fld>
             <a:endParaRPr kumimoji="1" lang="ja-JP" altLang="en-US"/>
           </a:p>
@@ -2510,7 +2512,7 @@
           <a:p>
             <a:fld id="{8631857F-C886-4D4D-87CA-9FA06DD642F4}" type="datetimeFigureOut">
               <a:rPr kumimoji="1" lang="ja-JP" altLang="en-US" smtClean="0"/>
-              <a:t>2014/11/05</a:t>
+              <a:t>2014/11/07</a:t>
             </a:fld>
             <a:endParaRPr kumimoji="1" lang="ja-JP" altLang="en-US"/>
           </a:p>
@@ -2763,7 +2765,7 @@
           <a:p>
             <a:fld id="{8631857F-C886-4D4D-87CA-9FA06DD642F4}" type="datetimeFigureOut">
               <a:rPr kumimoji="1" lang="ja-JP" altLang="en-US" smtClean="0"/>
-              <a:t>2014/11/05</a:t>
+              <a:t>2014/11/07</a:t>
             </a:fld>
             <a:endParaRPr kumimoji="1" lang="ja-JP" altLang="en-US"/>
           </a:p>
@@ -3008,7 +3010,7 @@
           <a:p>
             <a:fld id="{8631857F-C886-4D4D-87CA-9FA06DD642F4}" type="datetimeFigureOut">
               <a:rPr kumimoji="1" lang="ja-JP" altLang="en-US" smtClean="0"/>
-              <a:t>2014/11/05</a:t>
+              <a:t>2014/11/07</a:t>
             </a:fld>
             <a:endParaRPr kumimoji="1" lang="ja-JP" altLang="en-US"/>
           </a:p>
@@ -3771,23 +3773,7 @@
                       <a:srgbClr val="000000"/>
                     </a:solidFill>
                   </a:rPr>
-                  <a:t>1st</a:t>
-                </a:r>
-                <a:r>
-                  <a:rPr lang="en-US" altLang="ja-JP" b="1" dirty="0" smtClean="0">
-                    <a:solidFill>
-                      <a:srgbClr val="000000"/>
-                    </a:solidFill>
-                  </a:rPr>
-                  <a:t> </a:t>
-                </a:r>
-                <a:r>
-                  <a:rPr lang="en-US" altLang="ja-JP" b="1" dirty="0" smtClean="0">
-                    <a:solidFill>
-                      <a:srgbClr val="000000"/>
-                    </a:solidFill>
-                  </a:rPr>
-                  <a:t>Party Data</a:t>
+                  <a:t>1st Party Data</a:t>
                 </a:r>
               </a:p>
               <a:p>
@@ -4112,6 +4098,1821 @@
 </p:sld>
 </file>
 
+<file path=ppt/slides/slide2.xml><?xml version="1.0" encoding="utf-8"?>
+<p:sld xmlns:a="http://schemas.openxmlformats.org/drawingml/2006/main" xmlns:r="http://schemas.openxmlformats.org/officeDocument/2006/relationships" xmlns:p="http://schemas.openxmlformats.org/presentationml/2006/main">
+  <p:cSld>
+    <p:spTree>
+      <p:nvGrpSpPr>
+        <p:cNvPr id="1" name=""/>
+        <p:cNvGrpSpPr/>
+        <p:nvPr/>
+      </p:nvGrpSpPr>
+      <p:grpSpPr>
+        <a:xfrm>
+          <a:off x="0" y="0"/>
+          <a:ext cx="0" cy="0"/>
+          <a:chOff x="0" y="0"/>
+          <a:chExt cx="0" cy="0"/>
+        </a:xfrm>
+      </p:grpSpPr>
+      <p:grpSp>
+        <p:nvGrpSpPr>
+          <p:cNvPr id="4" name="図形グループ 3"/>
+          <p:cNvGrpSpPr/>
+          <p:nvPr/>
+        </p:nvGrpSpPr>
+        <p:grpSpPr>
+          <a:xfrm>
+            <a:off x="589198" y="1629842"/>
+            <a:ext cx="400426" cy="663632"/>
+            <a:chOff x="789409" y="972563"/>
+            <a:chExt cx="400426" cy="663632"/>
+          </a:xfrm>
+        </p:grpSpPr>
+        <p:sp>
+          <p:nvSpPr>
+            <p:cNvPr id="3" name="台形 2"/>
+            <p:cNvSpPr/>
+            <p:nvPr/>
+          </p:nvSpPr>
+          <p:spPr>
+            <a:xfrm>
+              <a:off x="789409" y="1304379"/>
+              <a:ext cx="400425" cy="331816"/>
+            </a:xfrm>
+            <a:prstGeom prst="trapezoid">
+              <a:avLst/>
+            </a:prstGeom>
+            <a:solidFill>
+              <a:schemeClr val="accent3"/>
+            </a:solidFill>
+            <a:ln>
+              <a:noFill/>
+            </a:ln>
+            <a:effectLst/>
+          </p:spPr>
+          <p:style>
+            <a:lnRef idx="1">
+              <a:schemeClr val="accent1"/>
+            </a:lnRef>
+            <a:fillRef idx="3">
+              <a:schemeClr val="accent1"/>
+            </a:fillRef>
+            <a:effectRef idx="2">
+              <a:schemeClr val="accent1"/>
+            </a:effectRef>
+            <a:fontRef idx="minor">
+              <a:schemeClr val="lt1"/>
+            </a:fontRef>
+          </p:style>
+          <p:txBody>
+            <a:bodyPr rtlCol="0" anchor="ctr"/>
+            <a:lstStyle/>
+            <a:p>
+              <a:pPr algn="ctr"/>
+              <a:endParaRPr kumimoji="1" lang="ja-JP" altLang="en-US"/>
+            </a:p>
+          </p:txBody>
+        </p:sp>
+        <p:sp>
+          <p:nvSpPr>
+            <p:cNvPr id="2" name="円/楕円 1"/>
+            <p:cNvSpPr/>
+            <p:nvPr/>
+          </p:nvSpPr>
+          <p:spPr>
+            <a:xfrm>
+              <a:off x="789410" y="972563"/>
+              <a:ext cx="400425" cy="411909"/>
+            </a:xfrm>
+            <a:prstGeom prst="ellipse">
+              <a:avLst/>
+            </a:prstGeom>
+            <a:solidFill>
+              <a:schemeClr val="accent3"/>
+            </a:solidFill>
+            <a:ln>
+              <a:noFill/>
+            </a:ln>
+            <a:effectLst/>
+          </p:spPr>
+          <p:style>
+            <a:lnRef idx="1">
+              <a:schemeClr val="accent1"/>
+            </a:lnRef>
+            <a:fillRef idx="3">
+              <a:schemeClr val="accent1"/>
+            </a:fillRef>
+            <a:effectRef idx="2">
+              <a:schemeClr val="accent1"/>
+            </a:effectRef>
+            <a:fontRef idx="minor">
+              <a:schemeClr val="lt1"/>
+            </a:fontRef>
+          </p:style>
+          <p:txBody>
+            <a:bodyPr rtlCol="0" anchor="ctr"/>
+            <a:lstStyle/>
+            <a:p>
+              <a:pPr algn="ctr"/>
+              <a:endParaRPr kumimoji="1" lang="ja-JP" altLang="en-US"/>
+            </a:p>
+          </p:txBody>
+        </p:sp>
+      </p:grpSp>
+      <p:sp>
+        <p:nvSpPr>
+          <p:cNvPr id="5" name="正方形/長方形 4"/>
+          <p:cNvSpPr/>
+          <p:nvPr/>
+        </p:nvSpPr>
+        <p:spPr>
+          <a:xfrm>
+            <a:off x="2654248" y="1121307"/>
+            <a:ext cx="1738990" cy="1874887"/>
+          </a:xfrm>
+          <a:prstGeom prst="rect">
+            <a:avLst/>
+          </a:prstGeom>
+          <a:noFill/>
+          <a:ln w="38100">
+            <a:solidFill>
+              <a:schemeClr val="accent4"/>
+            </a:solidFill>
+          </a:ln>
+          <a:effectLst/>
+        </p:spPr>
+        <p:style>
+          <a:lnRef idx="1">
+            <a:schemeClr val="accent1"/>
+          </a:lnRef>
+          <a:fillRef idx="3">
+            <a:schemeClr val="accent1"/>
+          </a:fillRef>
+          <a:effectRef idx="2">
+            <a:schemeClr val="accent1"/>
+          </a:effectRef>
+          <a:fontRef idx="minor">
+            <a:schemeClr val="lt1"/>
+          </a:fontRef>
+        </p:style>
+        <p:txBody>
+          <a:bodyPr rtlCol="0" anchor="ctr"/>
+          <a:lstStyle/>
+          <a:p>
+            <a:pPr algn="ctr"/>
+            <a:r>
+              <a:rPr lang="ja-JP" altLang="en-US" dirty="0" smtClean="0">
+                <a:solidFill>
+                  <a:schemeClr val="tx1"/>
+                </a:solidFill>
+              </a:rPr>
+              <a:t>コンテンツ</a:t>
+            </a:r>
+            <a:endParaRPr lang="en-US" altLang="ja-JP" dirty="0" smtClean="0">
+              <a:solidFill>
+                <a:schemeClr val="tx1"/>
+              </a:solidFill>
+            </a:endParaRPr>
+          </a:p>
+          <a:p>
+            <a:pPr algn="ctr"/>
+            <a:r>
+              <a:rPr lang="ja-JP" altLang="en-US" dirty="0" smtClean="0">
+                <a:solidFill>
+                  <a:schemeClr val="tx1"/>
+                </a:solidFill>
+              </a:rPr>
+              <a:t>解析エンジン</a:t>
+            </a:r>
+            <a:endParaRPr kumimoji="1" lang="ja-JP" altLang="en-US" dirty="0">
+              <a:solidFill>
+                <a:schemeClr val="tx1"/>
+              </a:solidFill>
+            </a:endParaRPr>
+          </a:p>
+        </p:txBody>
+      </p:sp>
+      <p:sp>
+        <p:nvSpPr>
+          <p:cNvPr id="6" name="正方形/長方形 5"/>
+          <p:cNvSpPr/>
+          <p:nvPr/>
+        </p:nvSpPr>
+        <p:spPr>
+          <a:xfrm>
+            <a:off x="5861322" y="770263"/>
+            <a:ext cx="1738990" cy="614209"/>
+          </a:xfrm>
+          <a:prstGeom prst="rect">
+            <a:avLst/>
+          </a:prstGeom>
+          <a:noFill/>
+          <a:ln w="38100">
+            <a:solidFill>
+              <a:srgbClr val="3366FF"/>
+            </a:solidFill>
+          </a:ln>
+          <a:effectLst/>
+        </p:spPr>
+        <p:style>
+          <a:lnRef idx="1">
+            <a:schemeClr val="accent1"/>
+          </a:lnRef>
+          <a:fillRef idx="3">
+            <a:schemeClr val="accent1"/>
+          </a:fillRef>
+          <a:effectRef idx="2">
+            <a:schemeClr val="accent1"/>
+          </a:effectRef>
+          <a:fontRef idx="minor">
+            <a:schemeClr val="lt1"/>
+          </a:fontRef>
+        </p:style>
+        <p:txBody>
+          <a:bodyPr rtlCol="0" anchor="ctr"/>
+          <a:lstStyle/>
+          <a:p>
+            <a:pPr algn="ctr"/>
+            <a:r>
+              <a:rPr kumimoji="1" lang="ja-JP" altLang="en-US" dirty="0" smtClean="0">
+                <a:solidFill>
+                  <a:schemeClr val="tx1"/>
+                </a:solidFill>
+              </a:rPr>
+              <a:t>メディア</a:t>
+            </a:r>
+            <a:endParaRPr kumimoji="1" lang="ja-JP" altLang="en-US" dirty="0">
+              <a:solidFill>
+                <a:schemeClr val="tx1"/>
+              </a:solidFill>
+            </a:endParaRPr>
+          </a:p>
+        </p:txBody>
+      </p:sp>
+      <p:sp>
+        <p:nvSpPr>
+          <p:cNvPr id="7" name="正方形/長方形 6"/>
+          <p:cNvSpPr/>
+          <p:nvPr/>
+        </p:nvSpPr>
+        <p:spPr>
+          <a:xfrm>
+            <a:off x="5861322" y="1773498"/>
+            <a:ext cx="1738990" cy="576229"/>
+          </a:xfrm>
+          <a:prstGeom prst="rect">
+            <a:avLst/>
+          </a:prstGeom>
+          <a:noFill/>
+          <a:ln w="38100">
+            <a:solidFill>
+              <a:srgbClr val="3366FF"/>
+            </a:solidFill>
+          </a:ln>
+          <a:effectLst/>
+        </p:spPr>
+        <p:style>
+          <a:lnRef idx="1">
+            <a:schemeClr val="accent1"/>
+          </a:lnRef>
+          <a:fillRef idx="3">
+            <a:schemeClr val="accent1"/>
+          </a:fillRef>
+          <a:effectRef idx="2">
+            <a:schemeClr val="accent1"/>
+          </a:effectRef>
+          <a:fontRef idx="minor">
+            <a:schemeClr val="lt1"/>
+          </a:fontRef>
+        </p:style>
+        <p:txBody>
+          <a:bodyPr rtlCol="0" anchor="ctr"/>
+          <a:lstStyle/>
+          <a:p>
+            <a:pPr algn="ctr"/>
+            <a:r>
+              <a:rPr kumimoji="1" lang="ja-JP" altLang="en-US" dirty="0" smtClean="0">
+                <a:solidFill>
+                  <a:schemeClr val="tx1"/>
+                </a:solidFill>
+              </a:rPr>
+              <a:t>メディア</a:t>
+            </a:r>
+            <a:endParaRPr kumimoji="1" lang="ja-JP" altLang="en-US" dirty="0">
+              <a:solidFill>
+                <a:schemeClr val="tx1"/>
+              </a:solidFill>
+            </a:endParaRPr>
+          </a:p>
+        </p:txBody>
+      </p:sp>
+      <p:sp>
+        <p:nvSpPr>
+          <p:cNvPr id="8" name="正方形/長方形 7"/>
+          <p:cNvSpPr/>
+          <p:nvPr/>
+        </p:nvSpPr>
+        <p:spPr>
+          <a:xfrm>
+            <a:off x="5861322" y="2779908"/>
+            <a:ext cx="1738990" cy="549690"/>
+          </a:xfrm>
+          <a:prstGeom prst="rect">
+            <a:avLst/>
+          </a:prstGeom>
+          <a:noFill/>
+          <a:ln w="38100">
+            <a:solidFill>
+              <a:srgbClr val="3366FF"/>
+            </a:solidFill>
+          </a:ln>
+          <a:effectLst/>
+        </p:spPr>
+        <p:style>
+          <a:lnRef idx="1">
+            <a:schemeClr val="accent1"/>
+          </a:lnRef>
+          <a:fillRef idx="3">
+            <a:schemeClr val="accent1"/>
+          </a:fillRef>
+          <a:effectRef idx="2">
+            <a:schemeClr val="accent1"/>
+          </a:effectRef>
+          <a:fontRef idx="minor">
+            <a:schemeClr val="lt1"/>
+          </a:fontRef>
+        </p:style>
+        <p:txBody>
+          <a:bodyPr rtlCol="0" anchor="ctr"/>
+          <a:lstStyle/>
+          <a:p>
+            <a:pPr algn="ctr"/>
+            <a:r>
+              <a:rPr kumimoji="1" lang="ja-JP" altLang="en-US" dirty="0" smtClean="0">
+                <a:solidFill>
+                  <a:schemeClr val="tx1"/>
+                </a:solidFill>
+              </a:rPr>
+              <a:t>メディア</a:t>
+            </a:r>
+            <a:endParaRPr kumimoji="1" lang="ja-JP" altLang="en-US" dirty="0">
+              <a:solidFill>
+                <a:schemeClr val="tx1"/>
+              </a:solidFill>
+            </a:endParaRPr>
+          </a:p>
+        </p:txBody>
+      </p:sp>
+      <p:cxnSp>
+        <p:nvCxnSpPr>
+          <p:cNvPr id="10" name="直線矢印コネクタ 9"/>
+          <p:cNvCxnSpPr>
+            <a:endCxn id="5" idx="1"/>
+          </p:cNvCxnSpPr>
+          <p:nvPr/>
+        </p:nvCxnSpPr>
+        <p:spPr>
+          <a:xfrm>
+            <a:off x="1304243" y="2058751"/>
+            <a:ext cx="1350005" cy="0"/>
+          </a:xfrm>
+          <a:prstGeom prst="straightConnector1">
+            <a:avLst/>
+          </a:prstGeom>
+          <a:ln w="38100">
+            <a:solidFill>
+              <a:schemeClr val="tx2">
+                <a:lumMod val="60000"/>
+                <a:lumOff val="40000"/>
+              </a:schemeClr>
+            </a:solidFill>
+            <a:tailEnd type="arrow"/>
+          </a:ln>
+          <a:effectLst/>
+        </p:spPr>
+        <p:style>
+          <a:lnRef idx="2">
+            <a:schemeClr val="accent1"/>
+          </a:lnRef>
+          <a:fillRef idx="0">
+            <a:schemeClr val="accent1"/>
+          </a:fillRef>
+          <a:effectRef idx="1">
+            <a:schemeClr val="accent1"/>
+          </a:effectRef>
+          <a:fontRef idx="minor">
+            <a:schemeClr val="tx1"/>
+          </a:fontRef>
+        </p:style>
+      </p:cxnSp>
+      <p:cxnSp>
+        <p:nvCxnSpPr>
+          <p:cNvPr id="12" name="直線矢印コネクタ 11"/>
+          <p:cNvCxnSpPr>
+            <a:stCxn id="5" idx="3"/>
+            <a:endCxn id="6" idx="1"/>
+          </p:cNvCxnSpPr>
+          <p:nvPr/>
+        </p:nvCxnSpPr>
+        <p:spPr>
+          <a:xfrm flipV="1">
+            <a:off x="4393238" y="1077368"/>
+            <a:ext cx="1468084" cy="981383"/>
+          </a:xfrm>
+          <a:prstGeom prst="straightConnector1">
+            <a:avLst/>
+          </a:prstGeom>
+          <a:ln w="38100">
+            <a:solidFill>
+              <a:schemeClr val="tx2">
+                <a:lumMod val="60000"/>
+                <a:lumOff val="40000"/>
+              </a:schemeClr>
+            </a:solidFill>
+            <a:tailEnd type="arrow"/>
+          </a:ln>
+          <a:effectLst/>
+        </p:spPr>
+        <p:style>
+          <a:lnRef idx="2">
+            <a:schemeClr val="accent1"/>
+          </a:lnRef>
+          <a:fillRef idx="0">
+            <a:schemeClr val="accent1"/>
+          </a:fillRef>
+          <a:effectRef idx="1">
+            <a:schemeClr val="accent1"/>
+          </a:effectRef>
+          <a:fontRef idx="minor">
+            <a:schemeClr val="tx1"/>
+          </a:fontRef>
+        </p:style>
+      </p:cxnSp>
+      <p:cxnSp>
+        <p:nvCxnSpPr>
+          <p:cNvPr id="15" name="直線矢印コネクタ 14"/>
+          <p:cNvCxnSpPr>
+            <a:stCxn id="5" idx="3"/>
+            <a:endCxn id="7" idx="1"/>
+          </p:cNvCxnSpPr>
+          <p:nvPr/>
+        </p:nvCxnSpPr>
+        <p:spPr>
+          <a:xfrm>
+            <a:off x="4393238" y="2058751"/>
+            <a:ext cx="1468084" cy="2862"/>
+          </a:xfrm>
+          <a:prstGeom prst="straightConnector1">
+            <a:avLst/>
+          </a:prstGeom>
+          <a:ln w="38100">
+            <a:solidFill>
+              <a:schemeClr val="tx2">
+                <a:lumMod val="60000"/>
+                <a:lumOff val="40000"/>
+              </a:schemeClr>
+            </a:solidFill>
+            <a:tailEnd type="arrow"/>
+          </a:ln>
+          <a:effectLst/>
+        </p:spPr>
+        <p:style>
+          <a:lnRef idx="2">
+            <a:schemeClr val="accent1"/>
+          </a:lnRef>
+          <a:fillRef idx="0">
+            <a:schemeClr val="accent1"/>
+          </a:fillRef>
+          <a:effectRef idx="1">
+            <a:schemeClr val="accent1"/>
+          </a:effectRef>
+          <a:fontRef idx="minor">
+            <a:schemeClr val="tx1"/>
+          </a:fontRef>
+        </p:style>
+      </p:cxnSp>
+      <p:cxnSp>
+        <p:nvCxnSpPr>
+          <p:cNvPr id="18" name="直線矢印コネクタ 17"/>
+          <p:cNvCxnSpPr>
+            <a:stCxn id="5" idx="3"/>
+            <a:endCxn id="8" idx="1"/>
+          </p:cNvCxnSpPr>
+          <p:nvPr/>
+        </p:nvCxnSpPr>
+        <p:spPr>
+          <a:xfrm>
+            <a:off x="4393238" y="2058751"/>
+            <a:ext cx="1468084" cy="996002"/>
+          </a:xfrm>
+          <a:prstGeom prst="straightConnector1">
+            <a:avLst/>
+          </a:prstGeom>
+          <a:ln w="38100">
+            <a:solidFill>
+              <a:schemeClr val="tx2">
+                <a:lumMod val="60000"/>
+                <a:lumOff val="40000"/>
+              </a:schemeClr>
+            </a:solidFill>
+            <a:tailEnd type="arrow"/>
+          </a:ln>
+          <a:effectLst/>
+        </p:spPr>
+        <p:style>
+          <a:lnRef idx="2">
+            <a:schemeClr val="accent1"/>
+          </a:lnRef>
+          <a:fillRef idx="0">
+            <a:schemeClr val="accent1"/>
+          </a:fillRef>
+          <a:effectRef idx="1">
+            <a:schemeClr val="accent1"/>
+          </a:effectRef>
+          <a:fontRef idx="minor">
+            <a:schemeClr val="tx1"/>
+          </a:fontRef>
+        </p:style>
+      </p:cxnSp>
+      <p:sp>
+        <p:nvSpPr>
+          <p:cNvPr id="23" name="テキスト ボックス 22"/>
+          <p:cNvSpPr txBox="1"/>
+          <p:nvPr/>
+        </p:nvSpPr>
+        <p:spPr>
+          <a:xfrm>
+            <a:off x="1304243" y="1673217"/>
+            <a:ext cx="1212717" cy="276999"/>
+          </a:xfrm>
+          <a:prstGeom prst="rect">
+            <a:avLst/>
+          </a:prstGeom>
+          <a:noFill/>
+        </p:spPr>
+        <p:txBody>
+          <a:bodyPr wrap="square" rtlCol="0">
+            <a:spAutoFit/>
+          </a:bodyPr>
+          <a:lstStyle/>
+          <a:p>
+            <a:r>
+              <a:rPr lang="ja-JP" altLang="en-US" sz="1200" dirty="0" smtClean="0"/>
+              <a:t>コンテンツ指定</a:t>
+            </a:r>
+            <a:endParaRPr kumimoji="1" lang="ja-JP" altLang="en-US" sz="1200" dirty="0"/>
+          </a:p>
+        </p:txBody>
+      </p:sp>
+      <p:sp>
+        <p:nvSpPr>
+          <p:cNvPr id="25" name="テキスト ボックス 24"/>
+          <p:cNvSpPr txBox="1"/>
+          <p:nvPr/>
+        </p:nvSpPr>
+        <p:spPr>
+          <a:xfrm>
+            <a:off x="4488435" y="1352843"/>
+            <a:ext cx="1212717" cy="276999"/>
+          </a:xfrm>
+          <a:prstGeom prst="rect">
+            <a:avLst/>
+          </a:prstGeom>
+          <a:noFill/>
+        </p:spPr>
+        <p:txBody>
+          <a:bodyPr wrap="square" rtlCol="0">
+            <a:spAutoFit/>
+          </a:bodyPr>
+          <a:lstStyle/>
+          <a:p>
+            <a:r>
+              <a:rPr kumimoji="1" lang="ja-JP" altLang="en-US" sz="1200" dirty="0" smtClean="0"/>
+              <a:t>サイトクロール</a:t>
+            </a:r>
+            <a:endParaRPr kumimoji="1" lang="ja-JP" altLang="en-US" sz="1200" dirty="0"/>
+          </a:p>
+        </p:txBody>
+      </p:sp>
+      <p:sp>
+        <p:nvSpPr>
+          <p:cNvPr id="16" name="テキスト ボックス 15"/>
+          <p:cNvSpPr txBox="1"/>
+          <p:nvPr/>
+        </p:nvSpPr>
+        <p:spPr>
+          <a:xfrm>
+            <a:off x="469073" y="1341401"/>
+            <a:ext cx="1212717" cy="276999"/>
+          </a:xfrm>
+          <a:prstGeom prst="rect">
+            <a:avLst/>
+          </a:prstGeom>
+          <a:noFill/>
+        </p:spPr>
+        <p:txBody>
+          <a:bodyPr wrap="square" rtlCol="0">
+            <a:spAutoFit/>
+          </a:bodyPr>
+          <a:lstStyle/>
+          <a:p>
+            <a:r>
+              <a:rPr kumimoji="1" lang="ja-JP" altLang="en-US" sz="1200" dirty="0" smtClean="0"/>
+              <a:t>広告主</a:t>
+            </a:r>
+            <a:endParaRPr kumimoji="1" lang="ja-JP" altLang="en-US" sz="1200" dirty="0"/>
+          </a:p>
+        </p:txBody>
+      </p:sp>
+      <p:grpSp>
+        <p:nvGrpSpPr>
+          <p:cNvPr id="17" name="図形グループ 16"/>
+          <p:cNvGrpSpPr/>
+          <p:nvPr/>
+        </p:nvGrpSpPr>
+        <p:grpSpPr>
+          <a:xfrm>
+            <a:off x="8195231" y="1618400"/>
+            <a:ext cx="400426" cy="663632"/>
+            <a:chOff x="789409" y="972563"/>
+            <a:chExt cx="400426" cy="663632"/>
+          </a:xfrm>
+        </p:grpSpPr>
+        <p:sp>
+          <p:nvSpPr>
+            <p:cNvPr id="19" name="台形 18"/>
+            <p:cNvSpPr/>
+            <p:nvPr/>
+          </p:nvSpPr>
+          <p:spPr>
+            <a:xfrm>
+              <a:off x="789409" y="1304379"/>
+              <a:ext cx="400425" cy="331816"/>
+            </a:xfrm>
+            <a:prstGeom prst="trapezoid">
+              <a:avLst/>
+            </a:prstGeom>
+            <a:solidFill>
+              <a:schemeClr val="tx2">
+                <a:lumMod val="60000"/>
+                <a:lumOff val="40000"/>
+              </a:schemeClr>
+            </a:solidFill>
+            <a:ln>
+              <a:noFill/>
+            </a:ln>
+            <a:effectLst/>
+          </p:spPr>
+          <p:style>
+            <a:lnRef idx="1">
+              <a:schemeClr val="accent1"/>
+            </a:lnRef>
+            <a:fillRef idx="3">
+              <a:schemeClr val="accent1"/>
+            </a:fillRef>
+            <a:effectRef idx="2">
+              <a:schemeClr val="accent1"/>
+            </a:effectRef>
+            <a:fontRef idx="minor">
+              <a:schemeClr val="lt1"/>
+            </a:fontRef>
+          </p:style>
+          <p:txBody>
+            <a:bodyPr rtlCol="0" anchor="ctr"/>
+            <a:lstStyle/>
+            <a:p>
+              <a:pPr algn="ctr"/>
+              <a:endParaRPr kumimoji="1" lang="ja-JP" altLang="en-US"/>
+            </a:p>
+          </p:txBody>
+        </p:sp>
+        <p:sp>
+          <p:nvSpPr>
+            <p:cNvPr id="20" name="円/楕円 19"/>
+            <p:cNvSpPr/>
+            <p:nvPr/>
+          </p:nvSpPr>
+          <p:spPr>
+            <a:xfrm>
+              <a:off x="789410" y="972563"/>
+              <a:ext cx="400425" cy="411909"/>
+            </a:xfrm>
+            <a:prstGeom prst="ellipse">
+              <a:avLst/>
+            </a:prstGeom>
+            <a:solidFill>
+              <a:schemeClr val="tx2">
+                <a:lumMod val="60000"/>
+                <a:lumOff val="40000"/>
+              </a:schemeClr>
+            </a:solidFill>
+            <a:ln>
+              <a:noFill/>
+            </a:ln>
+            <a:effectLst/>
+          </p:spPr>
+          <p:style>
+            <a:lnRef idx="1">
+              <a:schemeClr val="accent1"/>
+            </a:lnRef>
+            <a:fillRef idx="3">
+              <a:schemeClr val="accent1"/>
+            </a:fillRef>
+            <a:effectRef idx="2">
+              <a:schemeClr val="accent1"/>
+            </a:effectRef>
+            <a:fontRef idx="minor">
+              <a:schemeClr val="lt1"/>
+            </a:fontRef>
+          </p:style>
+          <p:txBody>
+            <a:bodyPr rtlCol="0" anchor="ctr"/>
+            <a:lstStyle/>
+            <a:p>
+              <a:pPr algn="ctr"/>
+              <a:endParaRPr kumimoji="1" lang="ja-JP" altLang="en-US"/>
+            </a:p>
+          </p:txBody>
+        </p:sp>
+      </p:grpSp>
+      <p:sp>
+        <p:nvSpPr>
+          <p:cNvPr id="21" name="テキスト ボックス 20"/>
+          <p:cNvSpPr txBox="1"/>
+          <p:nvPr/>
+        </p:nvSpPr>
+        <p:spPr>
+          <a:xfrm>
+            <a:off x="8074293" y="1341401"/>
+            <a:ext cx="847426" cy="276999"/>
+          </a:xfrm>
+          <a:prstGeom prst="rect">
+            <a:avLst/>
+          </a:prstGeom>
+          <a:noFill/>
+        </p:spPr>
+        <p:txBody>
+          <a:bodyPr wrap="square" rtlCol="0">
+            <a:spAutoFit/>
+          </a:bodyPr>
+          <a:lstStyle/>
+          <a:p>
+            <a:r>
+              <a:rPr kumimoji="1" lang="ja-JP" altLang="en-US" sz="1200" dirty="0" smtClean="0"/>
+              <a:t>ユーザ</a:t>
+            </a:r>
+            <a:endParaRPr kumimoji="1" lang="ja-JP" altLang="en-US" sz="1200" dirty="0"/>
+          </a:p>
+        </p:txBody>
+      </p:sp>
+    </p:spTree>
+    <p:extLst>
+      <p:ext uri="{BB962C8B-B14F-4D97-AF65-F5344CB8AC3E}">
+        <p14:creationId xmlns:p14="http://schemas.microsoft.com/office/powerpoint/2010/main" val="1701547412"/>
+      </p:ext>
+    </p:extLst>
+  </p:cSld>
+  <p:clrMapOvr>
+    <a:masterClrMapping/>
+  </p:clrMapOvr>
+</p:sld>
+</file>
+
+<file path=ppt/slides/slide3.xml><?xml version="1.0" encoding="utf-8"?>
+<p:sld xmlns:a="http://schemas.openxmlformats.org/drawingml/2006/main" xmlns:r="http://schemas.openxmlformats.org/officeDocument/2006/relationships" xmlns:p="http://schemas.openxmlformats.org/presentationml/2006/main">
+  <p:cSld>
+    <p:spTree>
+      <p:nvGrpSpPr>
+        <p:cNvPr id="1" name=""/>
+        <p:cNvGrpSpPr/>
+        <p:nvPr/>
+      </p:nvGrpSpPr>
+      <p:grpSpPr>
+        <a:xfrm>
+          <a:off x="0" y="0"/>
+          <a:ext cx="0" cy="0"/>
+          <a:chOff x="0" y="0"/>
+          <a:chExt cx="0" cy="0"/>
+        </a:xfrm>
+      </p:grpSpPr>
+      <p:grpSp>
+        <p:nvGrpSpPr>
+          <p:cNvPr id="4" name="図形グループ 3"/>
+          <p:cNvGrpSpPr/>
+          <p:nvPr/>
+        </p:nvGrpSpPr>
+        <p:grpSpPr>
+          <a:xfrm>
+            <a:off x="245968" y="2041754"/>
+            <a:ext cx="400426" cy="663632"/>
+            <a:chOff x="789409" y="972563"/>
+            <a:chExt cx="400426" cy="663632"/>
+          </a:xfrm>
+        </p:grpSpPr>
+        <p:sp>
+          <p:nvSpPr>
+            <p:cNvPr id="3" name="台形 2"/>
+            <p:cNvSpPr/>
+            <p:nvPr/>
+          </p:nvSpPr>
+          <p:spPr>
+            <a:xfrm>
+              <a:off x="789409" y="1304379"/>
+              <a:ext cx="400425" cy="331816"/>
+            </a:xfrm>
+            <a:prstGeom prst="trapezoid">
+              <a:avLst/>
+            </a:prstGeom>
+            <a:solidFill>
+              <a:schemeClr val="accent3"/>
+            </a:solidFill>
+            <a:ln>
+              <a:noFill/>
+            </a:ln>
+            <a:effectLst/>
+          </p:spPr>
+          <p:style>
+            <a:lnRef idx="1">
+              <a:schemeClr val="accent1"/>
+            </a:lnRef>
+            <a:fillRef idx="3">
+              <a:schemeClr val="accent1"/>
+            </a:fillRef>
+            <a:effectRef idx="2">
+              <a:schemeClr val="accent1"/>
+            </a:effectRef>
+            <a:fontRef idx="minor">
+              <a:schemeClr val="lt1"/>
+            </a:fontRef>
+          </p:style>
+          <p:txBody>
+            <a:bodyPr rtlCol="0" anchor="ctr"/>
+            <a:lstStyle/>
+            <a:p>
+              <a:pPr algn="ctr"/>
+              <a:endParaRPr kumimoji="1" lang="ja-JP" altLang="en-US"/>
+            </a:p>
+          </p:txBody>
+        </p:sp>
+        <p:sp>
+          <p:nvSpPr>
+            <p:cNvPr id="2" name="円/楕円 1"/>
+            <p:cNvSpPr/>
+            <p:nvPr/>
+          </p:nvSpPr>
+          <p:spPr>
+            <a:xfrm>
+              <a:off x="789410" y="972563"/>
+              <a:ext cx="400425" cy="411909"/>
+            </a:xfrm>
+            <a:prstGeom prst="ellipse">
+              <a:avLst/>
+            </a:prstGeom>
+            <a:solidFill>
+              <a:schemeClr val="accent3"/>
+            </a:solidFill>
+            <a:ln>
+              <a:noFill/>
+            </a:ln>
+            <a:effectLst/>
+          </p:spPr>
+          <p:style>
+            <a:lnRef idx="1">
+              <a:schemeClr val="accent1"/>
+            </a:lnRef>
+            <a:fillRef idx="3">
+              <a:schemeClr val="accent1"/>
+            </a:fillRef>
+            <a:effectRef idx="2">
+              <a:schemeClr val="accent1"/>
+            </a:effectRef>
+            <a:fontRef idx="minor">
+              <a:schemeClr val="lt1"/>
+            </a:fontRef>
+          </p:style>
+          <p:txBody>
+            <a:bodyPr rtlCol="0" anchor="ctr"/>
+            <a:lstStyle/>
+            <a:p>
+              <a:pPr algn="ctr"/>
+              <a:endParaRPr kumimoji="1" lang="ja-JP" altLang="en-US"/>
+            </a:p>
+          </p:txBody>
+        </p:sp>
+      </p:grpSp>
+      <p:sp>
+        <p:nvSpPr>
+          <p:cNvPr id="5" name="正方形/長方形 4"/>
+          <p:cNvSpPr/>
+          <p:nvPr/>
+        </p:nvSpPr>
+        <p:spPr>
+          <a:xfrm>
+            <a:off x="1922034" y="194513"/>
+            <a:ext cx="2127974" cy="3833045"/>
+          </a:xfrm>
+          <a:prstGeom prst="rect">
+            <a:avLst/>
+          </a:prstGeom>
+          <a:noFill/>
+          <a:ln w="38100">
+            <a:solidFill>
+              <a:schemeClr val="accent4"/>
+            </a:solidFill>
+          </a:ln>
+          <a:effectLst/>
+        </p:spPr>
+        <p:style>
+          <a:lnRef idx="1">
+            <a:schemeClr val="accent1"/>
+          </a:lnRef>
+          <a:fillRef idx="3">
+            <a:schemeClr val="accent1"/>
+          </a:fillRef>
+          <a:effectRef idx="2">
+            <a:schemeClr val="accent1"/>
+          </a:effectRef>
+          <a:fontRef idx="minor">
+            <a:schemeClr val="lt1"/>
+          </a:fontRef>
+        </p:style>
+        <p:txBody>
+          <a:bodyPr rtlCol="0" anchor="ctr"/>
+          <a:lstStyle/>
+          <a:p>
+            <a:pPr algn="ctr"/>
+            <a:endParaRPr kumimoji="1" lang="ja-JP" altLang="en-US" dirty="0">
+              <a:solidFill>
+                <a:schemeClr val="tx1"/>
+              </a:solidFill>
+            </a:endParaRPr>
+          </a:p>
+        </p:txBody>
+      </p:sp>
+      <p:sp>
+        <p:nvSpPr>
+          <p:cNvPr id="6" name="正方形/長方形 5"/>
+          <p:cNvSpPr/>
+          <p:nvPr/>
+        </p:nvSpPr>
+        <p:spPr>
+          <a:xfrm>
+            <a:off x="5129114" y="772333"/>
+            <a:ext cx="2002127" cy="1144191"/>
+          </a:xfrm>
+          <a:prstGeom prst="rect">
+            <a:avLst/>
+          </a:prstGeom>
+          <a:noFill/>
+          <a:ln w="38100">
+            <a:solidFill>
+              <a:srgbClr val="3366FF"/>
+            </a:solidFill>
+          </a:ln>
+          <a:effectLst/>
+        </p:spPr>
+        <p:style>
+          <a:lnRef idx="1">
+            <a:schemeClr val="accent1"/>
+          </a:lnRef>
+          <a:fillRef idx="3">
+            <a:schemeClr val="accent1"/>
+          </a:fillRef>
+          <a:effectRef idx="2">
+            <a:schemeClr val="accent1"/>
+          </a:effectRef>
+          <a:fontRef idx="minor">
+            <a:schemeClr val="lt1"/>
+          </a:fontRef>
+        </p:style>
+        <p:txBody>
+          <a:bodyPr rtlCol="0" anchor="ctr"/>
+          <a:lstStyle/>
+          <a:p>
+            <a:pPr algn="ctr"/>
+            <a:r>
+              <a:rPr kumimoji="1" lang="ja-JP" altLang="en-US" dirty="0" smtClean="0">
+                <a:solidFill>
+                  <a:schemeClr val="tx1"/>
+                </a:solidFill>
+              </a:rPr>
+              <a:t>広告主</a:t>
+            </a:r>
+            <a:endParaRPr kumimoji="1" lang="en-US" altLang="ja-JP" dirty="0" smtClean="0">
+              <a:solidFill>
+                <a:schemeClr val="tx1"/>
+              </a:solidFill>
+            </a:endParaRPr>
+          </a:p>
+          <a:p>
+            <a:pPr algn="ctr"/>
+            <a:r>
+              <a:rPr lang="ja-JP" altLang="en-US" dirty="0" smtClean="0">
+                <a:solidFill>
+                  <a:schemeClr val="tx1"/>
+                </a:solidFill>
+              </a:rPr>
+              <a:t>サイト</a:t>
+            </a:r>
+            <a:endParaRPr kumimoji="1" lang="ja-JP" altLang="en-US" dirty="0">
+              <a:solidFill>
+                <a:schemeClr val="tx1"/>
+              </a:solidFill>
+            </a:endParaRPr>
+          </a:p>
+        </p:txBody>
+      </p:sp>
+      <p:sp>
+        <p:nvSpPr>
+          <p:cNvPr id="8" name="正方形/長方形 7"/>
+          <p:cNvSpPr/>
+          <p:nvPr/>
+        </p:nvSpPr>
+        <p:spPr>
+          <a:xfrm>
+            <a:off x="5129114" y="2373570"/>
+            <a:ext cx="2002127" cy="1196790"/>
+          </a:xfrm>
+          <a:prstGeom prst="rect">
+            <a:avLst/>
+          </a:prstGeom>
+          <a:noFill/>
+          <a:ln w="38100">
+            <a:solidFill>
+              <a:srgbClr val="3366FF"/>
+            </a:solidFill>
+          </a:ln>
+          <a:effectLst/>
+        </p:spPr>
+        <p:style>
+          <a:lnRef idx="1">
+            <a:schemeClr val="accent1"/>
+          </a:lnRef>
+          <a:fillRef idx="3">
+            <a:schemeClr val="accent1"/>
+          </a:fillRef>
+          <a:effectRef idx="2">
+            <a:schemeClr val="accent1"/>
+          </a:effectRef>
+          <a:fontRef idx="minor">
+            <a:schemeClr val="lt1"/>
+          </a:fontRef>
+        </p:style>
+        <p:txBody>
+          <a:bodyPr rtlCol="0" anchor="ctr"/>
+          <a:lstStyle/>
+          <a:p>
+            <a:pPr algn="ctr"/>
+            <a:r>
+              <a:rPr kumimoji="1" lang="ja-JP" altLang="en-US" dirty="0" smtClean="0">
+                <a:solidFill>
+                  <a:schemeClr val="tx1"/>
+                </a:solidFill>
+              </a:rPr>
+              <a:t>広告掲載</a:t>
+            </a:r>
+            <a:endParaRPr kumimoji="1" lang="en-US" altLang="ja-JP" dirty="0" smtClean="0">
+              <a:solidFill>
+                <a:schemeClr val="tx1"/>
+              </a:solidFill>
+            </a:endParaRPr>
+          </a:p>
+          <a:p>
+            <a:pPr algn="ctr"/>
+            <a:r>
+              <a:rPr kumimoji="1" lang="ja-JP" altLang="en-US" dirty="0" smtClean="0">
+                <a:solidFill>
+                  <a:schemeClr val="tx1"/>
+                </a:solidFill>
+              </a:rPr>
+              <a:t>サイト</a:t>
+            </a:r>
+            <a:endParaRPr kumimoji="1" lang="ja-JP" altLang="en-US" dirty="0">
+              <a:solidFill>
+                <a:schemeClr val="tx1"/>
+              </a:solidFill>
+            </a:endParaRPr>
+          </a:p>
+        </p:txBody>
+      </p:sp>
+      <p:cxnSp>
+        <p:nvCxnSpPr>
+          <p:cNvPr id="10" name="直線矢印コネクタ 9"/>
+          <p:cNvCxnSpPr>
+            <a:endCxn id="22" idx="2"/>
+          </p:cNvCxnSpPr>
+          <p:nvPr/>
+        </p:nvCxnSpPr>
+        <p:spPr>
+          <a:xfrm>
+            <a:off x="961013" y="2470666"/>
+            <a:ext cx="1212716" cy="509166"/>
+          </a:xfrm>
+          <a:prstGeom prst="straightConnector1">
+            <a:avLst/>
+          </a:prstGeom>
+          <a:ln w="38100">
+            <a:solidFill>
+              <a:schemeClr val="tx2">
+                <a:lumMod val="60000"/>
+                <a:lumOff val="40000"/>
+              </a:schemeClr>
+            </a:solidFill>
+            <a:tailEnd type="arrow"/>
+          </a:ln>
+          <a:effectLst/>
+        </p:spPr>
+        <p:style>
+          <a:lnRef idx="2">
+            <a:schemeClr val="accent1"/>
+          </a:lnRef>
+          <a:fillRef idx="0">
+            <a:schemeClr val="accent1"/>
+          </a:fillRef>
+          <a:effectRef idx="1">
+            <a:schemeClr val="accent1"/>
+          </a:effectRef>
+          <a:fontRef idx="minor">
+            <a:schemeClr val="tx1"/>
+          </a:fontRef>
+        </p:style>
+      </p:cxnSp>
+      <p:sp>
+        <p:nvSpPr>
+          <p:cNvPr id="23" name="テキスト ボックス 22"/>
+          <p:cNvSpPr txBox="1"/>
+          <p:nvPr/>
+        </p:nvSpPr>
+        <p:spPr>
+          <a:xfrm>
+            <a:off x="858045" y="2373570"/>
+            <a:ext cx="1212717" cy="276999"/>
+          </a:xfrm>
+          <a:prstGeom prst="rect">
+            <a:avLst/>
+          </a:prstGeom>
+          <a:noFill/>
+        </p:spPr>
+        <p:txBody>
+          <a:bodyPr wrap="square" rtlCol="0">
+            <a:spAutoFit/>
+          </a:bodyPr>
+          <a:lstStyle/>
+          <a:p>
+            <a:r>
+              <a:rPr kumimoji="1" lang="ja-JP" altLang="en-US" sz="1200" dirty="0" smtClean="0"/>
+              <a:t>広告配信設定</a:t>
+            </a:r>
+            <a:endParaRPr kumimoji="1" lang="ja-JP" altLang="en-US" sz="1200" dirty="0"/>
+          </a:p>
+        </p:txBody>
+      </p:sp>
+      <p:sp>
+        <p:nvSpPr>
+          <p:cNvPr id="16" name="テキスト ボックス 15"/>
+          <p:cNvSpPr txBox="1"/>
+          <p:nvPr/>
+        </p:nvSpPr>
+        <p:spPr>
+          <a:xfrm>
+            <a:off x="125843" y="1753313"/>
+            <a:ext cx="1212717" cy="276999"/>
+          </a:xfrm>
+          <a:prstGeom prst="rect">
+            <a:avLst/>
+          </a:prstGeom>
+          <a:noFill/>
+        </p:spPr>
+        <p:txBody>
+          <a:bodyPr wrap="square" rtlCol="0">
+            <a:spAutoFit/>
+          </a:bodyPr>
+          <a:lstStyle/>
+          <a:p>
+            <a:r>
+              <a:rPr kumimoji="1" lang="ja-JP" altLang="en-US" sz="1200" dirty="0" smtClean="0"/>
+              <a:t>広告主</a:t>
+            </a:r>
+            <a:endParaRPr kumimoji="1" lang="ja-JP" altLang="en-US" sz="1200" dirty="0"/>
+          </a:p>
+        </p:txBody>
+      </p:sp>
+      <p:grpSp>
+        <p:nvGrpSpPr>
+          <p:cNvPr id="17" name="図形グループ 16"/>
+          <p:cNvGrpSpPr/>
+          <p:nvPr/>
+        </p:nvGrpSpPr>
+        <p:grpSpPr>
+          <a:xfrm>
+            <a:off x="8195232" y="1089681"/>
+            <a:ext cx="400426" cy="663632"/>
+            <a:chOff x="789409" y="972563"/>
+            <a:chExt cx="400426" cy="663632"/>
+          </a:xfrm>
+        </p:grpSpPr>
+        <p:sp>
+          <p:nvSpPr>
+            <p:cNvPr id="19" name="台形 18"/>
+            <p:cNvSpPr/>
+            <p:nvPr/>
+          </p:nvSpPr>
+          <p:spPr>
+            <a:xfrm>
+              <a:off x="789409" y="1304379"/>
+              <a:ext cx="400425" cy="331816"/>
+            </a:xfrm>
+            <a:prstGeom prst="trapezoid">
+              <a:avLst/>
+            </a:prstGeom>
+            <a:solidFill>
+              <a:schemeClr val="tx2">
+                <a:lumMod val="60000"/>
+                <a:lumOff val="40000"/>
+              </a:schemeClr>
+            </a:solidFill>
+            <a:ln>
+              <a:noFill/>
+            </a:ln>
+            <a:effectLst/>
+          </p:spPr>
+          <p:style>
+            <a:lnRef idx="1">
+              <a:schemeClr val="accent1"/>
+            </a:lnRef>
+            <a:fillRef idx="3">
+              <a:schemeClr val="accent1"/>
+            </a:fillRef>
+            <a:effectRef idx="2">
+              <a:schemeClr val="accent1"/>
+            </a:effectRef>
+            <a:fontRef idx="minor">
+              <a:schemeClr val="lt1"/>
+            </a:fontRef>
+          </p:style>
+          <p:txBody>
+            <a:bodyPr rtlCol="0" anchor="ctr"/>
+            <a:lstStyle/>
+            <a:p>
+              <a:pPr algn="ctr"/>
+              <a:endParaRPr kumimoji="1" lang="ja-JP" altLang="en-US"/>
+            </a:p>
+          </p:txBody>
+        </p:sp>
+        <p:sp>
+          <p:nvSpPr>
+            <p:cNvPr id="20" name="円/楕円 19"/>
+            <p:cNvSpPr/>
+            <p:nvPr/>
+          </p:nvSpPr>
+          <p:spPr>
+            <a:xfrm>
+              <a:off x="789410" y="972563"/>
+              <a:ext cx="400425" cy="411909"/>
+            </a:xfrm>
+            <a:prstGeom prst="ellipse">
+              <a:avLst/>
+            </a:prstGeom>
+            <a:solidFill>
+              <a:schemeClr val="tx2">
+                <a:lumMod val="60000"/>
+                <a:lumOff val="40000"/>
+              </a:schemeClr>
+            </a:solidFill>
+            <a:ln>
+              <a:noFill/>
+            </a:ln>
+            <a:effectLst/>
+          </p:spPr>
+          <p:style>
+            <a:lnRef idx="1">
+              <a:schemeClr val="accent1"/>
+            </a:lnRef>
+            <a:fillRef idx="3">
+              <a:schemeClr val="accent1"/>
+            </a:fillRef>
+            <a:effectRef idx="2">
+              <a:schemeClr val="accent1"/>
+            </a:effectRef>
+            <a:fontRef idx="minor">
+              <a:schemeClr val="lt1"/>
+            </a:fontRef>
+          </p:style>
+          <p:txBody>
+            <a:bodyPr rtlCol="0" anchor="ctr"/>
+            <a:lstStyle/>
+            <a:p>
+              <a:pPr algn="ctr"/>
+              <a:endParaRPr kumimoji="1" lang="ja-JP" altLang="en-US"/>
+            </a:p>
+          </p:txBody>
+        </p:sp>
+      </p:grpSp>
+      <p:sp>
+        <p:nvSpPr>
+          <p:cNvPr id="21" name="テキスト ボックス 20"/>
+          <p:cNvSpPr txBox="1"/>
+          <p:nvPr/>
+        </p:nvSpPr>
+        <p:spPr>
+          <a:xfrm>
+            <a:off x="8074294" y="812682"/>
+            <a:ext cx="847426" cy="276999"/>
+          </a:xfrm>
+          <a:prstGeom prst="rect">
+            <a:avLst/>
+          </a:prstGeom>
+          <a:noFill/>
+        </p:spPr>
+        <p:txBody>
+          <a:bodyPr wrap="square" rtlCol="0">
+            <a:spAutoFit/>
+          </a:bodyPr>
+          <a:lstStyle/>
+          <a:p>
+            <a:r>
+              <a:rPr kumimoji="1" lang="ja-JP" altLang="en-US" sz="1200" dirty="0" smtClean="0"/>
+              <a:t>ユーザ</a:t>
+            </a:r>
+            <a:endParaRPr kumimoji="1" lang="ja-JP" altLang="en-US" sz="1200" dirty="0"/>
+          </a:p>
+        </p:txBody>
+      </p:sp>
+      <p:sp>
+        <p:nvSpPr>
+          <p:cNvPr id="22" name="円柱 21"/>
+          <p:cNvSpPr/>
+          <p:nvPr/>
+        </p:nvSpPr>
+        <p:spPr>
+          <a:xfrm>
+            <a:off x="2173729" y="2470666"/>
+            <a:ext cx="1613142" cy="1018331"/>
+          </a:xfrm>
+          <a:prstGeom prst="can">
+            <a:avLst/>
+          </a:prstGeom>
+          <a:noFill/>
+          <a:ln w="38100"/>
+          <a:effectLst/>
+        </p:spPr>
+        <p:style>
+          <a:lnRef idx="1">
+            <a:schemeClr val="accent1"/>
+          </a:lnRef>
+          <a:fillRef idx="3">
+            <a:schemeClr val="accent1"/>
+          </a:fillRef>
+          <a:effectRef idx="2">
+            <a:schemeClr val="accent1"/>
+          </a:effectRef>
+          <a:fontRef idx="minor">
+            <a:schemeClr val="lt1"/>
+          </a:fontRef>
+        </p:style>
+        <p:txBody>
+          <a:bodyPr rtlCol="0" anchor="ctr"/>
+          <a:lstStyle/>
+          <a:p>
+            <a:pPr algn="ctr"/>
+            <a:r>
+              <a:rPr lang="ja-JP" altLang="en-US" dirty="0" smtClean="0">
+                <a:solidFill>
+                  <a:srgbClr val="000000"/>
+                </a:solidFill>
+              </a:rPr>
+              <a:t>広告データ</a:t>
+            </a:r>
+            <a:endParaRPr kumimoji="1" lang="ja-JP" altLang="en-US" dirty="0">
+              <a:solidFill>
+                <a:srgbClr val="000000"/>
+              </a:solidFill>
+            </a:endParaRPr>
+          </a:p>
+        </p:txBody>
+      </p:sp>
+      <p:sp>
+        <p:nvSpPr>
+          <p:cNvPr id="26" name="円柱 25"/>
+          <p:cNvSpPr/>
+          <p:nvPr/>
+        </p:nvSpPr>
+        <p:spPr>
+          <a:xfrm>
+            <a:off x="2173730" y="835263"/>
+            <a:ext cx="1613142" cy="1018331"/>
+          </a:xfrm>
+          <a:prstGeom prst="can">
+            <a:avLst/>
+          </a:prstGeom>
+          <a:noFill/>
+          <a:ln w="38100"/>
+          <a:effectLst/>
+        </p:spPr>
+        <p:style>
+          <a:lnRef idx="1">
+            <a:schemeClr val="accent1"/>
+          </a:lnRef>
+          <a:fillRef idx="3">
+            <a:schemeClr val="accent1"/>
+          </a:fillRef>
+          <a:effectRef idx="2">
+            <a:schemeClr val="accent1"/>
+          </a:effectRef>
+          <a:fontRef idx="minor">
+            <a:schemeClr val="lt1"/>
+          </a:fontRef>
+        </p:style>
+        <p:txBody>
+          <a:bodyPr rtlCol="0" anchor="ctr"/>
+          <a:lstStyle/>
+          <a:p>
+            <a:pPr algn="ctr"/>
+            <a:r>
+              <a:rPr kumimoji="1" lang="ja-JP" altLang="en-US" dirty="0" smtClean="0">
+                <a:solidFill>
+                  <a:srgbClr val="000000"/>
+                </a:solidFill>
+              </a:rPr>
+              <a:t>訪問履歴</a:t>
+            </a:r>
+            <a:endParaRPr kumimoji="1" lang="en-US" altLang="ja-JP" dirty="0" smtClean="0">
+              <a:solidFill>
+                <a:srgbClr val="000000"/>
+              </a:solidFill>
+            </a:endParaRPr>
+          </a:p>
+          <a:p>
+            <a:pPr algn="ctr"/>
+            <a:r>
+              <a:rPr lang="ja-JP" altLang="en-US" dirty="0" smtClean="0">
+                <a:solidFill>
+                  <a:srgbClr val="000000"/>
+                </a:solidFill>
+              </a:rPr>
+              <a:t>データ</a:t>
+            </a:r>
+            <a:endParaRPr kumimoji="1" lang="ja-JP" altLang="en-US" dirty="0">
+              <a:solidFill>
+                <a:srgbClr val="000000"/>
+              </a:solidFill>
+            </a:endParaRPr>
+          </a:p>
+        </p:txBody>
+      </p:sp>
+      <p:cxnSp>
+        <p:nvCxnSpPr>
+          <p:cNvPr id="27" name="直線矢印コネクタ 26"/>
+          <p:cNvCxnSpPr>
+            <a:endCxn id="6" idx="3"/>
+          </p:cNvCxnSpPr>
+          <p:nvPr/>
+        </p:nvCxnSpPr>
+        <p:spPr>
+          <a:xfrm flipH="1">
+            <a:off x="7131241" y="1344429"/>
+            <a:ext cx="679916" cy="0"/>
+          </a:xfrm>
+          <a:prstGeom prst="straightConnector1">
+            <a:avLst/>
+          </a:prstGeom>
+          <a:ln w="38100">
+            <a:solidFill>
+              <a:schemeClr val="tx2">
+                <a:lumMod val="60000"/>
+                <a:lumOff val="40000"/>
+              </a:schemeClr>
+            </a:solidFill>
+            <a:tailEnd type="arrow"/>
+          </a:ln>
+          <a:effectLst/>
+        </p:spPr>
+        <p:style>
+          <a:lnRef idx="2">
+            <a:schemeClr val="accent1"/>
+          </a:lnRef>
+          <a:fillRef idx="0">
+            <a:schemeClr val="accent1"/>
+          </a:fillRef>
+          <a:effectRef idx="1">
+            <a:schemeClr val="accent1"/>
+          </a:effectRef>
+          <a:fontRef idx="minor">
+            <a:schemeClr val="tx1"/>
+          </a:fontRef>
+        </p:style>
+      </p:cxnSp>
+      <p:sp>
+        <p:nvSpPr>
+          <p:cNvPr id="31" name="テキスト ボックス 30"/>
+          <p:cNvSpPr txBox="1"/>
+          <p:nvPr/>
+        </p:nvSpPr>
+        <p:spPr>
+          <a:xfrm>
+            <a:off x="7226868" y="951181"/>
+            <a:ext cx="847426" cy="276999"/>
+          </a:xfrm>
+          <a:prstGeom prst="rect">
+            <a:avLst/>
+          </a:prstGeom>
+          <a:noFill/>
+        </p:spPr>
+        <p:txBody>
+          <a:bodyPr wrap="square" rtlCol="0">
+            <a:spAutoFit/>
+          </a:bodyPr>
+          <a:lstStyle/>
+          <a:p>
+            <a:r>
+              <a:rPr kumimoji="1" lang="ja-JP" altLang="en-US" sz="1200" dirty="0" smtClean="0"/>
+              <a:t>訪問</a:t>
+            </a:r>
+            <a:endParaRPr kumimoji="1" lang="ja-JP" altLang="en-US" sz="1200" dirty="0"/>
+          </a:p>
+        </p:txBody>
+      </p:sp>
+      <p:sp>
+        <p:nvSpPr>
+          <p:cNvPr id="34" name="テキスト ボックス 33"/>
+          <p:cNvSpPr txBox="1"/>
+          <p:nvPr/>
+        </p:nvSpPr>
+        <p:spPr>
+          <a:xfrm>
+            <a:off x="2070762" y="277268"/>
+            <a:ext cx="1716109" cy="338554"/>
+          </a:xfrm>
+          <a:prstGeom prst="rect">
+            <a:avLst/>
+          </a:prstGeom>
+          <a:noFill/>
+        </p:spPr>
+        <p:txBody>
+          <a:bodyPr wrap="square" rtlCol="0">
+            <a:spAutoFit/>
+          </a:bodyPr>
+          <a:lstStyle/>
+          <a:p>
+            <a:r>
+              <a:rPr kumimoji="1" lang="ja-JP" altLang="en-US" sz="1600" dirty="0" smtClean="0"/>
+              <a:t>広告配信事業者</a:t>
+            </a:r>
+            <a:endParaRPr kumimoji="1" lang="ja-JP" altLang="en-US" sz="1600" dirty="0"/>
+          </a:p>
+        </p:txBody>
+      </p:sp>
+      <p:cxnSp>
+        <p:nvCxnSpPr>
+          <p:cNvPr id="36" name="直線矢印コネクタ 35"/>
+          <p:cNvCxnSpPr>
+            <a:stCxn id="6" idx="1"/>
+            <a:endCxn id="26" idx="4"/>
+          </p:cNvCxnSpPr>
+          <p:nvPr/>
+        </p:nvCxnSpPr>
+        <p:spPr>
+          <a:xfrm flipH="1">
+            <a:off x="3786872" y="1344429"/>
+            <a:ext cx="1342242" cy="0"/>
+          </a:xfrm>
+          <a:prstGeom prst="straightConnector1">
+            <a:avLst/>
+          </a:prstGeom>
+          <a:ln w="38100">
+            <a:solidFill>
+              <a:schemeClr val="tx2">
+                <a:lumMod val="60000"/>
+                <a:lumOff val="40000"/>
+              </a:schemeClr>
+            </a:solidFill>
+            <a:tailEnd type="arrow"/>
+          </a:ln>
+          <a:effectLst/>
+        </p:spPr>
+        <p:style>
+          <a:lnRef idx="2">
+            <a:schemeClr val="accent1"/>
+          </a:lnRef>
+          <a:fillRef idx="0">
+            <a:schemeClr val="accent1"/>
+          </a:fillRef>
+          <a:effectRef idx="1">
+            <a:schemeClr val="accent1"/>
+          </a:effectRef>
+          <a:fontRef idx="minor">
+            <a:schemeClr val="tx1"/>
+          </a:fontRef>
+        </p:style>
+      </p:cxnSp>
+      <p:sp>
+        <p:nvSpPr>
+          <p:cNvPr id="40" name="テキスト ボックス 39"/>
+          <p:cNvSpPr txBox="1"/>
+          <p:nvPr/>
+        </p:nvSpPr>
+        <p:spPr>
+          <a:xfrm>
+            <a:off x="3786871" y="1067430"/>
+            <a:ext cx="1521625" cy="276999"/>
+          </a:xfrm>
+          <a:prstGeom prst="rect">
+            <a:avLst/>
+          </a:prstGeom>
+          <a:noFill/>
+        </p:spPr>
+        <p:txBody>
+          <a:bodyPr wrap="square" rtlCol="0">
+            <a:spAutoFit/>
+          </a:bodyPr>
+          <a:lstStyle/>
+          <a:p>
+            <a:r>
+              <a:rPr kumimoji="1" lang="ja-JP" altLang="en-US" sz="1200" dirty="0" smtClean="0"/>
+              <a:t>ユーザアクセスログ</a:t>
+            </a:r>
+            <a:endParaRPr kumimoji="1" lang="ja-JP" altLang="en-US" sz="1200" dirty="0"/>
+          </a:p>
+        </p:txBody>
+      </p:sp>
+      <p:cxnSp>
+        <p:nvCxnSpPr>
+          <p:cNvPr id="42" name="直線矢印コネクタ 41"/>
+          <p:cNvCxnSpPr>
+            <a:endCxn id="8" idx="3"/>
+          </p:cNvCxnSpPr>
+          <p:nvPr/>
+        </p:nvCxnSpPr>
+        <p:spPr>
+          <a:xfrm flipH="1">
+            <a:off x="7131241" y="1714376"/>
+            <a:ext cx="832316" cy="1257589"/>
+          </a:xfrm>
+          <a:prstGeom prst="straightConnector1">
+            <a:avLst/>
+          </a:prstGeom>
+          <a:ln w="38100">
+            <a:solidFill>
+              <a:schemeClr val="tx2">
+                <a:lumMod val="60000"/>
+                <a:lumOff val="40000"/>
+              </a:schemeClr>
+            </a:solidFill>
+            <a:tailEnd type="arrow"/>
+          </a:ln>
+          <a:effectLst/>
+        </p:spPr>
+        <p:style>
+          <a:lnRef idx="2">
+            <a:schemeClr val="accent1"/>
+          </a:lnRef>
+          <a:fillRef idx="0">
+            <a:schemeClr val="accent1"/>
+          </a:fillRef>
+          <a:effectRef idx="1">
+            <a:schemeClr val="accent1"/>
+          </a:effectRef>
+          <a:fontRef idx="minor">
+            <a:schemeClr val="tx1"/>
+          </a:fontRef>
+        </p:style>
+      </p:cxnSp>
+      <p:sp>
+        <p:nvSpPr>
+          <p:cNvPr id="45" name="テキスト ボックス 44"/>
+          <p:cNvSpPr txBox="1"/>
+          <p:nvPr/>
+        </p:nvSpPr>
+        <p:spPr>
+          <a:xfrm>
+            <a:off x="7539844" y="2274007"/>
+            <a:ext cx="847426" cy="276999"/>
+          </a:xfrm>
+          <a:prstGeom prst="rect">
+            <a:avLst/>
+          </a:prstGeom>
+          <a:noFill/>
+        </p:spPr>
+        <p:txBody>
+          <a:bodyPr wrap="square" rtlCol="0">
+            <a:spAutoFit/>
+          </a:bodyPr>
+          <a:lstStyle/>
+          <a:p>
+            <a:r>
+              <a:rPr kumimoji="1" lang="ja-JP" altLang="en-US" sz="1200" dirty="0" smtClean="0"/>
+              <a:t>閲覧</a:t>
+            </a:r>
+            <a:endParaRPr kumimoji="1" lang="ja-JP" altLang="en-US" sz="1200" dirty="0"/>
+          </a:p>
+        </p:txBody>
+      </p:sp>
+      <p:cxnSp>
+        <p:nvCxnSpPr>
+          <p:cNvPr id="47" name="直線矢印コネクタ 46"/>
+          <p:cNvCxnSpPr>
+            <a:stCxn id="22" idx="4"/>
+            <a:endCxn id="8" idx="1"/>
+          </p:cNvCxnSpPr>
+          <p:nvPr/>
+        </p:nvCxnSpPr>
+        <p:spPr>
+          <a:xfrm flipV="1">
+            <a:off x="3786871" y="2971965"/>
+            <a:ext cx="1342243" cy="7867"/>
+          </a:xfrm>
+          <a:prstGeom prst="straightConnector1">
+            <a:avLst/>
+          </a:prstGeom>
+          <a:ln w="38100">
+            <a:solidFill>
+              <a:schemeClr val="tx2">
+                <a:lumMod val="60000"/>
+                <a:lumOff val="40000"/>
+              </a:schemeClr>
+            </a:solidFill>
+            <a:tailEnd type="arrow"/>
+          </a:ln>
+          <a:effectLst/>
+        </p:spPr>
+        <p:style>
+          <a:lnRef idx="2">
+            <a:schemeClr val="accent1"/>
+          </a:lnRef>
+          <a:fillRef idx="0">
+            <a:schemeClr val="accent1"/>
+          </a:fillRef>
+          <a:effectRef idx="1">
+            <a:schemeClr val="accent1"/>
+          </a:effectRef>
+          <a:fontRef idx="minor">
+            <a:schemeClr val="tx1"/>
+          </a:fontRef>
+        </p:style>
+      </p:cxnSp>
+      <p:sp>
+        <p:nvSpPr>
+          <p:cNvPr id="51" name="正方形/長方形 50"/>
+          <p:cNvSpPr/>
+          <p:nvPr/>
+        </p:nvSpPr>
+        <p:spPr>
+          <a:xfrm>
+            <a:off x="5129114" y="2819645"/>
+            <a:ext cx="469070" cy="406976"/>
+          </a:xfrm>
+          <a:prstGeom prst="rect">
+            <a:avLst/>
+          </a:prstGeom>
+          <a:solidFill>
+            <a:schemeClr val="tx2">
+              <a:lumMod val="60000"/>
+              <a:lumOff val="40000"/>
+            </a:schemeClr>
+          </a:solidFill>
+          <a:effectLst/>
+        </p:spPr>
+        <p:style>
+          <a:lnRef idx="1">
+            <a:schemeClr val="accent1"/>
+          </a:lnRef>
+          <a:fillRef idx="3">
+            <a:schemeClr val="accent1"/>
+          </a:fillRef>
+          <a:effectRef idx="2">
+            <a:schemeClr val="accent1"/>
+          </a:effectRef>
+          <a:fontRef idx="minor">
+            <a:schemeClr val="lt1"/>
+          </a:fontRef>
+        </p:style>
+        <p:txBody>
+          <a:bodyPr rtlCol="0" anchor="ctr"/>
+          <a:lstStyle/>
+          <a:p>
+            <a:pPr algn="ctr"/>
+            <a:r>
+              <a:rPr kumimoji="1" lang="en-US" altLang="ja-JP" dirty="0" smtClean="0"/>
+              <a:t>Ad</a:t>
+            </a:r>
+            <a:endParaRPr kumimoji="1" lang="ja-JP" altLang="en-US" dirty="0"/>
+          </a:p>
+        </p:txBody>
+      </p:sp>
+    </p:spTree>
+    <p:extLst>
+      <p:ext uri="{BB962C8B-B14F-4D97-AF65-F5344CB8AC3E}">
+        <p14:creationId xmlns:p14="http://schemas.microsoft.com/office/powerpoint/2010/main" val="1638267022"/>
+      </p:ext>
+    </p:extLst>
+  </p:cSld>
+  <p:clrMapOvr>
+    <a:masterClrMapping/>
+  </p:clrMapOvr>
+</p:sld>
+</file>
+
 <file path=ppt/theme/theme1.xml><?xml version="1.0" encoding="utf-8"?>
 <a:theme xmlns:a="http://schemas.openxmlformats.org/drawingml/2006/main" name="ホワイト">
   <a:themeElements>

--- a/ppt/ad_tech_img.pptx
+++ b/ppt/ad_tech_img.pptx
@@ -4117,37 +4117,142 @@
       </p:grpSpPr>
       <p:grpSp>
         <p:nvGrpSpPr>
-          <p:cNvPr id="4" name="図形グループ 3"/>
+          <p:cNvPr id="9" name="図形グループ 8"/>
           <p:cNvGrpSpPr/>
           <p:nvPr/>
         </p:nvGrpSpPr>
         <p:grpSpPr>
           <a:xfrm>
-            <a:off x="589198" y="1629842"/>
-            <a:ext cx="400426" cy="663632"/>
-            <a:chOff x="789409" y="972563"/>
-            <a:chExt cx="400426" cy="663632"/>
+            <a:off x="469073" y="770263"/>
+            <a:ext cx="8452646" cy="2559335"/>
+            <a:chOff x="469073" y="770263"/>
+            <a:chExt cx="8452646" cy="2559335"/>
           </a:xfrm>
         </p:grpSpPr>
+        <p:grpSp>
+          <p:nvGrpSpPr>
+            <p:cNvPr id="4" name="図形グループ 3"/>
+            <p:cNvGrpSpPr/>
+            <p:nvPr/>
+          </p:nvGrpSpPr>
+          <p:grpSpPr>
+            <a:xfrm>
+              <a:off x="589198" y="1629842"/>
+              <a:ext cx="400426" cy="663632"/>
+              <a:chOff x="789409" y="972563"/>
+              <a:chExt cx="400426" cy="663632"/>
+            </a:xfrm>
+          </p:grpSpPr>
+          <p:sp>
+            <p:nvSpPr>
+              <p:cNvPr id="3" name="台形 2"/>
+              <p:cNvSpPr/>
+              <p:nvPr/>
+            </p:nvSpPr>
+            <p:spPr>
+              <a:xfrm>
+                <a:off x="789409" y="1304379"/>
+                <a:ext cx="400425" cy="331816"/>
+              </a:xfrm>
+              <a:prstGeom prst="trapezoid">
+                <a:avLst/>
+              </a:prstGeom>
+              <a:solidFill>
+                <a:schemeClr val="accent3"/>
+              </a:solidFill>
+              <a:ln>
+                <a:noFill/>
+              </a:ln>
+              <a:effectLst/>
+            </p:spPr>
+            <p:style>
+              <a:lnRef idx="1">
+                <a:schemeClr val="accent1"/>
+              </a:lnRef>
+              <a:fillRef idx="3">
+                <a:schemeClr val="accent1"/>
+              </a:fillRef>
+              <a:effectRef idx="2">
+                <a:schemeClr val="accent1"/>
+              </a:effectRef>
+              <a:fontRef idx="minor">
+                <a:schemeClr val="lt1"/>
+              </a:fontRef>
+            </p:style>
+            <p:txBody>
+              <a:bodyPr rtlCol="0" anchor="ctr"/>
+              <a:lstStyle/>
+              <a:p>
+                <a:pPr algn="ctr"/>
+                <a:endParaRPr kumimoji="1" lang="ja-JP" altLang="en-US"/>
+              </a:p>
+            </p:txBody>
+          </p:sp>
+          <p:sp>
+            <p:nvSpPr>
+              <p:cNvPr id="2" name="円/楕円 1"/>
+              <p:cNvSpPr/>
+              <p:nvPr/>
+            </p:nvSpPr>
+            <p:spPr>
+              <a:xfrm>
+                <a:off x="789410" y="972563"/>
+                <a:ext cx="400425" cy="411909"/>
+              </a:xfrm>
+              <a:prstGeom prst="ellipse">
+                <a:avLst/>
+              </a:prstGeom>
+              <a:solidFill>
+                <a:schemeClr val="accent3"/>
+              </a:solidFill>
+              <a:ln>
+                <a:noFill/>
+              </a:ln>
+              <a:effectLst/>
+            </p:spPr>
+            <p:style>
+              <a:lnRef idx="1">
+                <a:schemeClr val="accent1"/>
+              </a:lnRef>
+              <a:fillRef idx="3">
+                <a:schemeClr val="accent1"/>
+              </a:fillRef>
+              <a:effectRef idx="2">
+                <a:schemeClr val="accent1"/>
+              </a:effectRef>
+              <a:fontRef idx="minor">
+                <a:schemeClr val="lt1"/>
+              </a:fontRef>
+            </p:style>
+            <p:txBody>
+              <a:bodyPr rtlCol="0" anchor="ctr"/>
+              <a:lstStyle/>
+              <a:p>
+                <a:pPr algn="ctr"/>
+                <a:endParaRPr kumimoji="1" lang="ja-JP" altLang="en-US"/>
+              </a:p>
+            </p:txBody>
+          </p:sp>
+        </p:grpSp>
         <p:sp>
           <p:nvSpPr>
-            <p:cNvPr id="3" name="台形 2"/>
+            <p:cNvPr id="5" name="正方形/長方形 4"/>
             <p:cNvSpPr/>
             <p:nvPr/>
           </p:nvSpPr>
           <p:spPr>
             <a:xfrm>
-              <a:off x="789409" y="1304379"/>
-              <a:ext cx="400425" cy="331816"/>
+              <a:off x="2654248" y="1121307"/>
+              <a:ext cx="1738990" cy="1874887"/>
             </a:xfrm>
-            <a:prstGeom prst="trapezoid">
+            <a:prstGeom prst="rect">
               <a:avLst/>
             </a:prstGeom>
-            <a:solidFill>
-              <a:schemeClr val="accent3"/>
-            </a:solidFill>
-            <a:ln>
-              <a:noFill/>
+            <a:noFill/>
+            <a:ln w="38100">
+              <a:solidFill>
+                <a:schemeClr val="accent4"/>
+              </a:solidFill>
             </a:ln>
             <a:effectLst/>
           </p:spPr>
@@ -4170,29 +4275,57 @@
             <a:lstStyle/>
             <a:p>
               <a:pPr algn="ctr"/>
-              <a:endParaRPr kumimoji="1" lang="ja-JP" altLang="en-US"/>
+              <a:r>
+                <a:rPr lang="ja-JP" altLang="en-US" dirty="0" smtClean="0">
+                  <a:solidFill>
+                    <a:schemeClr val="tx1"/>
+                  </a:solidFill>
+                </a:rPr>
+                <a:t>コンテンツ</a:t>
+              </a:r>
+              <a:endParaRPr lang="en-US" altLang="ja-JP" dirty="0" smtClean="0">
+                <a:solidFill>
+                  <a:schemeClr val="tx1"/>
+                </a:solidFill>
+              </a:endParaRPr>
+            </a:p>
+            <a:p>
+              <a:pPr algn="ctr"/>
+              <a:r>
+                <a:rPr lang="ja-JP" altLang="en-US" dirty="0" smtClean="0">
+                  <a:solidFill>
+                    <a:schemeClr val="tx1"/>
+                  </a:solidFill>
+                </a:rPr>
+                <a:t>解析エンジン</a:t>
+              </a:r>
+              <a:endParaRPr kumimoji="1" lang="ja-JP" altLang="en-US" dirty="0">
+                <a:solidFill>
+                  <a:schemeClr val="tx1"/>
+                </a:solidFill>
+              </a:endParaRPr>
             </a:p>
           </p:txBody>
         </p:sp>
         <p:sp>
           <p:nvSpPr>
-            <p:cNvPr id="2" name="円/楕円 1"/>
+            <p:cNvPr id="6" name="正方形/長方形 5"/>
             <p:cNvSpPr/>
             <p:nvPr/>
           </p:nvSpPr>
           <p:spPr>
             <a:xfrm>
-              <a:off x="789410" y="972563"/>
-              <a:ext cx="400425" cy="411909"/>
+              <a:off x="5861322" y="770263"/>
+              <a:ext cx="1738990" cy="614209"/>
             </a:xfrm>
-            <a:prstGeom prst="ellipse">
+            <a:prstGeom prst="rect">
               <a:avLst/>
             </a:prstGeom>
-            <a:solidFill>
-              <a:schemeClr val="accent3"/>
-            </a:solidFill>
-            <a:ln>
-              <a:noFill/>
+            <a:noFill/>
+            <a:ln w="38100">
+              <a:solidFill>
+                <a:srgbClr val="3366FF"/>
+              </a:solidFill>
             </a:ln>
             <a:effectLst/>
           </p:spPr>
@@ -4215,552 +4348,41 @@
             <a:lstStyle/>
             <a:p>
               <a:pPr algn="ctr"/>
-              <a:endParaRPr kumimoji="1" lang="ja-JP" altLang="en-US"/>
+              <a:r>
+                <a:rPr kumimoji="1" lang="ja-JP" altLang="en-US" dirty="0" smtClean="0">
+                  <a:solidFill>
+                    <a:schemeClr val="tx1"/>
+                  </a:solidFill>
+                </a:rPr>
+                <a:t>メディア</a:t>
+              </a:r>
+              <a:endParaRPr kumimoji="1" lang="ja-JP" altLang="en-US" dirty="0">
+                <a:solidFill>
+                  <a:schemeClr val="tx1"/>
+                </a:solidFill>
+              </a:endParaRPr>
             </a:p>
           </p:txBody>
         </p:sp>
-      </p:grpSp>
-      <p:sp>
-        <p:nvSpPr>
-          <p:cNvPr id="5" name="正方形/長方形 4"/>
-          <p:cNvSpPr/>
-          <p:nvPr/>
-        </p:nvSpPr>
-        <p:spPr>
-          <a:xfrm>
-            <a:off x="2654248" y="1121307"/>
-            <a:ext cx="1738990" cy="1874887"/>
-          </a:xfrm>
-          <a:prstGeom prst="rect">
-            <a:avLst/>
-          </a:prstGeom>
-          <a:noFill/>
-          <a:ln w="38100">
-            <a:solidFill>
-              <a:schemeClr val="accent4"/>
-            </a:solidFill>
-          </a:ln>
-          <a:effectLst/>
-        </p:spPr>
-        <p:style>
-          <a:lnRef idx="1">
-            <a:schemeClr val="accent1"/>
-          </a:lnRef>
-          <a:fillRef idx="3">
-            <a:schemeClr val="accent1"/>
-          </a:fillRef>
-          <a:effectRef idx="2">
-            <a:schemeClr val="accent1"/>
-          </a:effectRef>
-          <a:fontRef idx="minor">
-            <a:schemeClr val="lt1"/>
-          </a:fontRef>
-        </p:style>
-        <p:txBody>
-          <a:bodyPr rtlCol="0" anchor="ctr"/>
-          <a:lstStyle/>
-          <a:p>
-            <a:pPr algn="ctr"/>
-            <a:r>
-              <a:rPr lang="ja-JP" altLang="en-US" dirty="0" smtClean="0">
-                <a:solidFill>
-                  <a:schemeClr val="tx1"/>
-                </a:solidFill>
-              </a:rPr>
-              <a:t>コンテンツ</a:t>
-            </a:r>
-            <a:endParaRPr lang="en-US" altLang="ja-JP" dirty="0" smtClean="0">
-              <a:solidFill>
-                <a:schemeClr val="tx1"/>
-              </a:solidFill>
-            </a:endParaRPr>
-          </a:p>
-          <a:p>
-            <a:pPr algn="ctr"/>
-            <a:r>
-              <a:rPr lang="ja-JP" altLang="en-US" dirty="0" smtClean="0">
-                <a:solidFill>
-                  <a:schemeClr val="tx1"/>
-                </a:solidFill>
-              </a:rPr>
-              <a:t>解析エンジン</a:t>
-            </a:r>
-            <a:endParaRPr kumimoji="1" lang="ja-JP" altLang="en-US" dirty="0">
-              <a:solidFill>
-                <a:schemeClr val="tx1"/>
-              </a:solidFill>
-            </a:endParaRPr>
-          </a:p>
-        </p:txBody>
-      </p:sp>
-      <p:sp>
-        <p:nvSpPr>
-          <p:cNvPr id="6" name="正方形/長方形 5"/>
-          <p:cNvSpPr/>
-          <p:nvPr/>
-        </p:nvSpPr>
-        <p:spPr>
-          <a:xfrm>
-            <a:off x="5861322" y="770263"/>
-            <a:ext cx="1738990" cy="614209"/>
-          </a:xfrm>
-          <a:prstGeom prst="rect">
-            <a:avLst/>
-          </a:prstGeom>
-          <a:noFill/>
-          <a:ln w="38100">
-            <a:solidFill>
-              <a:srgbClr val="3366FF"/>
-            </a:solidFill>
-          </a:ln>
-          <a:effectLst/>
-        </p:spPr>
-        <p:style>
-          <a:lnRef idx="1">
-            <a:schemeClr val="accent1"/>
-          </a:lnRef>
-          <a:fillRef idx="3">
-            <a:schemeClr val="accent1"/>
-          </a:fillRef>
-          <a:effectRef idx="2">
-            <a:schemeClr val="accent1"/>
-          </a:effectRef>
-          <a:fontRef idx="minor">
-            <a:schemeClr val="lt1"/>
-          </a:fontRef>
-        </p:style>
-        <p:txBody>
-          <a:bodyPr rtlCol="0" anchor="ctr"/>
-          <a:lstStyle/>
-          <a:p>
-            <a:pPr algn="ctr"/>
-            <a:r>
-              <a:rPr kumimoji="1" lang="ja-JP" altLang="en-US" dirty="0" smtClean="0">
-                <a:solidFill>
-                  <a:schemeClr val="tx1"/>
-                </a:solidFill>
-              </a:rPr>
-              <a:t>メディア</a:t>
-            </a:r>
-            <a:endParaRPr kumimoji="1" lang="ja-JP" altLang="en-US" dirty="0">
-              <a:solidFill>
-                <a:schemeClr val="tx1"/>
-              </a:solidFill>
-            </a:endParaRPr>
-          </a:p>
-        </p:txBody>
-      </p:sp>
-      <p:sp>
-        <p:nvSpPr>
-          <p:cNvPr id="7" name="正方形/長方形 6"/>
-          <p:cNvSpPr/>
-          <p:nvPr/>
-        </p:nvSpPr>
-        <p:spPr>
-          <a:xfrm>
-            <a:off x="5861322" y="1773498"/>
-            <a:ext cx="1738990" cy="576229"/>
-          </a:xfrm>
-          <a:prstGeom prst="rect">
-            <a:avLst/>
-          </a:prstGeom>
-          <a:noFill/>
-          <a:ln w="38100">
-            <a:solidFill>
-              <a:srgbClr val="3366FF"/>
-            </a:solidFill>
-          </a:ln>
-          <a:effectLst/>
-        </p:spPr>
-        <p:style>
-          <a:lnRef idx="1">
-            <a:schemeClr val="accent1"/>
-          </a:lnRef>
-          <a:fillRef idx="3">
-            <a:schemeClr val="accent1"/>
-          </a:fillRef>
-          <a:effectRef idx="2">
-            <a:schemeClr val="accent1"/>
-          </a:effectRef>
-          <a:fontRef idx="minor">
-            <a:schemeClr val="lt1"/>
-          </a:fontRef>
-        </p:style>
-        <p:txBody>
-          <a:bodyPr rtlCol="0" anchor="ctr"/>
-          <a:lstStyle/>
-          <a:p>
-            <a:pPr algn="ctr"/>
-            <a:r>
-              <a:rPr kumimoji="1" lang="ja-JP" altLang="en-US" dirty="0" smtClean="0">
-                <a:solidFill>
-                  <a:schemeClr val="tx1"/>
-                </a:solidFill>
-              </a:rPr>
-              <a:t>メディア</a:t>
-            </a:r>
-            <a:endParaRPr kumimoji="1" lang="ja-JP" altLang="en-US" dirty="0">
-              <a:solidFill>
-                <a:schemeClr val="tx1"/>
-              </a:solidFill>
-            </a:endParaRPr>
-          </a:p>
-        </p:txBody>
-      </p:sp>
-      <p:sp>
-        <p:nvSpPr>
-          <p:cNvPr id="8" name="正方形/長方形 7"/>
-          <p:cNvSpPr/>
-          <p:nvPr/>
-        </p:nvSpPr>
-        <p:spPr>
-          <a:xfrm>
-            <a:off x="5861322" y="2779908"/>
-            <a:ext cx="1738990" cy="549690"/>
-          </a:xfrm>
-          <a:prstGeom prst="rect">
-            <a:avLst/>
-          </a:prstGeom>
-          <a:noFill/>
-          <a:ln w="38100">
-            <a:solidFill>
-              <a:srgbClr val="3366FF"/>
-            </a:solidFill>
-          </a:ln>
-          <a:effectLst/>
-        </p:spPr>
-        <p:style>
-          <a:lnRef idx="1">
-            <a:schemeClr val="accent1"/>
-          </a:lnRef>
-          <a:fillRef idx="3">
-            <a:schemeClr val="accent1"/>
-          </a:fillRef>
-          <a:effectRef idx="2">
-            <a:schemeClr val="accent1"/>
-          </a:effectRef>
-          <a:fontRef idx="minor">
-            <a:schemeClr val="lt1"/>
-          </a:fontRef>
-        </p:style>
-        <p:txBody>
-          <a:bodyPr rtlCol="0" anchor="ctr"/>
-          <a:lstStyle/>
-          <a:p>
-            <a:pPr algn="ctr"/>
-            <a:r>
-              <a:rPr kumimoji="1" lang="ja-JP" altLang="en-US" dirty="0" smtClean="0">
-                <a:solidFill>
-                  <a:schemeClr val="tx1"/>
-                </a:solidFill>
-              </a:rPr>
-              <a:t>メディア</a:t>
-            </a:r>
-            <a:endParaRPr kumimoji="1" lang="ja-JP" altLang="en-US" dirty="0">
-              <a:solidFill>
-                <a:schemeClr val="tx1"/>
-              </a:solidFill>
-            </a:endParaRPr>
-          </a:p>
-        </p:txBody>
-      </p:sp>
-      <p:cxnSp>
-        <p:nvCxnSpPr>
-          <p:cNvPr id="10" name="直線矢印コネクタ 9"/>
-          <p:cNvCxnSpPr>
-            <a:endCxn id="5" idx="1"/>
-          </p:cNvCxnSpPr>
-          <p:nvPr/>
-        </p:nvCxnSpPr>
-        <p:spPr>
-          <a:xfrm>
-            <a:off x="1304243" y="2058751"/>
-            <a:ext cx="1350005" cy="0"/>
-          </a:xfrm>
-          <a:prstGeom prst="straightConnector1">
-            <a:avLst/>
-          </a:prstGeom>
-          <a:ln w="38100">
-            <a:solidFill>
-              <a:schemeClr val="tx2">
-                <a:lumMod val="60000"/>
-                <a:lumOff val="40000"/>
-              </a:schemeClr>
-            </a:solidFill>
-            <a:tailEnd type="arrow"/>
-          </a:ln>
-          <a:effectLst/>
-        </p:spPr>
-        <p:style>
-          <a:lnRef idx="2">
-            <a:schemeClr val="accent1"/>
-          </a:lnRef>
-          <a:fillRef idx="0">
-            <a:schemeClr val="accent1"/>
-          </a:fillRef>
-          <a:effectRef idx="1">
-            <a:schemeClr val="accent1"/>
-          </a:effectRef>
-          <a:fontRef idx="minor">
-            <a:schemeClr val="tx1"/>
-          </a:fontRef>
-        </p:style>
-      </p:cxnSp>
-      <p:cxnSp>
-        <p:nvCxnSpPr>
-          <p:cNvPr id="12" name="直線矢印コネクタ 11"/>
-          <p:cNvCxnSpPr>
-            <a:stCxn id="5" idx="3"/>
-            <a:endCxn id="6" idx="1"/>
-          </p:cNvCxnSpPr>
-          <p:nvPr/>
-        </p:nvCxnSpPr>
-        <p:spPr>
-          <a:xfrm flipV="1">
-            <a:off x="4393238" y="1077368"/>
-            <a:ext cx="1468084" cy="981383"/>
-          </a:xfrm>
-          <a:prstGeom prst="straightConnector1">
-            <a:avLst/>
-          </a:prstGeom>
-          <a:ln w="38100">
-            <a:solidFill>
-              <a:schemeClr val="tx2">
-                <a:lumMod val="60000"/>
-                <a:lumOff val="40000"/>
-              </a:schemeClr>
-            </a:solidFill>
-            <a:tailEnd type="arrow"/>
-          </a:ln>
-          <a:effectLst/>
-        </p:spPr>
-        <p:style>
-          <a:lnRef idx="2">
-            <a:schemeClr val="accent1"/>
-          </a:lnRef>
-          <a:fillRef idx="0">
-            <a:schemeClr val="accent1"/>
-          </a:fillRef>
-          <a:effectRef idx="1">
-            <a:schemeClr val="accent1"/>
-          </a:effectRef>
-          <a:fontRef idx="minor">
-            <a:schemeClr val="tx1"/>
-          </a:fontRef>
-        </p:style>
-      </p:cxnSp>
-      <p:cxnSp>
-        <p:nvCxnSpPr>
-          <p:cNvPr id="15" name="直線矢印コネクタ 14"/>
-          <p:cNvCxnSpPr>
-            <a:stCxn id="5" idx="3"/>
-            <a:endCxn id="7" idx="1"/>
-          </p:cNvCxnSpPr>
-          <p:nvPr/>
-        </p:nvCxnSpPr>
-        <p:spPr>
-          <a:xfrm>
-            <a:off x="4393238" y="2058751"/>
-            <a:ext cx="1468084" cy="2862"/>
-          </a:xfrm>
-          <a:prstGeom prst="straightConnector1">
-            <a:avLst/>
-          </a:prstGeom>
-          <a:ln w="38100">
-            <a:solidFill>
-              <a:schemeClr val="tx2">
-                <a:lumMod val="60000"/>
-                <a:lumOff val="40000"/>
-              </a:schemeClr>
-            </a:solidFill>
-            <a:tailEnd type="arrow"/>
-          </a:ln>
-          <a:effectLst/>
-        </p:spPr>
-        <p:style>
-          <a:lnRef idx="2">
-            <a:schemeClr val="accent1"/>
-          </a:lnRef>
-          <a:fillRef idx="0">
-            <a:schemeClr val="accent1"/>
-          </a:fillRef>
-          <a:effectRef idx="1">
-            <a:schemeClr val="accent1"/>
-          </a:effectRef>
-          <a:fontRef idx="minor">
-            <a:schemeClr val="tx1"/>
-          </a:fontRef>
-        </p:style>
-      </p:cxnSp>
-      <p:cxnSp>
-        <p:nvCxnSpPr>
-          <p:cNvPr id="18" name="直線矢印コネクタ 17"/>
-          <p:cNvCxnSpPr>
-            <a:stCxn id="5" idx="3"/>
-            <a:endCxn id="8" idx="1"/>
-          </p:cNvCxnSpPr>
-          <p:nvPr/>
-        </p:nvCxnSpPr>
-        <p:spPr>
-          <a:xfrm>
-            <a:off x="4393238" y="2058751"/>
-            <a:ext cx="1468084" cy="996002"/>
-          </a:xfrm>
-          <a:prstGeom prst="straightConnector1">
-            <a:avLst/>
-          </a:prstGeom>
-          <a:ln w="38100">
-            <a:solidFill>
-              <a:schemeClr val="tx2">
-                <a:lumMod val="60000"/>
-                <a:lumOff val="40000"/>
-              </a:schemeClr>
-            </a:solidFill>
-            <a:tailEnd type="arrow"/>
-          </a:ln>
-          <a:effectLst/>
-        </p:spPr>
-        <p:style>
-          <a:lnRef idx="2">
-            <a:schemeClr val="accent1"/>
-          </a:lnRef>
-          <a:fillRef idx="0">
-            <a:schemeClr val="accent1"/>
-          </a:fillRef>
-          <a:effectRef idx="1">
-            <a:schemeClr val="accent1"/>
-          </a:effectRef>
-          <a:fontRef idx="minor">
-            <a:schemeClr val="tx1"/>
-          </a:fontRef>
-        </p:style>
-      </p:cxnSp>
-      <p:sp>
-        <p:nvSpPr>
-          <p:cNvPr id="23" name="テキスト ボックス 22"/>
-          <p:cNvSpPr txBox="1"/>
-          <p:nvPr/>
-        </p:nvSpPr>
-        <p:spPr>
-          <a:xfrm>
-            <a:off x="1304243" y="1673217"/>
-            <a:ext cx="1212717" cy="276999"/>
-          </a:xfrm>
-          <a:prstGeom prst="rect">
-            <a:avLst/>
-          </a:prstGeom>
-          <a:noFill/>
-        </p:spPr>
-        <p:txBody>
-          <a:bodyPr wrap="square" rtlCol="0">
-            <a:spAutoFit/>
-          </a:bodyPr>
-          <a:lstStyle/>
-          <a:p>
-            <a:r>
-              <a:rPr lang="ja-JP" altLang="en-US" sz="1200" dirty="0" smtClean="0"/>
-              <a:t>コンテンツ指定</a:t>
-            </a:r>
-            <a:endParaRPr kumimoji="1" lang="ja-JP" altLang="en-US" sz="1200" dirty="0"/>
-          </a:p>
-        </p:txBody>
-      </p:sp>
-      <p:sp>
-        <p:nvSpPr>
-          <p:cNvPr id="25" name="テキスト ボックス 24"/>
-          <p:cNvSpPr txBox="1"/>
-          <p:nvPr/>
-        </p:nvSpPr>
-        <p:spPr>
-          <a:xfrm>
-            <a:off x="4488435" y="1352843"/>
-            <a:ext cx="1212717" cy="276999"/>
-          </a:xfrm>
-          <a:prstGeom prst="rect">
-            <a:avLst/>
-          </a:prstGeom>
-          <a:noFill/>
-        </p:spPr>
-        <p:txBody>
-          <a:bodyPr wrap="square" rtlCol="0">
-            <a:spAutoFit/>
-          </a:bodyPr>
-          <a:lstStyle/>
-          <a:p>
-            <a:r>
-              <a:rPr kumimoji="1" lang="ja-JP" altLang="en-US" sz="1200" dirty="0" smtClean="0"/>
-              <a:t>サイトクロール</a:t>
-            </a:r>
-            <a:endParaRPr kumimoji="1" lang="ja-JP" altLang="en-US" sz="1200" dirty="0"/>
-          </a:p>
-        </p:txBody>
-      </p:sp>
-      <p:sp>
-        <p:nvSpPr>
-          <p:cNvPr id="16" name="テキスト ボックス 15"/>
-          <p:cNvSpPr txBox="1"/>
-          <p:nvPr/>
-        </p:nvSpPr>
-        <p:spPr>
-          <a:xfrm>
-            <a:off x="469073" y="1341401"/>
-            <a:ext cx="1212717" cy="276999"/>
-          </a:xfrm>
-          <a:prstGeom prst="rect">
-            <a:avLst/>
-          </a:prstGeom>
-          <a:noFill/>
-        </p:spPr>
-        <p:txBody>
-          <a:bodyPr wrap="square" rtlCol="0">
-            <a:spAutoFit/>
-          </a:bodyPr>
-          <a:lstStyle/>
-          <a:p>
-            <a:r>
-              <a:rPr kumimoji="1" lang="ja-JP" altLang="en-US" sz="1200" dirty="0" smtClean="0"/>
-              <a:t>広告主</a:t>
-            </a:r>
-            <a:endParaRPr kumimoji="1" lang="ja-JP" altLang="en-US" sz="1200" dirty="0"/>
-          </a:p>
-        </p:txBody>
-      </p:sp>
-      <p:grpSp>
-        <p:nvGrpSpPr>
-          <p:cNvPr id="17" name="図形グループ 16"/>
-          <p:cNvGrpSpPr/>
-          <p:nvPr/>
-        </p:nvGrpSpPr>
-        <p:grpSpPr>
-          <a:xfrm>
-            <a:off x="8195231" y="1618400"/>
-            <a:ext cx="400426" cy="663632"/>
-            <a:chOff x="789409" y="972563"/>
-            <a:chExt cx="400426" cy="663632"/>
-          </a:xfrm>
-        </p:grpSpPr>
         <p:sp>
           <p:nvSpPr>
-            <p:cNvPr id="19" name="台形 18"/>
+            <p:cNvPr id="7" name="正方形/長方形 6"/>
             <p:cNvSpPr/>
             <p:nvPr/>
           </p:nvSpPr>
           <p:spPr>
             <a:xfrm>
-              <a:off x="789409" y="1304379"/>
-              <a:ext cx="400425" cy="331816"/>
+              <a:off x="5861322" y="1773498"/>
+              <a:ext cx="1738990" cy="576229"/>
             </a:xfrm>
-            <a:prstGeom prst="trapezoid">
+            <a:prstGeom prst="rect">
               <a:avLst/>
             </a:prstGeom>
-            <a:solidFill>
-              <a:schemeClr val="tx2">
-                <a:lumMod val="60000"/>
-                <a:lumOff val="40000"/>
-              </a:schemeClr>
-            </a:solidFill>
-            <a:ln>
-              <a:noFill/>
+            <a:noFill/>
+            <a:ln w="38100">
+              <a:solidFill>
+                <a:srgbClr val="3366FF"/>
+              </a:solidFill>
             </a:ln>
             <a:effectLst/>
           </p:spPr>
@@ -4783,32 +4405,41 @@
             <a:lstStyle/>
             <a:p>
               <a:pPr algn="ctr"/>
-              <a:endParaRPr kumimoji="1" lang="ja-JP" altLang="en-US"/>
+              <a:r>
+                <a:rPr kumimoji="1" lang="ja-JP" altLang="en-US" dirty="0" smtClean="0">
+                  <a:solidFill>
+                    <a:schemeClr val="tx1"/>
+                  </a:solidFill>
+                </a:rPr>
+                <a:t>メディア</a:t>
+              </a:r>
+              <a:endParaRPr kumimoji="1" lang="ja-JP" altLang="en-US" dirty="0">
+                <a:solidFill>
+                  <a:schemeClr val="tx1"/>
+                </a:solidFill>
+              </a:endParaRPr>
             </a:p>
           </p:txBody>
         </p:sp>
         <p:sp>
           <p:nvSpPr>
-            <p:cNvPr id="20" name="円/楕円 19"/>
+            <p:cNvPr id="8" name="正方形/長方形 7"/>
             <p:cNvSpPr/>
             <p:nvPr/>
           </p:nvSpPr>
           <p:spPr>
             <a:xfrm>
-              <a:off x="789410" y="972563"/>
-              <a:ext cx="400425" cy="411909"/>
+              <a:off x="5861322" y="2779908"/>
+              <a:ext cx="1738990" cy="549690"/>
             </a:xfrm>
-            <a:prstGeom prst="ellipse">
+            <a:prstGeom prst="rect">
               <a:avLst/>
             </a:prstGeom>
-            <a:solidFill>
-              <a:schemeClr val="tx2">
-                <a:lumMod val="60000"/>
-                <a:lumOff val="40000"/>
-              </a:schemeClr>
-            </a:solidFill>
-            <a:ln>
-              <a:noFill/>
+            <a:noFill/>
+            <a:ln w="38100">
+              <a:solidFill>
+                <a:srgbClr val="3366FF"/>
+              </a:solidFill>
             </a:ln>
             <a:effectLst/>
           </p:spPr>
@@ -4831,41 +4462,425 @@
             <a:lstStyle/>
             <a:p>
               <a:pPr algn="ctr"/>
-              <a:endParaRPr kumimoji="1" lang="ja-JP" altLang="en-US"/>
+              <a:r>
+                <a:rPr kumimoji="1" lang="ja-JP" altLang="en-US" dirty="0" smtClean="0">
+                  <a:solidFill>
+                    <a:schemeClr val="tx1"/>
+                  </a:solidFill>
+                </a:rPr>
+                <a:t>メディア</a:t>
+              </a:r>
+              <a:endParaRPr kumimoji="1" lang="ja-JP" altLang="en-US" dirty="0">
+                <a:solidFill>
+                  <a:schemeClr val="tx1"/>
+                </a:solidFill>
+              </a:endParaRPr>
+            </a:p>
+          </p:txBody>
+        </p:sp>
+        <p:cxnSp>
+          <p:nvCxnSpPr>
+            <p:cNvPr id="10" name="直線矢印コネクタ 9"/>
+            <p:cNvCxnSpPr>
+              <a:endCxn id="5" idx="1"/>
+            </p:cNvCxnSpPr>
+            <p:nvPr/>
+          </p:nvCxnSpPr>
+          <p:spPr>
+            <a:xfrm>
+              <a:off x="1304243" y="2058751"/>
+              <a:ext cx="1350005" cy="0"/>
+            </a:xfrm>
+            <a:prstGeom prst="straightConnector1">
+              <a:avLst/>
+            </a:prstGeom>
+            <a:ln w="38100">
+              <a:solidFill>
+                <a:schemeClr val="tx2">
+                  <a:lumMod val="60000"/>
+                  <a:lumOff val="40000"/>
+                </a:schemeClr>
+              </a:solidFill>
+              <a:tailEnd type="arrow"/>
+            </a:ln>
+            <a:effectLst/>
+          </p:spPr>
+          <p:style>
+            <a:lnRef idx="2">
+              <a:schemeClr val="accent1"/>
+            </a:lnRef>
+            <a:fillRef idx="0">
+              <a:schemeClr val="accent1"/>
+            </a:fillRef>
+            <a:effectRef idx="1">
+              <a:schemeClr val="accent1"/>
+            </a:effectRef>
+            <a:fontRef idx="minor">
+              <a:schemeClr val="tx1"/>
+            </a:fontRef>
+          </p:style>
+        </p:cxnSp>
+        <p:cxnSp>
+          <p:nvCxnSpPr>
+            <p:cNvPr id="12" name="直線矢印コネクタ 11"/>
+            <p:cNvCxnSpPr>
+              <a:stCxn id="5" idx="3"/>
+              <a:endCxn id="6" idx="1"/>
+            </p:cNvCxnSpPr>
+            <p:nvPr/>
+          </p:nvCxnSpPr>
+          <p:spPr>
+            <a:xfrm flipV="1">
+              <a:off x="4393238" y="1077368"/>
+              <a:ext cx="1468084" cy="981383"/>
+            </a:xfrm>
+            <a:prstGeom prst="straightConnector1">
+              <a:avLst/>
+            </a:prstGeom>
+            <a:ln w="38100">
+              <a:solidFill>
+                <a:schemeClr val="tx2">
+                  <a:lumMod val="60000"/>
+                  <a:lumOff val="40000"/>
+                </a:schemeClr>
+              </a:solidFill>
+              <a:tailEnd type="arrow"/>
+            </a:ln>
+            <a:effectLst/>
+          </p:spPr>
+          <p:style>
+            <a:lnRef idx="2">
+              <a:schemeClr val="accent1"/>
+            </a:lnRef>
+            <a:fillRef idx="0">
+              <a:schemeClr val="accent1"/>
+            </a:fillRef>
+            <a:effectRef idx="1">
+              <a:schemeClr val="accent1"/>
+            </a:effectRef>
+            <a:fontRef idx="minor">
+              <a:schemeClr val="tx1"/>
+            </a:fontRef>
+          </p:style>
+        </p:cxnSp>
+        <p:cxnSp>
+          <p:nvCxnSpPr>
+            <p:cNvPr id="15" name="直線矢印コネクタ 14"/>
+            <p:cNvCxnSpPr>
+              <a:stCxn id="5" idx="3"/>
+              <a:endCxn id="7" idx="1"/>
+            </p:cNvCxnSpPr>
+            <p:nvPr/>
+          </p:nvCxnSpPr>
+          <p:spPr>
+            <a:xfrm>
+              <a:off x="4393238" y="2058751"/>
+              <a:ext cx="1468084" cy="2862"/>
+            </a:xfrm>
+            <a:prstGeom prst="straightConnector1">
+              <a:avLst/>
+            </a:prstGeom>
+            <a:ln w="38100">
+              <a:solidFill>
+                <a:schemeClr val="tx2">
+                  <a:lumMod val="60000"/>
+                  <a:lumOff val="40000"/>
+                </a:schemeClr>
+              </a:solidFill>
+              <a:tailEnd type="arrow"/>
+            </a:ln>
+            <a:effectLst/>
+          </p:spPr>
+          <p:style>
+            <a:lnRef idx="2">
+              <a:schemeClr val="accent1"/>
+            </a:lnRef>
+            <a:fillRef idx="0">
+              <a:schemeClr val="accent1"/>
+            </a:fillRef>
+            <a:effectRef idx="1">
+              <a:schemeClr val="accent1"/>
+            </a:effectRef>
+            <a:fontRef idx="minor">
+              <a:schemeClr val="tx1"/>
+            </a:fontRef>
+          </p:style>
+        </p:cxnSp>
+        <p:cxnSp>
+          <p:nvCxnSpPr>
+            <p:cNvPr id="18" name="直線矢印コネクタ 17"/>
+            <p:cNvCxnSpPr>
+              <a:stCxn id="5" idx="3"/>
+              <a:endCxn id="8" idx="1"/>
+            </p:cNvCxnSpPr>
+            <p:nvPr/>
+          </p:nvCxnSpPr>
+          <p:spPr>
+            <a:xfrm>
+              <a:off x="4393238" y="2058751"/>
+              <a:ext cx="1468084" cy="996002"/>
+            </a:xfrm>
+            <a:prstGeom prst="straightConnector1">
+              <a:avLst/>
+            </a:prstGeom>
+            <a:ln w="38100">
+              <a:solidFill>
+                <a:schemeClr val="tx2">
+                  <a:lumMod val="60000"/>
+                  <a:lumOff val="40000"/>
+                </a:schemeClr>
+              </a:solidFill>
+              <a:tailEnd type="arrow"/>
+            </a:ln>
+            <a:effectLst/>
+          </p:spPr>
+          <p:style>
+            <a:lnRef idx="2">
+              <a:schemeClr val="accent1"/>
+            </a:lnRef>
+            <a:fillRef idx="0">
+              <a:schemeClr val="accent1"/>
+            </a:fillRef>
+            <a:effectRef idx="1">
+              <a:schemeClr val="accent1"/>
+            </a:effectRef>
+            <a:fontRef idx="minor">
+              <a:schemeClr val="tx1"/>
+            </a:fontRef>
+          </p:style>
+        </p:cxnSp>
+        <p:sp>
+          <p:nvSpPr>
+            <p:cNvPr id="23" name="テキスト ボックス 22"/>
+            <p:cNvSpPr txBox="1"/>
+            <p:nvPr/>
+          </p:nvSpPr>
+          <p:spPr>
+            <a:xfrm>
+              <a:off x="1304243" y="1673217"/>
+              <a:ext cx="1212717" cy="276999"/>
+            </a:xfrm>
+            <a:prstGeom prst="rect">
+              <a:avLst/>
+            </a:prstGeom>
+            <a:noFill/>
+          </p:spPr>
+          <p:txBody>
+            <a:bodyPr wrap="square" rtlCol="0">
+              <a:spAutoFit/>
+            </a:bodyPr>
+            <a:lstStyle/>
+            <a:p>
+              <a:r>
+                <a:rPr lang="ja-JP" altLang="en-US" sz="1200" dirty="0" smtClean="0"/>
+                <a:t>コンテンツ指定</a:t>
+              </a:r>
+              <a:endParaRPr kumimoji="1" lang="ja-JP" altLang="en-US" sz="1200" dirty="0"/>
+            </a:p>
+          </p:txBody>
+        </p:sp>
+        <p:sp>
+          <p:nvSpPr>
+            <p:cNvPr id="25" name="テキスト ボックス 24"/>
+            <p:cNvSpPr txBox="1"/>
+            <p:nvPr/>
+          </p:nvSpPr>
+          <p:spPr>
+            <a:xfrm>
+              <a:off x="4488435" y="1352843"/>
+              <a:ext cx="1212717" cy="276999"/>
+            </a:xfrm>
+            <a:prstGeom prst="rect">
+              <a:avLst/>
+            </a:prstGeom>
+            <a:noFill/>
+          </p:spPr>
+          <p:txBody>
+            <a:bodyPr wrap="square" rtlCol="0">
+              <a:spAutoFit/>
+            </a:bodyPr>
+            <a:lstStyle/>
+            <a:p>
+              <a:r>
+                <a:rPr kumimoji="1" lang="ja-JP" altLang="en-US" sz="1200" dirty="0" smtClean="0"/>
+                <a:t>サイトクロール</a:t>
+              </a:r>
+              <a:endParaRPr kumimoji="1" lang="ja-JP" altLang="en-US" sz="1200" dirty="0"/>
+            </a:p>
+          </p:txBody>
+        </p:sp>
+        <p:sp>
+          <p:nvSpPr>
+            <p:cNvPr id="16" name="テキスト ボックス 15"/>
+            <p:cNvSpPr txBox="1"/>
+            <p:nvPr/>
+          </p:nvSpPr>
+          <p:spPr>
+            <a:xfrm>
+              <a:off x="469073" y="1341401"/>
+              <a:ext cx="1212717" cy="276999"/>
+            </a:xfrm>
+            <a:prstGeom prst="rect">
+              <a:avLst/>
+            </a:prstGeom>
+            <a:noFill/>
+          </p:spPr>
+          <p:txBody>
+            <a:bodyPr wrap="square" rtlCol="0">
+              <a:spAutoFit/>
+            </a:bodyPr>
+            <a:lstStyle/>
+            <a:p>
+              <a:r>
+                <a:rPr kumimoji="1" lang="ja-JP" altLang="en-US" sz="1200" dirty="0" smtClean="0"/>
+                <a:t>広告主</a:t>
+              </a:r>
+              <a:endParaRPr kumimoji="1" lang="ja-JP" altLang="en-US" sz="1200" dirty="0"/>
+            </a:p>
+          </p:txBody>
+        </p:sp>
+        <p:grpSp>
+          <p:nvGrpSpPr>
+            <p:cNvPr id="17" name="図形グループ 16"/>
+            <p:cNvGrpSpPr/>
+            <p:nvPr/>
+          </p:nvGrpSpPr>
+          <p:grpSpPr>
+            <a:xfrm>
+              <a:off x="8195231" y="1618400"/>
+              <a:ext cx="400426" cy="663632"/>
+              <a:chOff x="789409" y="972563"/>
+              <a:chExt cx="400426" cy="663632"/>
+            </a:xfrm>
+          </p:grpSpPr>
+          <p:sp>
+            <p:nvSpPr>
+              <p:cNvPr id="19" name="台形 18"/>
+              <p:cNvSpPr/>
+              <p:nvPr/>
+            </p:nvSpPr>
+            <p:spPr>
+              <a:xfrm>
+                <a:off x="789409" y="1304379"/>
+                <a:ext cx="400425" cy="331816"/>
+              </a:xfrm>
+              <a:prstGeom prst="trapezoid">
+                <a:avLst/>
+              </a:prstGeom>
+              <a:solidFill>
+                <a:schemeClr val="tx2">
+                  <a:lumMod val="60000"/>
+                  <a:lumOff val="40000"/>
+                </a:schemeClr>
+              </a:solidFill>
+              <a:ln>
+                <a:noFill/>
+              </a:ln>
+              <a:effectLst/>
+            </p:spPr>
+            <p:style>
+              <a:lnRef idx="1">
+                <a:schemeClr val="accent1"/>
+              </a:lnRef>
+              <a:fillRef idx="3">
+                <a:schemeClr val="accent1"/>
+              </a:fillRef>
+              <a:effectRef idx="2">
+                <a:schemeClr val="accent1"/>
+              </a:effectRef>
+              <a:fontRef idx="minor">
+                <a:schemeClr val="lt1"/>
+              </a:fontRef>
+            </p:style>
+            <p:txBody>
+              <a:bodyPr rtlCol="0" anchor="ctr"/>
+              <a:lstStyle/>
+              <a:p>
+                <a:pPr algn="ctr"/>
+                <a:endParaRPr kumimoji="1" lang="ja-JP" altLang="en-US"/>
+              </a:p>
+            </p:txBody>
+          </p:sp>
+          <p:sp>
+            <p:nvSpPr>
+              <p:cNvPr id="20" name="円/楕円 19"/>
+              <p:cNvSpPr/>
+              <p:nvPr/>
+            </p:nvSpPr>
+            <p:spPr>
+              <a:xfrm>
+                <a:off x="789410" y="972563"/>
+                <a:ext cx="400425" cy="411909"/>
+              </a:xfrm>
+              <a:prstGeom prst="ellipse">
+                <a:avLst/>
+              </a:prstGeom>
+              <a:solidFill>
+                <a:schemeClr val="tx2">
+                  <a:lumMod val="60000"/>
+                  <a:lumOff val="40000"/>
+                </a:schemeClr>
+              </a:solidFill>
+              <a:ln>
+                <a:noFill/>
+              </a:ln>
+              <a:effectLst/>
+            </p:spPr>
+            <p:style>
+              <a:lnRef idx="1">
+                <a:schemeClr val="accent1"/>
+              </a:lnRef>
+              <a:fillRef idx="3">
+                <a:schemeClr val="accent1"/>
+              </a:fillRef>
+              <a:effectRef idx="2">
+                <a:schemeClr val="accent1"/>
+              </a:effectRef>
+              <a:fontRef idx="minor">
+                <a:schemeClr val="lt1"/>
+              </a:fontRef>
+            </p:style>
+            <p:txBody>
+              <a:bodyPr rtlCol="0" anchor="ctr"/>
+              <a:lstStyle/>
+              <a:p>
+                <a:pPr algn="ctr"/>
+                <a:endParaRPr kumimoji="1" lang="ja-JP" altLang="en-US"/>
+              </a:p>
+            </p:txBody>
+          </p:sp>
+        </p:grpSp>
+        <p:sp>
+          <p:nvSpPr>
+            <p:cNvPr id="21" name="テキスト ボックス 20"/>
+            <p:cNvSpPr txBox="1"/>
+            <p:nvPr/>
+          </p:nvSpPr>
+          <p:spPr>
+            <a:xfrm>
+              <a:off x="8074293" y="1341401"/>
+              <a:ext cx="847426" cy="276999"/>
+            </a:xfrm>
+            <a:prstGeom prst="rect">
+              <a:avLst/>
+            </a:prstGeom>
+            <a:noFill/>
+          </p:spPr>
+          <p:txBody>
+            <a:bodyPr wrap="square" rtlCol="0">
+              <a:spAutoFit/>
+            </a:bodyPr>
+            <a:lstStyle/>
+            <a:p>
+              <a:r>
+                <a:rPr kumimoji="1" lang="ja-JP" altLang="en-US" sz="1200" dirty="0" smtClean="0"/>
+                <a:t>ユーザ</a:t>
+              </a:r>
+              <a:endParaRPr kumimoji="1" lang="ja-JP" altLang="en-US" sz="1200" dirty="0"/>
             </a:p>
           </p:txBody>
         </p:sp>
       </p:grpSp>
-      <p:sp>
-        <p:nvSpPr>
-          <p:cNvPr id="21" name="テキスト ボックス 20"/>
-          <p:cNvSpPr txBox="1"/>
-          <p:nvPr/>
-        </p:nvSpPr>
-        <p:spPr>
-          <a:xfrm>
-            <a:off x="8074293" y="1341401"/>
-            <a:ext cx="847426" cy="276999"/>
-          </a:xfrm>
-          <a:prstGeom prst="rect">
-            <a:avLst/>
-          </a:prstGeom>
-          <a:noFill/>
-        </p:spPr>
-        <p:txBody>
-          <a:bodyPr wrap="square" rtlCol="0">
-            <a:spAutoFit/>
-          </a:bodyPr>
-          <a:lstStyle/>
-          <a:p>
-            <a:r>
-              <a:rPr kumimoji="1" lang="ja-JP" altLang="en-US" sz="1200" dirty="0" smtClean="0"/>
-              <a:t>ユーザ</a:t>
-            </a:r>
-            <a:endParaRPr kumimoji="1" lang="ja-JP" altLang="en-US" sz="1200" dirty="0"/>
-          </a:p>
-        </p:txBody>
-      </p:sp>
     </p:spTree>
     <p:extLst>
       <p:ext uri="{BB962C8B-B14F-4D97-AF65-F5344CB8AC3E}">
@@ -4898,37 +4913,142 @@
       </p:grpSpPr>
       <p:grpSp>
         <p:nvGrpSpPr>
-          <p:cNvPr id="4" name="図形グループ 3"/>
+          <p:cNvPr id="52" name="図形グループ 51"/>
           <p:cNvGrpSpPr/>
           <p:nvPr/>
         </p:nvGrpSpPr>
         <p:grpSpPr>
           <a:xfrm>
-            <a:off x="245968" y="2041754"/>
-            <a:ext cx="400426" cy="663632"/>
-            <a:chOff x="789409" y="972563"/>
-            <a:chExt cx="400426" cy="663632"/>
+            <a:off x="125843" y="194513"/>
+            <a:ext cx="8795877" cy="3833045"/>
+            <a:chOff x="125843" y="194513"/>
+            <a:chExt cx="8795877" cy="3833045"/>
           </a:xfrm>
         </p:grpSpPr>
+        <p:grpSp>
+          <p:nvGrpSpPr>
+            <p:cNvPr id="4" name="図形グループ 3"/>
+            <p:cNvGrpSpPr/>
+            <p:nvPr/>
+          </p:nvGrpSpPr>
+          <p:grpSpPr>
+            <a:xfrm>
+              <a:off x="245968" y="2041754"/>
+              <a:ext cx="400426" cy="663632"/>
+              <a:chOff x="789409" y="972563"/>
+              <a:chExt cx="400426" cy="663632"/>
+            </a:xfrm>
+          </p:grpSpPr>
+          <p:sp>
+            <p:nvSpPr>
+              <p:cNvPr id="3" name="台形 2"/>
+              <p:cNvSpPr/>
+              <p:nvPr/>
+            </p:nvSpPr>
+            <p:spPr>
+              <a:xfrm>
+                <a:off x="789409" y="1304379"/>
+                <a:ext cx="400425" cy="331816"/>
+              </a:xfrm>
+              <a:prstGeom prst="trapezoid">
+                <a:avLst/>
+              </a:prstGeom>
+              <a:solidFill>
+                <a:schemeClr val="accent3"/>
+              </a:solidFill>
+              <a:ln>
+                <a:noFill/>
+              </a:ln>
+              <a:effectLst/>
+            </p:spPr>
+            <p:style>
+              <a:lnRef idx="1">
+                <a:schemeClr val="accent1"/>
+              </a:lnRef>
+              <a:fillRef idx="3">
+                <a:schemeClr val="accent1"/>
+              </a:fillRef>
+              <a:effectRef idx="2">
+                <a:schemeClr val="accent1"/>
+              </a:effectRef>
+              <a:fontRef idx="minor">
+                <a:schemeClr val="lt1"/>
+              </a:fontRef>
+            </p:style>
+            <p:txBody>
+              <a:bodyPr rtlCol="0" anchor="ctr"/>
+              <a:lstStyle/>
+              <a:p>
+                <a:pPr algn="ctr"/>
+                <a:endParaRPr kumimoji="1" lang="ja-JP" altLang="en-US"/>
+              </a:p>
+            </p:txBody>
+          </p:sp>
+          <p:sp>
+            <p:nvSpPr>
+              <p:cNvPr id="2" name="円/楕円 1"/>
+              <p:cNvSpPr/>
+              <p:nvPr/>
+            </p:nvSpPr>
+            <p:spPr>
+              <a:xfrm>
+                <a:off x="789410" y="972563"/>
+                <a:ext cx="400425" cy="411909"/>
+              </a:xfrm>
+              <a:prstGeom prst="ellipse">
+                <a:avLst/>
+              </a:prstGeom>
+              <a:solidFill>
+                <a:schemeClr val="accent3"/>
+              </a:solidFill>
+              <a:ln>
+                <a:noFill/>
+              </a:ln>
+              <a:effectLst/>
+            </p:spPr>
+            <p:style>
+              <a:lnRef idx="1">
+                <a:schemeClr val="accent1"/>
+              </a:lnRef>
+              <a:fillRef idx="3">
+                <a:schemeClr val="accent1"/>
+              </a:fillRef>
+              <a:effectRef idx="2">
+                <a:schemeClr val="accent1"/>
+              </a:effectRef>
+              <a:fontRef idx="minor">
+                <a:schemeClr val="lt1"/>
+              </a:fontRef>
+            </p:style>
+            <p:txBody>
+              <a:bodyPr rtlCol="0" anchor="ctr"/>
+              <a:lstStyle/>
+              <a:p>
+                <a:pPr algn="ctr"/>
+                <a:endParaRPr kumimoji="1" lang="ja-JP" altLang="en-US"/>
+              </a:p>
+            </p:txBody>
+          </p:sp>
+        </p:grpSp>
         <p:sp>
           <p:nvSpPr>
-            <p:cNvPr id="3" name="台形 2"/>
+            <p:cNvPr id="5" name="正方形/長方形 4"/>
             <p:cNvSpPr/>
             <p:nvPr/>
           </p:nvSpPr>
           <p:spPr>
             <a:xfrm>
-              <a:off x="789409" y="1304379"/>
-              <a:ext cx="400425" cy="331816"/>
+              <a:off x="1922034" y="194513"/>
+              <a:ext cx="2127974" cy="3833045"/>
             </a:xfrm>
-            <a:prstGeom prst="trapezoid">
+            <a:prstGeom prst="rect">
               <a:avLst/>
             </a:prstGeom>
-            <a:solidFill>
-              <a:schemeClr val="accent3"/>
-            </a:solidFill>
-            <a:ln>
-              <a:noFill/>
+            <a:noFill/>
+            <a:ln w="38100">
+              <a:solidFill>
+                <a:schemeClr val="accent4"/>
+              </a:solidFill>
             </a:ln>
             <a:effectLst/>
           </p:spPr>
@@ -4951,29 +5071,33 @@
             <a:lstStyle/>
             <a:p>
               <a:pPr algn="ctr"/>
-              <a:endParaRPr kumimoji="1" lang="ja-JP" altLang="en-US"/>
+              <a:endParaRPr kumimoji="1" lang="ja-JP" altLang="en-US" dirty="0">
+                <a:solidFill>
+                  <a:schemeClr val="tx1"/>
+                </a:solidFill>
+              </a:endParaRPr>
             </a:p>
           </p:txBody>
         </p:sp>
         <p:sp>
           <p:nvSpPr>
-            <p:cNvPr id="2" name="円/楕円 1"/>
+            <p:cNvPr id="6" name="正方形/長方形 5"/>
             <p:cNvSpPr/>
             <p:nvPr/>
           </p:nvSpPr>
           <p:spPr>
             <a:xfrm>
-              <a:off x="789410" y="972563"/>
-              <a:ext cx="400425" cy="411909"/>
+              <a:off x="5129114" y="772333"/>
+              <a:ext cx="2002127" cy="1144191"/>
             </a:xfrm>
-            <a:prstGeom prst="ellipse">
+            <a:prstGeom prst="rect">
               <a:avLst/>
             </a:prstGeom>
-            <a:solidFill>
-              <a:schemeClr val="accent3"/>
-            </a:solidFill>
-            <a:ln>
-              <a:noFill/>
+            <a:noFill/>
+            <a:ln w="38100">
+              <a:solidFill>
+                <a:srgbClr val="3366FF"/>
+              </a:solidFill>
             </a:ln>
             <a:effectLst/>
           </p:spPr>
@@ -4996,344 +5120,57 @@
             <a:lstStyle/>
             <a:p>
               <a:pPr algn="ctr"/>
-              <a:endParaRPr kumimoji="1" lang="ja-JP" altLang="en-US"/>
+              <a:r>
+                <a:rPr kumimoji="1" lang="ja-JP" altLang="en-US" dirty="0" smtClean="0">
+                  <a:solidFill>
+                    <a:schemeClr val="tx1"/>
+                  </a:solidFill>
+                </a:rPr>
+                <a:t>広告主</a:t>
+              </a:r>
+              <a:endParaRPr kumimoji="1" lang="en-US" altLang="ja-JP" dirty="0" smtClean="0">
+                <a:solidFill>
+                  <a:schemeClr val="tx1"/>
+                </a:solidFill>
+              </a:endParaRPr>
+            </a:p>
+            <a:p>
+              <a:pPr algn="ctr"/>
+              <a:r>
+                <a:rPr lang="ja-JP" altLang="en-US" dirty="0" smtClean="0">
+                  <a:solidFill>
+                    <a:schemeClr val="tx1"/>
+                  </a:solidFill>
+                </a:rPr>
+                <a:t>サイト</a:t>
+              </a:r>
+              <a:endParaRPr kumimoji="1" lang="ja-JP" altLang="en-US" dirty="0">
+                <a:solidFill>
+                  <a:schemeClr val="tx1"/>
+                </a:solidFill>
+              </a:endParaRPr>
             </a:p>
           </p:txBody>
         </p:sp>
-      </p:grpSp>
-      <p:sp>
-        <p:nvSpPr>
-          <p:cNvPr id="5" name="正方形/長方形 4"/>
-          <p:cNvSpPr/>
-          <p:nvPr/>
-        </p:nvSpPr>
-        <p:spPr>
-          <a:xfrm>
-            <a:off x="1922034" y="194513"/>
-            <a:ext cx="2127974" cy="3833045"/>
-          </a:xfrm>
-          <a:prstGeom prst="rect">
-            <a:avLst/>
-          </a:prstGeom>
-          <a:noFill/>
-          <a:ln w="38100">
-            <a:solidFill>
-              <a:schemeClr val="accent4"/>
-            </a:solidFill>
-          </a:ln>
-          <a:effectLst/>
-        </p:spPr>
-        <p:style>
-          <a:lnRef idx="1">
-            <a:schemeClr val="accent1"/>
-          </a:lnRef>
-          <a:fillRef idx="3">
-            <a:schemeClr val="accent1"/>
-          </a:fillRef>
-          <a:effectRef idx="2">
-            <a:schemeClr val="accent1"/>
-          </a:effectRef>
-          <a:fontRef idx="minor">
-            <a:schemeClr val="lt1"/>
-          </a:fontRef>
-        </p:style>
-        <p:txBody>
-          <a:bodyPr rtlCol="0" anchor="ctr"/>
-          <a:lstStyle/>
-          <a:p>
-            <a:pPr algn="ctr"/>
-            <a:endParaRPr kumimoji="1" lang="ja-JP" altLang="en-US" dirty="0">
-              <a:solidFill>
-                <a:schemeClr val="tx1"/>
-              </a:solidFill>
-            </a:endParaRPr>
-          </a:p>
-        </p:txBody>
-      </p:sp>
-      <p:sp>
-        <p:nvSpPr>
-          <p:cNvPr id="6" name="正方形/長方形 5"/>
-          <p:cNvSpPr/>
-          <p:nvPr/>
-        </p:nvSpPr>
-        <p:spPr>
-          <a:xfrm>
-            <a:off x="5129114" y="772333"/>
-            <a:ext cx="2002127" cy="1144191"/>
-          </a:xfrm>
-          <a:prstGeom prst="rect">
-            <a:avLst/>
-          </a:prstGeom>
-          <a:noFill/>
-          <a:ln w="38100">
-            <a:solidFill>
-              <a:srgbClr val="3366FF"/>
-            </a:solidFill>
-          </a:ln>
-          <a:effectLst/>
-        </p:spPr>
-        <p:style>
-          <a:lnRef idx="1">
-            <a:schemeClr val="accent1"/>
-          </a:lnRef>
-          <a:fillRef idx="3">
-            <a:schemeClr val="accent1"/>
-          </a:fillRef>
-          <a:effectRef idx="2">
-            <a:schemeClr val="accent1"/>
-          </a:effectRef>
-          <a:fontRef idx="minor">
-            <a:schemeClr val="lt1"/>
-          </a:fontRef>
-        </p:style>
-        <p:txBody>
-          <a:bodyPr rtlCol="0" anchor="ctr"/>
-          <a:lstStyle/>
-          <a:p>
-            <a:pPr algn="ctr"/>
-            <a:r>
-              <a:rPr kumimoji="1" lang="ja-JP" altLang="en-US" dirty="0" smtClean="0">
-                <a:solidFill>
-                  <a:schemeClr val="tx1"/>
-                </a:solidFill>
-              </a:rPr>
-              <a:t>広告主</a:t>
-            </a:r>
-            <a:endParaRPr kumimoji="1" lang="en-US" altLang="ja-JP" dirty="0" smtClean="0">
-              <a:solidFill>
-                <a:schemeClr val="tx1"/>
-              </a:solidFill>
-            </a:endParaRPr>
-          </a:p>
-          <a:p>
-            <a:pPr algn="ctr"/>
-            <a:r>
-              <a:rPr lang="ja-JP" altLang="en-US" dirty="0" smtClean="0">
-                <a:solidFill>
-                  <a:schemeClr val="tx1"/>
-                </a:solidFill>
-              </a:rPr>
-              <a:t>サイト</a:t>
-            </a:r>
-            <a:endParaRPr kumimoji="1" lang="ja-JP" altLang="en-US" dirty="0">
-              <a:solidFill>
-                <a:schemeClr val="tx1"/>
-              </a:solidFill>
-            </a:endParaRPr>
-          </a:p>
-        </p:txBody>
-      </p:sp>
-      <p:sp>
-        <p:nvSpPr>
-          <p:cNvPr id="8" name="正方形/長方形 7"/>
-          <p:cNvSpPr/>
-          <p:nvPr/>
-        </p:nvSpPr>
-        <p:spPr>
-          <a:xfrm>
-            <a:off x="5129114" y="2373570"/>
-            <a:ext cx="2002127" cy="1196790"/>
-          </a:xfrm>
-          <a:prstGeom prst="rect">
-            <a:avLst/>
-          </a:prstGeom>
-          <a:noFill/>
-          <a:ln w="38100">
-            <a:solidFill>
-              <a:srgbClr val="3366FF"/>
-            </a:solidFill>
-          </a:ln>
-          <a:effectLst/>
-        </p:spPr>
-        <p:style>
-          <a:lnRef idx="1">
-            <a:schemeClr val="accent1"/>
-          </a:lnRef>
-          <a:fillRef idx="3">
-            <a:schemeClr val="accent1"/>
-          </a:fillRef>
-          <a:effectRef idx="2">
-            <a:schemeClr val="accent1"/>
-          </a:effectRef>
-          <a:fontRef idx="minor">
-            <a:schemeClr val="lt1"/>
-          </a:fontRef>
-        </p:style>
-        <p:txBody>
-          <a:bodyPr rtlCol="0" anchor="ctr"/>
-          <a:lstStyle/>
-          <a:p>
-            <a:pPr algn="ctr"/>
-            <a:r>
-              <a:rPr kumimoji="1" lang="ja-JP" altLang="en-US" dirty="0" smtClean="0">
-                <a:solidFill>
-                  <a:schemeClr val="tx1"/>
-                </a:solidFill>
-              </a:rPr>
-              <a:t>広告掲載</a:t>
-            </a:r>
-            <a:endParaRPr kumimoji="1" lang="en-US" altLang="ja-JP" dirty="0" smtClean="0">
-              <a:solidFill>
-                <a:schemeClr val="tx1"/>
-              </a:solidFill>
-            </a:endParaRPr>
-          </a:p>
-          <a:p>
-            <a:pPr algn="ctr"/>
-            <a:r>
-              <a:rPr kumimoji="1" lang="ja-JP" altLang="en-US" dirty="0" smtClean="0">
-                <a:solidFill>
-                  <a:schemeClr val="tx1"/>
-                </a:solidFill>
-              </a:rPr>
-              <a:t>サイト</a:t>
-            </a:r>
-            <a:endParaRPr kumimoji="1" lang="ja-JP" altLang="en-US" dirty="0">
-              <a:solidFill>
-                <a:schemeClr val="tx1"/>
-              </a:solidFill>
-            </a:endParaRPr>
-          </a:p>
-        </p:txBody>
-      </p:sp>
-      <p:cxnSp>
-        <p:nvCxnSpPr>
-          <p:cNvPr id="10" name="直線矢印コネクタ 9"/>
-          <p:cNvCxnSpPr>
-            <a:endCxn id="22" idx="2"/>
-          </p:cNvCxnSpPr>
-          <p:nvPr/>
-        </p:nvCxnSpPr>
-        <p:spPr>
-          <a:xfrm>
-            <a:off x="961013" y="2470666"/>
-            <a:ext cx="1212716" cy="509166"/>
-          </a:xfrm>
-          <a:prstGeom prst="straightConnector1">
-            <a:avLst/>
-          </a:prstGeom>
-          <a:ln w="38100">
-            <a:solidFill>
-              <a:schemeClr val="tx2">
-                <a:lumMod val="60000"/>
-                <a:lumOff val="40000"/>
-              </a:schemeClr>
-            </a:solidFill>
-            <a:tailEnd type="arrow"/>
-          </a:ln>
-          <a:effectLst/>
-        </p:spPr>
-        <p:style>
-          <a:lnRef idx="2">
-            <a:schemeClr val="accent1"/>
-          </a:lnRef>
-          <a:fillRef idx="0">
-            <a:schemeClr val="accent1"/>
-          </a:fillRef>
-          <a:effectRef idx="1">
-            <a:schemeClr val="accent1"/>
-          </a:effectRef>
-          <a:fontRef idx="minor">
-            <a:schemeClr val="tx1"/>
-          </a:fontRef>
-        </p:style>
-      </p:cxnSp>
-      <p:sp>
-        <p:nvSpPr>
-          <p:cNvPr id="23" name="テキスト ボックス 22"/>
-          <p:cNvSpPr txBox="1"/>
-          <p:nvPr/>
-        </p:nvSpPr>
-        <p:spPr>
-          <a:xfrm>
-            <a:off x="858045" y="2373570"/>
-            <a:ext cx="1212717" cy="276999"/>
-          </a:xfrm>
-          <a:prstGeom prst="rect">
-            <a:avLst/>
-          </a:prstGeom>
-          <a:noFill/>
-        </p:spPr>
-        <p:txBody>
-          <a:bodyPr wrap="square" rtlCol="0">
-            <a:spAutoFit/>
-          </a:bodyPr>
-          <a:lstStyle/>
-          <a:p>
-            <a:r>
-              <a:rPr kumimoji="1" lang="ja-JP" altLang="en-US" sz="1200" dirty="0" smtClean="0"/>
-              <a:t>広告配信設定</a:t>
-            </a:r>
-            <a:endParaRPr kumimoji="1" lang="ja-JP" altLang="en-US" sz="1200" dirty="0"/>
-          </a:p>
-        </p:txBody>
-      </p:sp>
-      <p:sp>
-        <p:nvSpPr>
-          <p:cNvPr id="16" name="テキスト ボックス 15"/>
-          <p:cNvSpPr txBox="1"/>
-          <p:nvPr/>
-        </p:nvSpPr>
-        <p:spPr>
-          <a:xfrm>
-            <a:off x="125843" y="1753313"/>
-            <a:ext cx="1212717" cy="276999"/>
-          </a:xfrm>
-          <a:prstGeom prst="rect">
-            <a:avLst/>
-          </a:prstGeom>
-          <a:noFill/>
-        </p:spPr>
-        <p:txBody>
-          <a:bodyPr wrap="square" rtlCol="0">
-            <a:spAutoFit/>
-          </a:bodyPr>
-          <a:lstStyle/>
-          <a:p>
-            <a:r>
-              <a:rPr kumimoji="1" lang="ja-JP" altLang="en-US" sz="1200" dirty="0" smtClean="0"/>
-              <a:t>広告主</a:t>
-            </a:r>
-            <a:endParaRPr kumimoji="1" lang="ja-JP" altLang="en-US" sz="1200" dirty="0"/>
-          </a:p>
-        </p:txBody>
-      </p:sp>
-      <p:grpSp>
-        <p:nvGrpSpPr>
-          <p:cNvPr id="17" name="図形グループ 16"/>
-          <p:cNvGrpSpPr/>
-          <p:nvPr/>
-        </p:nvGrpSpPr>
-        <p:grpSpPr>
-          <a:xfrm>
-            <a:off x="8195232" y="1089681"/>
-            <a:ext cx="400426" cy="663632"/>
-            <a:chOff x="789409" y="972563"/>
-            <a:chExt cx="400426" cy="663632"/>
-          </a:xfrm>
-        </p:grpSpPr>
         <p:sp>
           <p:nvSpPr>
-            <p:cNvPr id="19" name="台形 18"/>
+            <p:cNvPr id="8" name="正方形/長方形 7"/>
             <p:cNvSpPr/>
             <p:nvPr/>
           </p:nvSpPr>
           <p:spPr>
             <a:xfrm>
-              <a:off x="789409" y="1304379"/>
-              <a:ext cx="400425" cy="331816"/>
+              <a:off x="5129114" y="2373570"/>
+              <a:ext cx="2002127" cy="1196790"/>
             </a:xfrm>
-            <a:prstGeom prst="trapezoid">
+            <a:prstGeom prst="rect">
               <a:avLst/>
             </a:prstGeom>
-            <a:solidFill>
-              <a:schemeClr val="tx2">
-                <a:lumMod val="60000"/>
-                <a:lumOff val="40000"/>
-              </a:schemeClr>
-            </a:solidFill>
-            <a:ln>
-              <a:noFill/>
+            <a:noFill/>
+            <a:ln w="38100">
+              <a:solidFill>
+                <a:srgbClr val="3366FF"/>
+              </a:solidFill>
             </a:ln>
             <a:effectLst/>
           </p:spPr>
@@ -5356,33 +5193,297 @@
             <a:lstStyle/>
             <a:p>
               <a:pPr algn="ctr"/>
-              <a:endParaRPr kumimoji="1" lang="ja-JP" altLang="en-US"/>
+              <a:r>
+                <a:rPr kumimoji="1" lang="ja-JP" altLang="en-US" dirty="0" smtClean="0">
+                  <a:solidFill>
+                    <a:schemeClr val="tx1"/>
+                  </a:solidFill>
+                </a:rPr>
+                <a:t>広告掲載</a:t>
+              </a:r>
+              <a:endParaRPr kumimoji="1" lang="en-US" altLang="ja-JP" dirty="0" smtClean="0">
+                <a:solidFill>
+                  <a:schemeClr val="tx1"/>
+                </a:solidFill>
+              </a:endParaRPr>
+            </a:p>
+            <a:p>
+              <a:pPr algn="ctr"/>
+              <a:r>
+                <a:rPr kumimoji="1" lang="ja-JP" altLang="en-US" dirty="0" smtClean="0">
+                  <a:solidFill>
+                    <a:schemeClr val="tx1"/>
+                  </a:solidFill>
+                </a:rPr>
+                <a:t>サイト</a:t>
+              </a:r>
+              <a:endParaRPr kumimoji="1" lang="ja-JP" altLang="en-US" dirty="0">
+                <a:solidFill>
+                  <a:schemeClr val="tx1"/>
+                </a:solidFill>
+              </a:endParaRPr>
+            </a:p>
+          </p:txBody>
+        </p:sp>
+        <p:cxnSp>
+          <p:nvCxnSpPr>
+            <p:cNvPr id="10" name="直線矢印コネクタ 9"/>
+            <p:cNvCxnSpPr>
+              <a:endCxn id="22" idx="2"/>
+            </p:cNvCxnSpPr>
+            <p:nvPr/>
+          </p:nvCxnSpPr>
+          <p:spPr>
+            <a:xfrm>
+              <a:off x="961013" y="2470666"/>
+              <a:ext cx="1212716" cy="509166"/>
+            </a:xfrm>
+            <a:prstGeom prst="straightConnector1">
+              <a:avLst/>
+            </a:prstGeom>
+            <a:ln w="38100">
+              <a:solidFill>
+                <a:schemeClr val="tx2">
+                  <a:lumMod val="60000"/>
+                  <a:lumOff val="40000"/>
+                </a:schemeClr>
+              </a:solidFill>
+              <a:tailEnd type="arrow"/>
+            </a:ln>
+            <a:effectLst/>
+          </p:spPr>
+          <p:style>
+            <a:lnRef idx="2">
+              <a:schemeClr val="accent1"/>
+            </a:lnRef>
+            <a:fillRef idx="0">
+              <a:schemeClr val="accent1"/>
+            </a:fillRef>
+            <a:effectRef idx="1">
+              <a:schemeClr val="accent1"/>
+            </a:effectRef>
+            <a:fontRef idx="minor">
+              <a:schemeClr val="tx1"/>
+            </a:fontRef>
+          </p:style>
+        </p:cxnSp>
+        <p:sp>
+          <p:nvSpPr>
+            <p:cNvPr id="23" name="テキスト ボックス 22"/>
+            <p:cNvSpPr txBox="1"/>
+            <p:nvPr/>
+          </p:nvSpPr>
+          <p:spPr>
+            <a:xfrm>
+              <a:off x="858045" y="2373570"/>
+              <a:ext cx="1212717" cy="276999"/>
+            </a:xfrm>
+            <a:prstGeom prst="rect">
+              <a:avLst/>
+            </a:prstGeom>
+            <a:noFill/>
+          </p:spPr>
+          <p:txBody>
+            <a:bodyPr wrap="square" rtlCol="0">
+              <a:spAutoFit/>
+            </a:bodyPr>
+            <a:lstStyle/>
+            <a:p>
+              <a:r>
+                <a:rPr kumimoji="1" lang="ja-JP" altLang="en-US" sz="1200" dirty="0" smtClean="0"/>
+                <a:t>広告配信設定</a:t>
+              </a:r>
+              <a:endParaRPr kumimoji="1" lang="ja-JP" altLang="en-US" sz="1200" dirty="0"/>
             </a:p>
           </p:txBody>
         </p:sp>
         <p:sp>
           <p:nvSpPr>
-            <p:cNvPr id="20" name="円/楕円 19"/>
+            <p:cNvPr id="16" name="テキスト ボックス 15"/>
+            <p:cNvSpPr txBox="1"/>
+            <p:nvPr/>
+          </p:nvSpPr>
+          <p:spPr>
+            <a:xfrm>
+              <a:off x="125843" y="1753313"/>
+              <a:ext cx="1212717" cy="276999"/>
+            </a:xfrm>
+            <a:prstGeom prst="rect">
+              <a:avLst/>
+            </a:prstGeom>
+            <a:noFill/>
+          </p:spPr>
+          <p:txBody>
+            <a:bodyPr wrap="square" rtlCol="0">
+              <a:spAutoFit/>
+            </a:bodyPr>
+            <a:lstStyle/>
+            <a:p>
+              <a:r>
+                <a:rPr kumimoji="1" lang="ja-JP" altLang="en-US" sz="1200" dirty="0" smtClean="0"/>
+                <a:t>広告主</a:t>
+              </a:r>
+              <a:endParaRPr kumimoji="1" lang="ja-JP" altLang="en-US" sz="1200" dirty="0"/>
+            </a:p>
+          </p:txBody>
+        </p:sp>
+        <p:grpSp>
+          <p:nvGrpSpPr>
+            <p:cNvPr id="17" name="図形グループ 16"/>
+            <p:cNvGrpSpPr/>
+            <p:nvPr/>
+          </p:nvGrpSpPr>
+          <p:grpSpPr>
+            <a:xfrm>
+              <a:off x="8195232" y="1089681"/>
+              <a:ext cx="400426" cy="663632"/>
+              <a:chOff x="789409" y="972563"/>
+              <a:chExt cx="400426" cy="663632"/>
+            </a:xfrm>
+          </p:grpSpPr>
+          <p:sp>
+            <p:nvSpPr>
+              <p:cNvPr id="19" name="台形 18"/>
+              <p:cNvSpPr/>
+              <p:nvPr/>
+            </p:nvSpPr>
+            <p:spPr>
+              <a:xfrm>
+                <a:off x="789409" y="1304379"/>
+                <a:ext cx="400425" cy="331816"/>
+              </a:xfrm>
+              <a:prstGeom prst="trapezoid">
+                <a:avLst/>
+              </a:prstGeom>
+              <a:solidFill>
+                <a:schemeClr val="tx2">
+                  <a:lumMod val="60000"/>
+                  <a:lumOff val="40000"/>
+                </a:schemeClr>
+              </a:solidFill>
+              <a:ln>
+                <a:noFill/>
+              </a:ln>
+              <a:effectLst/>
+            </p:spPr>
+            <p:style>
+              <a:lnRef idx="1">
+                <a:schemeClr val="accent1"/>
+              </a:lnRef>
+              <a:fillRef idx="3">
+                <a:schemeClr val="accent1"/>
+              </a:fillRef>
+              <a:effectRef idx="2">
+                <a:schemeClr val="accent1"/>
+              </a:effectRef>
+              <a:fontRef idx="minor">
+                <a:schemeClr val="lt1"/>
+              </a:fontRef>
+            </p:style>
+            <p:txBody>
+              <a:bodyPr rtlCol="0" anchor="ctr"/>
+              <a:lstStyle/>
+              <a:p>
+                <a:pPr algn="ctr"/>
+                <a:endParaRPr kumimoji="1" lang="ja-JP" altLang="en-US"/>
+              </a:p>
+            </p:txBody>
+          </p:sp>
+          <p:sp>
+            <p:nvSpPr>
+              <p:cNvPr id="20" name="円/楕円 19"/>
+              <p:cNvSpPr/>
+              <p:nvPr/>
+            </p:nvSpPr>
+            <p:spPr>
+              <a:xfrm>
+                <a:off x="789410" y="972563"/>
+                <a:ext cx="400425" cy="411909"/>
+              </a:xfrm>
+              <a:prstGeom prst="ellipse">
+                <a:avLst/>
+              </a:prstGeom>
+              <a:solidFill>
+                <a:schemeClr val="tx2">
+                  <a:lumMod val="60000"/>
+                  <a:lumOff val="40000"/>
+                </a:schemeClr>
+              </a:solidFill>
+              <a:ln>
+                <a:noFill/>
+              </a:ln>
+              <a:effectLst/>
+            </p:spPr>
+            <p:style>
+              <a:lnRef idx="1">
+                <a:schemeClr val="accent1"/>
+              </a:lnRef>
+              <a:fillRef idx="3">
+                <a:schemeClr val="accent1"/>
+              </a:fillRef>
+              <a:effectRef idx="2">
+                <a:schemeClr val="accent1"/>
+              </a:effectRef>
+              <a:fontRef idx="minor">
+                <a:schemeClr val="lt1"/>
+              </a:fontRef>
+            </p:style>
+            <p:txBody>
+              <a:bodyPr rtlCol="0" anchor="ctr"/>
+              <a:lstStyle/>
+              <a:p>
+                <a:pPr algn="ctr"/>
+                <a:endParaRPr kumimoji="1" lang="ja-JP" altLang="en-US"/>
+              </a:p>
+            </p:txBody>
+          </p:sp>
+        </p:grpSp>
+        <p:sp>
+          <p:nvSpPr>
+            <p:cNvPr id="21" name="テキスト ボックス 20"/>
+            <p:cNvSpPr txBox="1"/>
+            <p:nvPr/>
+          </p:nvSpPr>
+          <p:spPr>
+            <a:xfrm>
+              <a:off x="8074294" y="812682"/>
+              <a:ext cx="847426" cy="276999"/>
+            </a:xfrm>
+            <a:prstGeom prst="rect">
+              <a:avLst/>
+            </a:prstGeom>
+            <a:noFill/>
+          </p:spPr>
+          <p:txBody>
+            <a:bodyPr wrap="square" rtlCol="0">
+              <a:spAutoFit/>
+            </a:bodyPr>
+            <a:lstStyle/>
+            <a:p>
+              <a:r>
+                <a:rPr kumimoji="1" lang="ja-JP" altLang="en-US" sz="1200" dirty="0" smtClean="0"/>
+                <a:t>ユーザ</a:t>
+              </a:r>
+              <a:endParaRPr kumimoji="1" lang="ja-JP" altLang="en-US" sz="1200" dirty="0"/>
+            </a:p>
+          </p:txBody>
+        </p:sp>
+        <p:sp>
+          <p:nvSpPr>
+            <p:cNvPr id="22" name="円柱 21"/>
             <p:cNvSpPr/>
             <p:nvPr/>
           </p:nvSpPr>
           <p:spPr>
             <a:xfrm>
-              <a:off x="789410" y="972563"/>
-              <a:ext cx="400425" cy="411909"/>
+              <a:off x="2173729" y="2470666"/>
+              <a:ext cx="1613142" cy="1018331"/>
             </a:xfrm>
-            <a:prstGeom prst="ellipse">
+            <a:prstGeom prst="can">
               <a:avLst/>
             </a:prstGeom>
-            <a:solidFill>
-              <a:schemeClr val="tx2">
-                <a:lumMod val="60000"/>
-                <a:lumOff val="40000"/>
-              </a:schemeClr>
-            </a:solidFill>
-            <a:ln>
-              <a:noFill/>
-            </a:ln>
+            <a:noFill/>
+            <a:ln w="38100"/>
             <a:effectLst/>
           </p:spPr>
           <p:style>
@@ -5404,502 +5505,431 @@
             <a:lstStyle/>
             <a:p>
               <a:pPr algn="ctr"/>
-              <a:endParaRPr kumimoji="1" lang="ja-JP" altLang="en-US"/>
+              <a:r>
+                <a:rPr lang="ja-JP" altLang="en-US" dirty="0" smtClean="0">
+                  <a:solidFill>
+                    <a:srgbClr val="000000"/>
+                  </a:solidFill>
+                </a:rPr>
+                <a:t>広告データ</a:t>
+              </a:r>
+              <a:endParaRPr kumimoji="1" lang="ja-JP" altLang="en-US" dirty="0">
+                <a:solidFill>
+                  <a:srgbClr val="000000"/>
+                </a:solidFill>
+              </a:endParaRPr>
             </a:p>
           </p:txBody>
         </p:sp>
-      </p:grpSp>
-      <p:sp>
-        <p:nvSpPr>
-          <p:cNvPr id="21" name="テキスト ボックス 20"/>
-          <p:cNvSpPr txBox="1"/>
-          <p:nvPr/>
-        </p:nvSpPr>
-        <p:spPr>
-          <a:xfrm>
-            <a:off x="8074294" y="812682"/>
-            <a:ext cx="847426" cy="276999"/>
-          </a:xfrm>
-          <a:prstGeom prst="rect">
-            <a:avLst/>
-          </a:prstGeom>
-          <a:noFill/>
-        </p:spPr>
-        <p:txBody>
-          <a:bodyPr wrap="square" rtlCol="0">
-            <a:spAutoFit/>
-          </a:bodyPr>
-          <a:lstStyle/>
-          <a:p>
-            <a:r>
-              <a:rPr kumimoji="1" lang="ja-JP" altLang="en-US" sz="1200" dirty="0" smtClean="0"/>
-              <a:t>ユーザ</a:t>
-            </a:r>
-            <a:endParaRPr kumimoji="1" lang="ja-JP" altLang="en-US" sz="1200" dirty="0"/>
-          </a:p>
-        </p:txBody>
-      </p:sp>
-      <p:sp>
-        <p:nvSpPr>
-          <p:cNvPr id="22" name="円柱 21"/>
-          <p:cNvSpPr/>
-          <p:nvPr/>
-        </p:nvSpPr>
-        <p:spPr>
-          <a:xfrm>
-            <a:off x="2173729" y="2470666"/>
-            <a:ext cx="1613142" cy="1018331"/>
-          </a:xfrm>
-          <a:prstGeom prst="can">
-            <a:avLst/>
-          </a:prstGeom>
-          <a:noFill/>
-          <a:ln w="38100"/>
-          <a:effectLst/>
-        </p:spPr>
-        <p:style>
-          <a:lnRef idx="1">
-            <a:schemeClr val="accent1"/>
-          </a:lnRef>
-          <a:fillRef idx="3">
-            <a:schemeClr val="accent1"/>
-          </a:fillRef>
-          <a:effectRef idx="2">
-            <a:schemeClr val="accent1"/>
-          </a:effectRef>
-          <a:fontRef idx="minor">
-            <a:schemeClr val="lt1"/>
-          </a:fontRef>
-        </p:style>
-        <p:txBody>
-          <a:bodyPr rtlCol="0" anchor="ctr"/>
-          <a:lstStyle/>
-          <a:p>
-            <a:pPr algn="ctr"/>
-            <a:r>
-              <a:rPr lang="ja-JP" altLang="en-US" dirty="0" smtClean="0">
+        <p:sp>
+          <p:nvSpPr>
+            <p:cNvPr id="26" name="円柱 25"/>
+            <p:cNvSpPr/>
+            <p:nvPr/>
+          </p:nvSpPr>
+          <p:spPr>
+            <a:xfrm>
+              <a:off x="2173730" y="835263"/>
+              <a:ext cx="1613142" cy="1018331"/>
+            </a:xfrm>
+            <a:prstGeom prst="can">
+              <a:avLst/>
+            </a:prstGeom>
+            <a:noFill/>
+            <a:ln w="38100"/>
+            <a:effectLst/>
+          </p:spPr>
+          <p:style>
+            <a:lnRef idx="1">
+              <a:schemeClr val="accent1"/>
+            </a:lnRef>
+            <a:fillRef idx="3">
+              <a:schemeClr val="accent1"/>
+            </a:fillRef>
+            <a:effectRef idx="2">
+              <a:schemeClr val="accent1"/>
+            </a:effectRef>
+            <a:fontRef idx="minor">
+              <a:schemeClr val="lt1"/>
+            </a:fontRef>
+          </p:style>
+          <p:txBody>
+            <a:bodyPr rtlCol="0" anchor="ctr"/>
+            <a:lstStyle/>
+            <a:p>
+              <a:pPr algn="ctr"/>
+              <a:r>
+                <a:rPr kumimoji="1" lang="ja-JP" altLang="en-US" dirty="0" smtClean="0">
+                  <a:solidFill>
+                    <a:srgbClr val="000000"/>
+                  </a:solidFill>
+                </a:rPr>
+                <a:t>訪問履歴</a:t>
+              </a:r>
+              <a:endParaRPr kumimoji="1" lang="en-US" altLang="ja-JP" dirty="0" smtClean="0">
                 <a:solidFill>
                   <a:srgbClr val="000000"/>
                 </a:solidFill>
-              </a:rPr>
-              <a:t>広告データ</a:t>
-            </a:r>
-            <a:endParaRPr kumimoji="1" lang="ja-JP" altLang="en-US" dirty="0">
-              <a:solidFill>
-                <a:srgbClr val="000000"/>
-              </a:solidFill>
-            </a:endParaRPr>
-          </a:p>
-        </p:txBody>
-      </p:sp>
-      <p:sp>
-        <p:nvSpPr>
-          <p:cNvPr id="26" name="円柱 25"/>
-          <p:cNvSpPr/>
-          <p:nvPr/>
-        </p:nvSpPr>
-        <p:spPr>
-          <a:xfrm>
-            <a:off x="2173730" y="835263"/>
-            <a:ext cx="1613142" cy="1018331"/>
-          </a:xfrm>
-          <a:prstGeom prst="can">
-            <a:avLst/>
-          </a:prstGeom>
-          <a:noFill/>
-          <a:ln w="38100"/>
-          <a:effectLst/>
-        </p:spPr>
-        <p:style>
-          <a:lnRef idx="1">
-            <a:schemeClr val="accent1"/>
-          </a:lnRef>
-          <a:fillRef idx="3">
-            <a:schemeClr val="accent1"/>
-          </a:fillRef>
-          <a:effectRef idx="2">
-            <a:schemeClr val="accent1"/>
-          </a:effectRef>
-          <a:fontRef idx="minor">
-            <a:schemeClr val="lt1"/>
-          </a:fontRef>
-        </p:style>
-        <p:txBody>
-          <a:bodyPr rtlCol="0" anchor="ctr"/>
-          <a:lstStyle/>
-          <a:p>
-            <a:pPr algn="ctr"/>
-            <a:r>
-              <a:rPr kumimoji="1" lang="ja-JP" altLang="en-US" dirty="0" smtClean="0">
+              </a:endParaRPr>
+            </a:p>
+            <a:p>
+              <a:pPr algn="ctr"/>
+              <a:r>
+                <a:rPr lang="ja-JP" altLang="en-US" dirty="0" smtClean="0">
+                  <a:solidFill>
+                    <a:srgbClr val="000000"/>
+                  </a:solidFill>
+                </a:rPr>
+                <a:t>データ</a:t>
+              </a:r>
+              <a:endParaRPr kumimoji="1" lang="ja-JP" altLang="en-US" dirty="0">
                 <a:solidFill>
                   <a:srgbClr val="000000"/>
                 </a:solidFill>
-              </a:rPr>
-              <a:t>訪問履歴</a:t>
-            </a:r>
-            <a:endParaRPr kumimoji="1" lang="en-US" altLang="ja-JP" dirty="0" smtClean="0">
+              </a:endParaRPr>
+            </a:p>
+          </p:txBody>
+        </p:sp>
+        <p:cxnSp>
+          <p:nvCxnSpPr>
+            <p:cNvPr id="27" name="直線矢印コネクタ 26"/>
+            <p:cNvCxnSpPr>
+              <a:endCxn id="6" idx="3"/>
+            </p:cNvCxnSpPr>
+            <p:nvPr/>
+          </p:nvCxnSpPr>
+          <p:spPr>
+            <a:xfrm flipH="1">
+              <a:off x="7131241" y="1344429"/>
+              <a:ext cx="679916" cy="0"/>
+            </a:xfrm>
+            <a:prstGeom prst="straightConnector1">
+              <a:avLst/>
+            </a:prstGeom>
+            <a:ln w="38100">
               <a:solidFill>
-                <a:srgbClr val="000000"/>
+                <a:schemeClr val="tx2">
+                  <a:lumMod val="60000"/>
+                  <a:lumOff val="40000"/>
+                </a:schemeClr>
               </a:solidFill>
-            </a:endParaRPr>
-          </a:p>
-          <a:p>
-            <a:pPr algn="ctr"/>
-            <a:r>
-              <a:rPr lang="ja-JP" altLang="en-US" dirty="0" smtClean="0">
-                <a:solidFill>
-                  <a:srgbClr val="000000"/>
-                </a:solidFill>
-              </a:rPr>
-              <a:t>データ</a:t>
-            </a:r>
-            <a:endParaRPr kumimoji="1" lang="ja-JP" altLang="en-US" dirty="0">
+              <a:tailEnd type="arrow"/>
+            </a:ln>
+            <a:effectLst/>
+          </p:spPr>
+          <p:style>
+            <a:lnRef idx="2">
+              <a:schemeClr val="accent1"/>
+            </a:lnRef>
+            <a:fillRef idx="0">
+              <a:schemeClr val="accent1"/>
+            </a:fillRef>
+            <a:effectRef idx="1">
+              <a:schemeClr val="accent1"/>
+            </a:effectRef>
+            <a:fontRef idx="minor">
+              <a:schemeClr val="tx1"/>
+            </a:fontRef>
+          </p:style>
+        </p:cxnSp>
+        <p:sp>
+          <p:nvSpPr>
+            <p:cNvPr id="31" name="テキスト ボックス 30"/>
+            <p:cNvSpPr txBox="1"/>
+            <p:nvPr/>
+          </p:nvSpPr>
+          <p:spPr>
+            <a:xfrm>
+              <a:off x="7226868" y="951181"/>
+              <a:ext cx="847426" cy="276999"/>
+            </a:xfrm>
+            <a:prstGeom prst="rect">
+              <a:avLst/>
+            </a:prstGeom>
+            <a:noFill/>
+          </p:spPr>
+          <p:txBody>
+            <a:bodyPr wrap="square" rtlCol="0">
+              <a:spAutoFit/>
+            </a:bodyPr>
+            <a:lstStyle/>
+            <a:p>
+              <a:r>
+                <a:rPr kumimoji="1" lang="ja-JP" altLang="en-US" sz="1200" dirty="0" smtClean="0"/>
+                <a:t>訪問</a:t>
+              </a:r>
+              <a:endParaRPr kumimoji="1" lang="ja-JP" altLang="en-US" sz="1200" dirty="0"/>
+            </a:p>
+          </p:txBody>
+        </p:sp>
+        <p:sp>
+          <p:nvSpPr>
+            <p:cNvPr id="34" name="テキスト ボックス 33"/>
+            <p:cNvSpPr txBox="1"/>
+            <p:nvPr/>
+          </p:nvSpPr>
+          <p:spPr>
+            <a:xfrm>
+              <a:off x="2070762" y="277268"/>
+              <a:ext cx="1716109" cy="338554"/>
+            </a:xfrm>
+            <a:prstGeom prst="rect">
+              <a:avLst/>
+            </a:prstGeom>
+            <a:noFill/>
+          </p:spPr>
+          <p:txBody>
+            <a:bodyPr wrap="square" rtlCol="0">
+              <a:spAutoFit/>
+            </a:bodyPr>
+            <a:lstStyle/>
+            <a:p>
+              <a:r>
+                <a:rPr kumimoji="1" lang="ja-JP" altLang="en-US" sz="1600" dirty="0" smtClean="0"/>
+                <a:t>広告配信事業者</a:t>
+              </a:r>
+              <a:endParaRPr kumimoji="1" lang="ja-JP" altLang="en-US" sz="1600" dirty="0"/>
+            </a:p>
+          </p:txBody>
+        </p:sp>
+        <p:cxnSp>
+          <p:nvCxnSpPr>
+            <p:cNvPr id="36" name="直線矢印コネクタ 35"/>
+            <p:cNvCxnSpPr>
+              <a:stCxn id="6" idx="1"/>
+              <a:endCxn id="26" idx="4"/>
+            </p:cNvCxnSpPr>
+            <p:nvPr/>
+          </p:nvCxnSpPr>
+          <p:spPr>
+            <a:xfrm flipH="1">
+              <a:off x="3786872" y="1344429"/>
+              <a:ext cx="1342242" cy="0"/>
+            </a:xfrm>
+            <a:prstGeom prst="straightConnector1">
+              <a:avLst/>
+            </a:prstGeom>
+            <a:ln w="38100">
               <a:solidFill>
-                <a:srgbClr val="000000"/>
+                <a:schemeClr val="tx2">
+                  <a:lumMod val="60000"/>
+                  <a:lumOff val="40000"/>
+                </a:schemeClr>
               </a:solidFill>
-            </a:endParaRPr>
-          </a:p>
-        </p:txBody>
-      </p:sp>
-      <p:cxnSp>
-        <p:nvCxnSpPr>
-          <p:cNvPr id="27" name="直線矢印コネクタ 26"/>
-          <p:cNvCxnSpPr>
-            <a:endCxn id="6" idx="3"/>
-          </p:cNvCxnSpPr>
-          <p:nvPr/>
-        </p:nvCxnSpPr>
-        <p:spPr>
-          <a:xfrm flipH="1">
-            <a:off x="7131241" y="1344429"/>
-            <a:ext cx="679916" cy="0"/>
-          </a:xfrm>
-          <a:prstGeom prst="straightConnector1">
-            <a:avLst/>
-          </a:prstGeom>
-          <a:ln w="38100">
+              <a:tailEnd type="arrow"/>
+            </a:ln>
+            <a:effectLst/>
+          </p:spPr>
+          <p:style>
+            <a:lnRef idx="2">
+              <a:schemeClr val="accent1"/>
+            </a:lnRef>
+            <a:fillRef idx="0">
+              <a:schemeClr val="accent1"/>
+            </a:fillRef>
+            <a:effectRef idx="1">
+              <a:schemeClr val="accent1"/>
+            </a:effectRef>
+            <a:fontRef idx="minor">
+              <a:schemeClr val="tx1"/>
+            </a:fontRef>
+          </p:style>
+        </p:cxnSp>
+        <p:sp>
+          <p:nvSpPr>
+            <p:cNvPr id="40" name="テキスト ボックス 39"/>
+            <p:cNvSpPr txBox="1"/>
+            <p:nvPr/>
+          </p:nvSpPr>
+          <p:spPr>
+            <a:xfrm>
+              <a:off x="3786871" y="1067430"/>
+              <a:ext cx="1521625" cy="276999"/>
+            </a:xfrm>
+            <a:prstGeom prst="rect">
+              <a:avLst/>
+            </a:prstGeom>
+            <a:noFill/>
+          </p:spPr>
+          <p:txBody>
+            <a:bodyPr wrap="square" rtlCol="0">
+              <a:spAutoFit/>
+            </a:bodyPr>
+            <a:lstStyle/>
+            <a:p>
+              <a:r>
+                <a:rPr kumimoji="1" lang="ja-JP" altLang="en-US" sz="1200" dirty="0" smtClean="0"/>
+                <a:t>ユーザアクセスログ</a:t>
+              </a:r>
+              <a:endParaRPr kumimoji="1" lang="ja-JP" altLang="en-US" sz="1200" dirty="0"/>
+            </a:p>
+          </p:txBody>
+        </p:sp>
+        <p:cxnSp>
+          <p:nvCxnSpPr>
+            <p:cNvPr id="42" name="直線矢印コネクタ 41"/>
+            <p:cNvCxnSpPr>
+              <a:endCxn id="8" idx="3"/>
+            </p:cNvCxnSpPr>
+            <p:nvPr/>
+          </p:nvCxnSpPr>
+          <p:spPr>
+            <a:xfrm flipH="1">
+              <a:off x="7131241" y="1714376"/>
+              <a:ext cx="832316" cy="1257589"/>
+            </a:xfrm>
+            <a:prstGeom prst="straightConnector1">
+              <a:avLst/>
+            </a:prstGeom>
+            <a:ln w="38100">
+              <a:solidFill>
+                <a:schemeClr val="tx2">
+                  <a:lumMod val="60000"/>
+                  <a:lumOff val="40000"/>
+                </a:schemeClr>
+              </a:solidFill>
+              <a:tailEnd type="arrow"/>
+            </a:ln>
+            <a:effectLst/>
+          </p:spPr>
+          <p:style>
+            <a:lnRef idx="2">
+              <a:schemeClr val="accent1"/>
+            </a:lnRef>
+            <a:fillRef idx="0">
+              <a:schemeClr val="accent1"/>
+            </a:fillRef>
+            <a:effectRef idx="1">
+              <a:schemeClr val="accent1"/>
+            </a:effectRef>
+            <a:fontRef idx="minor">
+              <a:schemeClr val="tx1"/>
+            </a:fontRef>
+          </p:style>
+        </p:cxnSp>
+        <p:sp>
+          <p:nvSpPr>
+            <p:cNvPr id="45" name="テキスト ボックス 44"/>
+            <p:cNvSpPr txBox="1"/>
+            <p:nvPr/>
+          </p:nvSpPr>
+          <p:spPr>
+            <a:xfrm>
+              <a:off x="7539844" y="2274007"/>
+              <a:ext cx="847426" cy="276999"/>
+            </a:xfrm>
+            <a:prstGeom prst="rect">
+              <a:avLst/>
+            </a:prstGeom>
+            <a:noFill/>
+          </p:spPr>
+          <p:txBody>
+            <a:bodyPr wrap="square" rtlCol="0">
+              <a:spAutoFit/>
+            </a:bodyPr>
+            <a:lstStyle/>
+            <a:p>
+              <a:r>
+                <a:rPr kumimoji="1" lang="ja-JP" altLang="en-US" sz="1200" dirty="0" smtClean="0"/>
+                <a:t>閲覧</a:t>
+              </a:r>
+              <a:endParaRPr kumimoji="1" lang="ja-JP" altLang="en-US" sz="1200" dirty="0"/>
+            </a:p>
+          </p:txBody>
+        </p:sp>
+        <p:cxnSp>
+          <p:nvCxnSpPr>
+            <p:cNvPr id="47" name="直線矢印コネクタ 46"/>
+            <p:cNvCxnSpPr>
+              <a:stCxn id="22" idx="4"/>
+              <a:endCxn id="8" idx="1"/>
+            </p:cNvCxnSpPr>
+            <p:nvPr/>
+          </p:nvCxnSpPr>
+          <p:spPr>
+            <a:xfrm flipV="1">
+              <a:off x="3786871" y="2971965"/>
+              <a:ext cx="1342243" cy="7867"/>
+            </a:xfrm>
+            <a:prstGeom prst="straightConnector1">
+              <a:avLst/>
+            </a:prstGeom>
+            <a:ln w="38100">
+              <a:solidFill>
+                <a:schemeClr val="tx2">
+                  <a:lumMod val="60000"/>
+                  <a:lumOff val="40000"/>
+                </a:schemeClr>
+              </a:solidFill>
+              <a:tailEnd type="arrow"/>
+            </a:ln>
+            <a:effectLst/>
+          </p:spPr>
+          <p:style>
+            <a:lnRef idx="2">
+              <a:schemeClr val="accent1"/>
+            </a:lnRef>
+            <a:fillRef idx="0">
+              <a:schemeClr val="accent1"/>
+            </a:fillRef>
+            <a:effectRef idx="1">
+              <a:schemeClr val="accent1"/>
+            </a:effectRef>
+            <a:fontRef idx="minor">
+              <a:schemeClr val="tx1"/>
+            </a:fontRef>
+          </p:style>
+        </p:cxnSp>
+        <p:sp>
+          <p:nvSpPr>
+            <p:cNvPr id="51" name="正方形/長方形 50"/>
+            <p:cNvSpPr/>
+            <p:nvPr/>
+          </p:nvSpPr>
+          <p:spPr>
+            <a:xfrm>
+              <a:off x="5129114" y="2819645"/>
+              <a:ext cx="469070" cy="406976"/>
+            </a:xfrm>
+            <a:prstGeom prst="rect">
+              <a:avLst/>
+            </a:prstGeom>
             <a:solidFill>
               <a:schemeClr val="tx2">
                 <a:lumMod val="60000"/>
                 <a:lumOff val="40000"/>
               </a:schemeClr>
             </a:solidFill>
-            <a:tailEnd type="arrow"/>
-          </a:ln>
-          <a:effectLst/>
-        </p:spPr>
-        <p:style>
-          <a:lnRef idx="2">
-            <a:schemeClr val="accent1"/>
-          </a:lnRef>
-          <a:fillRef idx="0">
-            <a:schemeClr val="accent1"/>
-          </a:fillRef>
-          <a:effectRef idx="1">
-            <a:schemeClr val="accent1"/>
-          </a:effectRef>
-          <a:fontRef idx="minor">
-            <a:schemeClr val="tx1"/>
-          </a:fontRef>
-        </p:style>
-      </p:cxnSp>
-      <p:sp>
-        <p:nvSpPr>
-          <p:cNvPr id="31" name="テキスト ボックス 30"/>
-          <p:cNvSpPr txBox="1"/>
-          <p:nvPr/>
-        </p:nvSpPr>
-        <p:spPr>
-          <a:xfrm>
-            <a:off x="7226868" y="951181"/>
-            <a:ext cx="847426" cy="276999"/>
-          </a:xfrm>
-          <a:prstGeom prst="rect">
-            <a:avLst/>
-          </a:prstGeom>
-          <a:noFill/>
-        </p:spPr>
-        <p:txBody>
-          <a:bodyPr wrap="square" rtlCol="0">
-            <a:spAutoFit/>
-          </a:bodyPr>
-          <a:lstStyle/>
-          <a:p>
-            <a:r>
-              <a:rPr kumimoji="1" lang="ja-JP" altLang="en-US" sz="1200" dirty="0" smtClean="0"/>
-              <a:t>訪問</a:t>
-            </a:r>
-            <a:endParaRPr kumimoji="1" lang="ja-JP" altLang="en-US" sz="1200" dirty="0"/>
-          </a:p>
-        </p:txBody>
-      </p:sp>
-      <p:sp>
-        <p:nvSpPr>
-          <p:cNvPr id="34" name="テキスト ボックス 33"/>
-          <p:cNvSpPr txBox="1"/>
-          <p:nvPr/>
-        </p:nvSpPr>
-        <p:spPr>
-          <a:xfrm>
-            <a:off x="2070762" y="277268"/>
-            <a:ext cx="1716109" cy="338554"/>
-          </a:xfrm>
-          <a:prstGeom prst="rect">
-            <a:avLst/>
-          </a:prstGeom>
-          <a:noFill/>
-        </p:spPr>
-        <p:txBody>
-          <a:bodyPr wrap="square" rtlCol="0">
-            <a:spAutoFit/>
-          </a:bodyPr>
-          <a:lstStyle/>
-          <a:p>
-            <a:r>
-              <a:rPr kumimoji="1" lang="ja-JP" altLang="en-US" sz="1600" dirty="0" smtClean="0"/>
-              <a:t>広告配信事業者</a:t>
-            </a:r>
-            <a:endParaRPr kumimoji="1" lang="ja-JP" altLang="en-US" sz="1600" dirty="0"/>
-          </a:p>
-        </p:txBody>
-      </p:sp>
-      <p:cxnSp>
-        <p:nvCxnSpPr>
-          <p:cNvPr id="36" name="直線矢印コネクタ 35"/>
-          <p:cNvCxnSpPr>
-            <a:stCxn id="6" idx="1"/>
-            <a:endCxn id="26" idx="4"/>
-          </p:cNvCxnSpPr>
-          <p:nvPr/>
-        </p:nvCxnSpPr>
-        <p:spPr>
-          <a:xfrm flipH="1">
-            <a:off x="3786872" y="1344429"/>
-            <a:ext cx="1342242" cy="0"/>
-          </a:xfrm>
-          <a:prstGeom prst="straightConnector1">
-            <a:avLst/>
-          </a:prstGeom>
-          <a:ln w="38100">
-            <a:solidFill>
-              <a:schemeClr val="tx2">
-                <a:lumMod val="60000"/>
-                <a:lumOff val="40000"/>
-              </a:schemeClr>
-            </a:solidFill>
-            <a:tailEnd type="arrow"/>
-          </a:ln>
-          <a:effectLst/>
-        </p:spPr>
-        <p:style>
-          <a:lnRef idx="2">
-            <a:schemeClr val="accent1"/>
-          </a:lnRef>
-          <a:fillRef idx="0">
-            <a:schemeClr val="accent1"/>
-          </a:fillRef>
-          <a:effectRef idx="1">
-            <a:schemeClr val="accent1"/>
-          </a:effectRef>
-          <a:fontRef idx="minor">
-            <a:schemeClr val="tx1"/>
-          </a:fontRef>
-        </p:style>
-      </p:cxnSp>
-      <p:sp>
-        <p:nvSpPr>
-          <p:cNvPr id="40" name="テキスト ボックス 39"/>
-          <p:cNvSpPr txBox="1"/>
-          <p:nvPr/>
-        </p:nvSpPr>
-        <p:spPr>
-          <a:xfrm>
-            <a:off x="3786871" y="1067430"/>
-            <a:ext cx="1521625" cy="276999"/>
-          </a:xfrm>
-          <a:prstGeom prst="rect">
-            <a:avLst/>
-          </a:prstGeom>
-          <a:noFill/>
-        </p:spPr>
-        <p:txBody>
-          <a:bodyPr wrap="square" rtlCol="0">
-            <a:spAutoFit/>
-          </a:bodyPr>
-          <a:lstStyle/>
-          <a:p>
-            <a:r>
-              <a:rPr kumimoji="1" lang="ja-JP" altLang="en-US" sz="1200" dirty="0" smtClean="0"/>
-              <a:t>ユーザアクセスログ</a:t>
-            </a:r>
-            <a:endParaRPr kumimoji="1" lang="ja-JP" altLang="en-US" sz="1200" dirty="0"/>
-          </a:p>
-        </p:txBody>
-      </p:sp>
-      <p:cxnSp>
-        <p:nvCxnSpPr>
-          <p:cNvPr id="42" name="直線矢印コネクタ 41"/>
-          <p:cNvCxnSpPr>
-            <a:endCxn id="8" idx="3"/>
-          </p:cNvCxnSpPr>
-          <p:nvPr/>
-        </p:nvCxnSpPr>
-        <p:spPr>
-          <a:xfrm flipH="1">
-            <a:off x="7131241" y="1714376"/>
-            <a:ext cx="832316" cy="1257589"/>
-          </a:xfrm>
-          <a:prstGeom prst="straightConnector1">
-            <a:avLst/>
-          </a:prstGeom>
-          <a:ln w="38100">
-            <a:solidFill>
-              <a:schemeClr val="tx2">
-                <a:lumMod val="60000"/>
-                <a:lumOff val="40000"/>
-              </a:schemeClr>
-            </a:solidFill>
-            <a:tailEnd type="arrow"/>
-          </a:ln>
-          <a:effectLst/>
-        </p:spPr>
-        <p:style>
-          <a:lnRef idx="2">
-            <a:schemeClr val="accent1"/>
-          </a:lnRef>
-          <a:fillRef idx="0">
-            <a:schemeClr val="accent1"/>
-          </a:fillRef>
-          <a:effectRef idx="1">
-            <a:schemeClr val="accent1"/>
-          </a:effectRef>
-          <a:fontRef idx="minor">
-            <a:schemeClr val="tx1"/>
-          </a:fontRef>
-        </p:style>
-      </p:cxnSp>
-      <p:sp>
-        <p:nvSpPr>
-          <p:cNvPr id="45" name="テキスト ボックス 44"/>
-          <p:cNvSpPr txBox="1"/>
-          <p:nvPr/>
-        </p:nvSpPr>
-        <p:spPr>
-          <a:xfrm>
-            <a:off x="7539844" y="2274007"/>
-            <a:ext cx="847426" cy="276999"/>
-          </a:xfrm>
-          <a:prstGeom prst="rect">
-            <a:avLst/>
-          </a:prstGeom>
-          <a:noFill/>
-        </p:spPr>
-        <p:txBody>
-          <a:bodyPr wrap="square" rtlCol="0">
-            <a:spAutoFit/>
-          </a:bodyPr>
-          <a:lstStyle/>
-          <a:p>
-            <a:r>
-              <a:rPr kumimoji="1" lang="ja-JP" altLang="en-US" sz="1200" dirty="0" smtClean="0"/>
-              <a:t>閲覧</a:t>
-            </a:r>
-            <a:endParaRPr kumimoji="1" lang="ja-JP" altLang="en-US" sz="1200" dirty="0"/>
-          </a:p>
-        </p:txBody>
-      </p:sp>
-      <p:cxnSp>
-        <p:nvCxnSpPr>
-          <p:cNvPr id="47" name="直線矢印コネクタ 46"/>
-          <p:cNvCxnSpPr>
-            <a:stCxn id="22" idx="4"/>
-            <a:endCxn id="8" idx="1"/>
-          </p:cNvCxnSpPr>
-          <p:nvPr/>
-        </p:nvCxnSpPr>
-        <p:spPr>
-          <a:xfrm flipV="1">
-            <a:off x="3786871" y="2971965"/>
-            <a:ext cx="1342243" cy="7867"/>
-          </a:xfrm>
-          <a:prstGeom prst="straightConnector1">
-            <a:avLst/>
-          </a:prstGeom>
-          <a:ln w="38100">
-            <a:solidFill>
-              <a:schemeClr val="tx2">
-                <a:lumMod val="60000"/>
-                <a:lumOff val="40000"/>
-              </a:schemeClr>
-            </a:solidFill>
-            <a:tailEnd type="arrow"/>
-          </a:ln>
-          <a:effectLst/>
-        </p:spPr>
-        <p:style>
-          <a:lnRef idx="2">
-            <a:schemeClr val="accent1"/>
-          </a:lnRef>
-          <a:fillRef idx="0">
-            <a:schemeClr val="accent1"/>
-          </a:fillRef>
-          <a:effectRef idx="1">
-            <a:schemeClr val="accent1"/>
-          </a:effectRef>
-          <a:fontRef idx="minor">
-            <a:schemeClr val="tx1"/>
-          </a:fontRef>
-        </p:style>
-      </p:cxnSp>
-      <p:sp>
-        <p:nvSpPr>
-          <p:cNvPr id="51" name="正方形/長方形 50"/>
-          <p:cNvSpPr/>
-          <p:nvPr/>
-        </p:nvSpPr>
-        <p:spPr>
-          <a:xfrm>
-            <a:off x="5129114" y="2819645"/>
-            <a:ext cx="469070" cy="406976"/>
-          </a:xfrm>
-          <a:prstGeom prst="rect">
-            <a:avLst/>
-          </a:prstGeom>
-          <a:solidFill>
-            <a:schemeClr val="tx2">
-              <a:lumMod val="60000"/>
-              <a:lumOff val="40000"/>
-            </a:schemeClr>
-          </a:solidFill>
-          <a:effectLst/>
-        </p:spPr>
-        <p:style>
-          <a:lnRef idx="1">
-            <a:schemeClr val="accent1"/>
-          </a:lnRef>
-          <a:fillRef idx="3">
-            <a:schemeClr val="accent1"/>
-          </a:fillRef>
-          <a:effectRef idx="2">
-            <a:schemeClr val="accent1"/>
-          </a:effectRef>
-          <a:fontRef idx="minor">
-            <a:schemeClr val="lt1"/>
-          </a:fontRef>
-        </p:style>
-        <p:txBody>
-          <a:bodyPr rtlCol="0" anchor="ctr"/>
-          <a:lstStyle/>
-          <a:p>
-            <a:pPr algn="ctr"/>
-            <a:r>
-              <a:rPr kumimoji="1" lang="en-US" altLang="ja-JP" dirty="0" smtClean="0"/>
-              <a:t>Ad</a:t>
-            </a:r>
-            <a:endParaRPr kumimoji="1" lang="ja-JP" altLang="en-US" dirty="0"/>
-          </a:p>
-        </p:txBody>
-      </p:sp>
+            <a:effectLst/>
+          </p:spPr>
+          <p:style>
+            <a:lnRef idx="1">
+              <a:schemeClr val="accent1"/>
+            </a:lnRef>
+            <a:fillRef idx="3">
+              <a:schemeClr val="accent1"/>
+            </a:fillRef>
+            <a:effectRef idx="2">
+              <a:schemeClr val="accent1"/>
+            </a:effectRef>
+            <a:fontRef idx="minor">
+              <a:schemeClr val="lt1"/>
+            </a:fontRef>
+          </p:style>
+          <p:txBody>
+            <a:bodyPr rtlCol="0" anchor="ctr"/>
+            <a:lstStyle/>
+            <a:p>
+              <a:pPr algn="ctr"/>
+              <a:r>
+                <a:rPr kumimoji="1" lang="en-US" altLang="ja-JP" dirty="0" smtClean="0"/>
+                <a:t>Ad</a:t>
+              </a:r>
+              <a:endParaRPr kumimoji="1" lang="ja-JP" altLang="en-US" dirty="0"/>
+            </a:p>
+          </p:txBody>
+        </p:sp>
+      </p:grpSp>
     </p:spTree>
     <p:extLst>
       <p:ext uri="{BB962C8B-B14F-4D97-AF65-F5344CB8AC3E}">

--- a/ppt/ad_tech_img.pptx
+++ b/ppt/ad_tech_img.pptx
@@ -8,6 +8,7 @@
     <p:sldId id="257" r:id="rId2"/>
     <p:sldId id="259" r:id="rId3"/>
     <p:sldId id="260" r:id="rId4"/>
+    <p:sldId id="261" r:id="rId5"/>
   </p:sldIdLst>
   <p:sldSz cx="9144000" cy="6858000" type="screen4x3"/>
   <p:notesSz cx="6858000" cy="9144000"/>
@@ -290,7 +291,7 @@
           <a:p>
             <a:fld id="{8631857F-C886-4D4D-87CA-9FA06DD642F4}" type="datetimeFigureOut">
               <a:rPr kumimoji="1" lang="ja-JP" altLang="en-US" smtClean="0"/>
-              <a:t>2014/11/07</a:t>
+              <a:t>2014/12/16</a:t>
             </a:fld>
             <a:endParaRPr kumimoji="1" lang="ja-JP" altLang="en-US"/>
           </a:p>
@@ -492,7 +493,7 @@
           <a:p>
             <a:fld id="{8631857F-C886-4D4D-87CA-9FA06DD642F4}" type="datetimeFigureOut">
               <a:rPr kumimoji="1" lang="ja-JP" altLang="en-US" smtClean="0"/>
-              <a:t>2014/11/07</a:t>
+              <a:t>2014/12/16</a:t>
             </a:fld>
             <a:endParaRPr kumimoji="1" lang="ja-JP" altLang="en-US"/>
           </a:p>
@@ -704,7 +705,7 @@
           <a:p>
             <a:fld id="{8631857F-C886-4D4D-87CA-9FA06DD642F4}" type="datetimeFigureOut">
               <a:rPr kumimoji="1" lang="ja-JP" altLang="en-US" smtClean="0"/>
-              <a:t>2014/11/07</a:t>
+              <a:t>2014/12/16</a:t>
             </a:fld>
             <a:endParaRPr kumimoji="1" lang="ja-JP" altLang="en-US"/>
           </a:p>
@@ -906,7 +907,7 @@
           <a:p>
             <a:fld id="{8631857F-C886-4D4D-87CA-9FA06DD642F4}" type="datetimeFigureOut">
               <a:rPr kumimoji="1" lang="ja-JP" altLang="en-US" smtClean="0"/>
-              <a:t>2014/11/07</a:t>
+              <a:t>2014/12/16</a:t>
             </a:fld>
             <a:endParaRPr kumimoji="1" lang="ja-JP" altLang="en-US"/>
           </a:p>
@@ -1152,7 +1153,7 @@
           <a:p>
             <a:fld id="{8631857F-C886-4D4D-87CA-9FA06DD642F4}" type="datetimeFigureOut">
               <a:rPr kumimoji="1" lang="ja-JP" altLang="en-US" smtClean="0"/>
-              <a:t>2014/11/07</a:t>
+              <a:t>2014/12/16</a:t>
             </a:fld>
             <a:endParaRPr kumimoji="1" lang="ja-JP" altLang="en-US"/>
           </a:p>
@@ -1504,7 +1505,7 @@
           <a:p>
             <a:fld id="{8631857F-C886-4D4D-87CA-9FA06DD642F4}" type="datetimeFigureOut">
               <a:rPr kumimoji="1" lang="ja-JP" altLang="en-US" smtClean="0"/>
-              <a:t>2014/11/07</a:t>
+              <a:t>2014/12/16</a:t>
             </a:fld>
             <a:endParaRPr kumimoji="1" lang="ja-JP" altLang="en-US"/>
           </a:p>
@@ -1990,7 +1991,7 @@
           <a:p>
             <a:fld id="{8631857F-C886-4D4D-87CA-9FA06DD642F4}" type="datetimeFigureOut">
               <a:rPr kumimoji="1" lang="ja-JP" altLang="en-US" smtClean="0"/>
-              <a:t>2014/11/07</a:t>
+              <a:t>2014/12/16</a:t>
             </a:fld>
             <a:endParaRPr kumimoji="1" lang="ja-JP" altLang="en-US"/>
           </a:p>
@@ -2108,7 +2109,7 @@
           <a:p>
             <a:fld id="{8631857F-C886-4D4D-87CA-9FA06DD642F4}" type="datetimeFigureOut">
               <a:rPr kumimoji="1" lang="ja-JP" altLang="en-US" smtClean="0"/>
-              <a:t>2014/11/07</a:t>
+              <a:t>2014/12/16</a:t>
             </a:fld>
             <a:endParaRPr kumimoji="1" lang="ja-JP" altLang="en-US"/>
           </a:p>
@@ -2203,7 +2204,7 @@
           <a:p>
             <a:fld id="{8631857F-C886-4D4D-87CA-9FA06DD642F4}" type="datetimeFigureOut">
               <a:rPr kumimoji="1" lang="ja-JP" altLang="en-US" smtClean="0"/>
-              <a:t>2014/11/07</a:t>
+              <a:t>2014/12/16</a:t>
             </a:fld>
             <a:endParaRPr kumimoji="1" lang="ja-JP" altLang="en-US"/>
           </a:p>
@@ -2512,7 +2513,7 @@
           <a:p>
             <a:fld id="{8631857F-C886-4D4D-87CA-9FA06DD642F4}" type="datetimeFigureOut">
               <a:rPr kumimoji="1" lang="ja-JP" altLang="en-US" smtClean="0"/>
-              <a:t>2014/11/07</a:t>
+              <a:t>2014/12/16</a:t>
             </a:fld>
             <a:endParaRPr kumimoji="1" lang="ja-JP" altLang="en-US"/>
           </a:p>
@@ -2765,7 +2766,7 @@
           <a:p>
             <a:fld id="{8631857F-C886-4D4D-87CA-9FA06DD642F4}" type="datetimeFigureOut">
               <a:rPr kumimoji="1" lang="ja-JP" altLang="en-US" smtClean="0"/>
-              <a:t>2014/11/07</a:t>
+              <a:t>2014/12/16</a:t>
             </a:fld>
             <a:endParaRPr kumimoji="1" lang="ja-JP" altLang="en-US"/>
           </a:p>
@@ -3010,7 +3011,7 @@
           <a:p>
             <a:fld id="{8631857F-C886-4D4D-87CA-9FA06DD642F4}" type="datetimeFigureOut">
               <a:rPr kumimoji="1" lang="ja-JP" altLang="en-US" smtClean="0"/>
-              <a:t>2014/11/07</a:t>
+              <a:t>2014/12/16</a:t>
             </a:fld>
             <a:endParaRPr kumimoji="1" lang="ja-JP" altLang="en-US"/>
           </a:p>
@@ -5943,6 +5944,1210 @@
 </p:sld>
 </file>
 
+<file path=ppt/slides/slide4.xml><?xml version="1.0" encoding="utf-8"?>
+<p:sld xmlns:a="http://schemas.openxmlformats.org/drawingml/2006/main" xmlns:r="http://schemas.openxmlformats.org/officeDocument/2006/relationships" xmlns:p="http://schemas.openxmlformats.org/presentationml/2006/main">
+  <p:cSld>
+    <p:spTree>
+      <p:nvGrpSpPr>
+        <p:cNvPr id="1" name=""/>
+        <p:cNvGrpSpPr/>
+        <p:nvPr/>
+      </p:nvGrpSpPr>
+      <p:grpSpPr>
+        <a:xfrm>
+          <a:off x="0" y="0"/>
+          <a:ext cx="0" cy="0"/>
+          <a:chOff x="0" y="0"/>
+          <a:chExt cx="0" cy="0"/>
+        </a:xfrm>
+      </p:grpSpPr>
+      <p:grpSp>
+        <p:nvGrpSpPr>
+          <p:cNvPr id="40" name="図形グループ 39"/>
+          <p:cNvGrpSpPr/>
+          <p:nvPr/>
+        </p:nvGrpSpPr>
+        <p:grpSpPr>
+          <a:xfrm>
+            <a:off x="131054" y="181422"/>
+            <a:ext cx="9012946" cy="6508642"/>
+            <a:chOff x="131054" y="181422"/>
+            <a:chExt cx="9012946" cy="6508642"/>
+          </a:xfrm>
+        </p:grpSpPr>
+        <p:cxnSp>
+          <p:nvCxnSpPr>
+            <p:cNvPr id="3" name="直線矢印コネクタ 2"/>
+            <p:cNvCxnSpPr/>
+            <p:nvPr/>
+          </p:nvCxnSpPr>
+          <p:spPr>
+            <a:xfrm>
+              <a:off x="629699" y="3244243"/>
+              <a:ext cx="7460352" cy="0"/>
+            </a:xfrm>
+            <a:prstGeom prst="straightConnector1">
+              <a:avLst/>
+            </a:prstGeom>
+            <a:ln>
+              <a:solidFill>
+                <a:schemeClr val="tx1"/>
+              </a:solidFill>
+              <a:headEnd type="arrow"/>
+              <a:tailEnd type="arrow"/>
+            </a:ln>
+          </p:spPr>
+          <p:style>
+            <a:lnRef idx="2">
+              <a:schemeClr val="accent1"/>
+            </a:lnRef>
+            <a:fillRef idx="0">
+              <a:schemeClr val="accent1"/>
+            </a:fillRef>
+            <a:effectRef idx="1">
+              <a:schemeClr val="accent1"/>
+            </a:effectRef>
+            <a:fontRef idx="minor">
+              <a:schemeClr val="tx1"/>
+            </a:fontRef>
+          </p:style>
+        </p:cxnSp>
+        <p:cxnSp>
+          <p:nvCxnSpPr>
+            <p:cNvPr id="4" name="直線矢印コネクタ 3"/>
+            <p:cNvCxnSpPr/>
+            <p:nvPr/>
+          </p:nvCxnSpPr>
+          <p:spPr>
+            <a:xfrm>
+              <a:off x="4162426" y="565608"/>
+              <a:ext cx="0" cy="5645411"/>
+            </a:xfrm>
+            <a:prstGeom prst="straightConnector1">
+              <a:avLst/>
+            </a:prstGeom>
+            <a:ln>
+              <a:solidFill>
+                <a:schemeClr val="tx1"/>
+              </a:solidFill>
+              <a:headEnd type="arrow"/>
+              <a:tailEnd type="arrow"/>
+            </a:ln>
+          </p:spPr>
+          <p:style>
+            <a:lnRef idx="2">
+              <a:schemeClr val="accent1"/>
+            </a:lnRef>
+            <a:fillRef idx="0">
+              <a:schemeClr val="accent1"/>
+            </a:fillRef>
+            <a:effectRef idx="1">
+              <a:schemeClr val="accent1"/>
+            </a:effectRef>
+            <a:fontRef idx="minor">
+              <a:schemeClr val="tx1"/>
+            </a:fontRef>
+          </p:style>
+        </p:cxnSp>
+        <p:sp>
+          <p:nvSpPr>
+            <p:cNvPr id="11" name="テキスト ボックス 10"/>
+            <p:cNvSpPr txBox="1"/>
+            <p:nvPr/>
+          </p:nvSpPr>
+          <p:spPr>
+            <a:xfrm>
+              <a:off x="2529475" y="181422"/>
+              <a:ext cx="3543400" cy="369332"/>
+            </a:xfrm>
+            <a:prstGeom prst="rect">
+              <a:avLst/>
+            </a:prstGeom>
+            <a:noFill/>
+          </p:spPr>
+          <p:txBody>
+            <a:bodyPr wrap="square" rtlCol="0">
+              <a:spAutoFit/>
+            </a:bodyPr>
+            <a:lstStyle/>
+            <a:p>
+              <a:r>
+                <a:rPr kumimoji="1" lang="en-US" altLang="ja-JP" dirty="0" smtClean="0"/>
+                <a:t>Impression channel/ Non targeting</a:t>
+              </a:r>
+              <a:endParaRPr kumimoji="1" lang="ja-JP" altLang="en-US" dirty="0"/>
+            </a:p>
+          </p:txBody>
+        </p:sp>
+        <p:sp>
+          <p:nvSpPr>
+            <p:cNvPr id="12" name="テキスト ボックス 11"/>
+            <p:cNvSpPr txBox="1"/>
+            <p:nvPr/>
+          </p:nvSpPr>
+          <p:spPr>
+            <a:xfrm>
+              <a:off x="2529475" y="6320732"/>
+              <a:ext cx="3543400" cy="369332"/>
+            </a:xfrm>
+            <a:prstGeom prst="rect">
+              <a:avLst/>
+            </a:prstGeom>
+            <a:noFill/>
+          </p:spPr>
+          <p:txBody>
+            <a:bodyPr wrap="square" rtlCol="0">
+              <a:spAutoFit/>
+            </a:bodyPr>
+            <a:lstStyle/>
+            <a:p>
+              <a:r>
+                <a:rPr lang="en-US" altLang="ja-JP" dirty="0" smtClean="0"/>
+                <a:t>Response </a:t>
+              </a:r>
+              <a:r>
+                <a:rPr kumimoji="1" lang="en-US" altLang="ja-JP" dirty="0" smtClean="0"/>
+                <a:t>channel/ Targeting</a:t>
+              </a:r>
+              <a:endParaRPr kumimoji="1" lang="ja-JP" altLang="en-US" dirty="0"/>
+            </a:p>
+          </p:txBody>
+        </p:sp>
+        <p:sp>
+          <p:nvSpPr>
+            <p:cNvPr id="13" name="テキスト ボックス 12"/>
+            <p:cNvSpPr txBox="1"/>
+            <p:nvPr/>
+          </p:nvSpPr>
+          <p:spPr>
+            <a:xfrm>
+              <a:off x="131054" y="3364629"/>
+              <a:ext cx="786815" cy="369332"/>
+            </a:xfrm>
+            <a:prstGeom prst="rect">
+              <a:avLst/>
+            </a:prstGeom>
+            <a:noFill/>
+          </p:spPr>
+          <p:txBody>
+            <a:bodyPr wrap="square" rtlCol="0">
+              <a:spAutoFit/>
+            </a:bodyPr>
+            <a:lstStyle/>
+            <a:p>
+              <a:r>
+                <a:rPr kumimoji="1" lang="en-US" altLang="ja-JP" dirty="0" smtClean="0"/>
+                <a:t>push</a:t>
+              </a:r>
+              <a:endParaRPr kumimoji="1" lang="ja-JP" altLang="en-US" dirty="0"/>
+            </a:p>
+          </p:txBody>
+        </p:sp>
+        <p:sp>
+          <p:nvSpPr>
+            <p:cNvPr id="14" name="テキスト ボックス 13"/>
+            <p:cNvSpPr txBox="1"/>
+            <p:nvPr/>
+          </p:nvSpPr>
+          <p:spPr>
+            <a:xfrm>
+              <a:off x="7719791" y="3364629"/>
+              <a:ext cx="1424209" cy="369332"/>
+            </a:xfrm>
+            <a:prstGeom prst="rect">
+              <a:avLst/>
+            </a:prstGeom>
+            <a:noFill/>
+          </p:spPr>
+          <p:txBody>
+            <a:bodyPr wrap="square" rtlCol="0">
+              <a:spAutoFit/>
+            </a:bodyPr>
+            <a:lstStyle/>
+            <a:p>
+              <a:r>
+                <a:rPr kumimoji="1" lang="en-US" altLang="ja-JP" dirty="0" smtClean="0"/>
+                <a:t>pull</a:t>
+              </a:r>
+              <a:endParaRPr kumimoji="1" lang="ja-JP" altLang="en-US" dirty="0"/>
+            </a:p>
+          </p:txBody>
+        </p:sp>
+        <p:sp>
+          <p:nvSpPr>
+            <p:cNvPr id="17" name="円/楕円 16"/>
+            <p:cNvSpPr/>
+            <p:nvPr/>
+          </p:nvSpPr>
+          <p:spPr>
+            <a:xfrm>
+              <a:off x="3047735" y="1273594"/>
+              <a:ext cx="773160" cy="487262"/>
+            </a:xfrm>
+            <a:prstGeom prst="ellipse">
+              <a:avLst/>
+            </a:prstGeom>
+          </p:spPr>
+          <p:style>
+            <a:lnRef idx="1">
+              <a:schemeClr val="accent1"/>
+            </a:lnRef>
+            <a:fillRef idx="3">
+              <a:schemeClr val="accent1"/>
+            </a:fillRef>
+            <a:effectRef idx="2">
+              <a:schemeClr val="accent1"/>
+            </a:effectRef>
+            <a:fontRef idx="minor">
+              <a:schemeClr val="lt1"/>
+            </a:fontRef>
+          </p:style>
+          <p:txBody>
+            <a:bodyPr rtlCol="0" anchor="ctr"/>
+            <a:lstStyle/>
+            <a:p>
+              <a:pPr algn="ctr"/>
+              <a:r>
+                <a:rPr kumimoji="1" lang="ja-JP" altLang="en-US" sz="1200" dirty="0" smtClean="0"/>
+                <a:t>新聞</a:t>
+              </a:r>
+              <a:endParaRPr kumimoji="1" lang="ja-JP" altLang="en-US" sz="1200" dirty="0"/>
+            </a:p>
+          </p:txBody>
+        </p:sp>
+        <p:sp>
+          <p:nvSpPr>
+            <p:cNvPr id="18" name="円/楕円 17"/>
+            <p:cNvSpPr/>
+            <p:nvPr/>
+          </p:nvSpPr>
+          <p:spPr>
+            <a:xfrm>
+              <a:off x="2841969" y="1849874"/>
+              <a:ext cx="867484" cy="497933"/>
+            </a:xfrm>
+            <a:prstGeom prst="ellipse">
+              <a:avLst/>
+            </a:prstGeom>
+          </p:spPr>
+          <p:style>
+            <a:lnRef idx="1">
+              <a:schemeClr val="accent1"/>
+            </a:lnRef>
+            <a:fillRef idx="3">
+              <a:schemeClr val="accent1"/>
+            </a:fillRef>
+            <a:effectRef idx="2">
+              <a:schemeClr val="accent1"/>
+            </a:effectRef>
+            <a:fontRef idx="minor">
+              <a:schemeClr val="lt1"/>
+            </a:fontRef>
+          </p:style>
+          <p:txBody>
+            <a:bodyPr rtlCol="0" anchor="ctr"/>
+            <a:lstStyle/>
+            <a:p>
+              <a:pPr algn="ctr"/>
+              <a:r>
+                <a:rPr kumimoji="1" lang="ja-JP" altLang="en-US" sz="1200" dirty="0" smtClean="0"/>
+                <a:t>雑誌</a:t>
+              </a:r>
+              <a:endParaRPr kumimoji="1" lang="ja-JP" altLang="en-US" sz="1200" dirty="0"/>
+            </a:p>
+          </p:txBody>
+        </p:sp>
+        <p:sp>
+          <p:nvSpPr>
+            <p:cNvPr id="20" name="円/楕円 19"/>
+            <p:cNvSpPr/>
+            <p:nvPr/>
+          </p:nvSpPr>
+          <p:spPr>
+            <a:xfrm>
+              <a:off x="2967063" y="738956"/>
+              <a:ext cx="757775" cy="461234"/>
+            </a:xfrm>
+            <a:prstGeom prst="ellipse">
+              <a:avLst/>
+            </a:prstGeom>
+          </p:spPr>
+          <p:style>
+            <a:lnRef idx="1">
+              <a:schemeClr val="accent1"/>
+            </a:lnRef>
+            <a:fillRef idx="3">
+              <a:schemeClr val="accent1"/>
+            </a:fillRef>
+            <a:effectRef idx="2">
+              <a:schemeClr val="accent1"/>
+            </a:effectRef>
+            <a:fontRef idx="minor">
+              <a:schemeClr val="lt1"/>
+            </a:fontRef>
+          </p:style>
+          <p:txBody>
+            <a:bodyPr rtlCol="0" anchor="ctr"/>
+            <a:lstStyle/>
+            <a:p>
+              <a:pPr algn="ctr"/>
+              <a:r>
+                <a:rPr kumimoji="1" lang="en-US" altLang="ja-JP" sz="1200" dirty="0" smtClean="0"/>
+                <a:t>OOH</a:t>
+              </a:r>
+              <a:endParaRPr kumimoji="1" lang="ja-JP" altLang="en-US" sz="1200" dirty="0"/>
+            </a:p>
+          </p:txBody>
+        </p:sp>
+        <p:sp>
+          <p:nvSpPr>
+            <p:cNvPr id="21" name="円/楕円 20"/>
+            <p:cNvSpPr/>
+            <p:nvPr/>
+          </p:nvSpPr>
+          <p:spPr>
+            <a:xfrm>
+              <a:off x="2116212" y="3438144"/>
+              <a:ext cx="1704683" cy="1053519"/>
+            </a:xfrm>
+            <a:prstGeom prst="ellipse">
+              <a:avLst/>
+            </a:prstGeom>
+            <a:solidFill>
+              <a:schemeClr val="accent4">
+                <a:lumMod val="75000"/>
+              </a:schemeClr>
+            </a:solidFill>
+          </p:spPr>
+          <p:style>
+            <a:lnRef idx="1">
+              <a:schemeClr val="accent1"/>
+            </a:lnRef>
+            <a:fillRef idx="3">
+              <a:schemeClr val="accent1"/>
+            </a:fillRef>
+            <a:effectRef idx="2">
+              <a:schemeClr val="accent1"/>
+            </a:effectRef>
+            <a:fontRef idx="minor">
+              <a:schemeClr val="lt1"/>
+            </a:fontRef>
+          </p:style>
+          <p:txBody>
+            <a:bodyPr rtlCol="0" anchor="ctr"/>
+            <a:lstStyle/>
+            <a:p>
+              <a:pPr algn="ctr"/>
+              <a:r>
+                <a:rPr kumimoji="1" lang="en-US" altLang="ja-JP" dirty="0" smtClean="0"/>
+                <a:t>DSP</a:t>
+              </a:r>
+              <a:endParaRPr kumimoji="1" lang="ja-JP" altLang="en-US" dirty="0"/>
+            </a:p>
+          </p:txBody>
+        </p:sp>
+        <p:sp>
+          <p:nvSpPr>
+            <p:cNvPr id="22" name="円/楕円 21"/>
+            <p:cNvSpPr/>
+            <p:nvPr/>
+          </p:nvSpPr>
+          <p:spPr>
+            <a:xfrm>
+              <a:off x="1067289" y="2837869"/>
+              <a:ext cx="1451513" cy="1053519"/>
+            </a:xfrm>
+            <a:prstGeom prst="ellipse">
+              <a:avLst/>
+            </a:prstGeom>
+            <a:solidFill>
+              <a:schemeClr val="accent4">
+                <a:lumMod val="75000"/>
+              </a:schemeClr>
+            </a:solidFill>
+          </p:spPr>
+          <p:style>
+            <a:lnRef idx="1">
+              <a:schemeClr val="accent1"/>
+            </a:lnRef>
+            <a:fillRef idx="3">
+              <a:schemeClr val="accent1"/>
+            </a:fillRef>
+            <a:effectRef idx="2">
+              <a:schemeClr val="accent1"/>
+            </a:effectRef>
+            <a:fontRef idx="minor">
+              <a:schemeClr val="lt1"/>
+            </a:fontRef>
+          </p:style>
+          <p:txBody>
+            <a:bodyPr rtlCol="0" anchor="ctr"/>
+            <a:lstStyle/>
+            <a:p>
+              <a:pPr algn="ctr"/>
+              <a:r>
+                <a:rPr kumimoji="1" lang="ja-JP" altLang="en-US" dirty="0" smtClean="0"/>
+                <a:t>動画</a:t>
+              </a:r>
+              <a:r>
+                <a:rPr kumimoji="1" lang="en-US" altLang="ja-JP" dirty="0" smtClean="0"/>
+                <a:t>DSP</a:t>
+              </a:r>
+              <a:endParaRPr kumimoji="1" lang="ja-JP" altLang="en-US" dirty="0"/>
+            </a:p>
+          </p:txBody>
+        </p:sp>
+        <p:sp>
+          <p:nvSpPr>
+            <p:cNvPr id="23" name="円/楕円 22"/>
+            <p:cNvSpPr/>
+            <p:nvPr/>
+          </p:nvSpPr>
+          <p:spPr>
+            <a:xfrm>
+              <a:off x="1206037" y="4190338"/>
+              <a:ext cx="1451513" cy="773400"/>
+            </a:xfrm>
+            <a:prstGeom prst="ellipse">
+              <a:avLst/>
+            </a:prstGeom>
+            <a:solidFill>
+              <a:schemeClr val="accent4">
+                <a:lumMod val="75000"/>
+              </a:schemeClr>
+            </a:solidFill>
+          </p:spPr>
+          <p:style>
+            <a:lnRef idx="1">
+              <a:schemeClr val="accent1"/>
+            </a:lnRef>
+            <a:fillRef idx="3">
+              <a:schemeClr val="accent1"/>
+            </a:fillRef>
+            <a:effectRef idx="2">
+              <a:schemeClr val="accent1"/>
+            </a:effectRef>
+            <a:fontRef idx="minor">
+              <a:schemeClr val="lt1"/>
+            </a:fontRef>
+          </p:style>
+          <p:txBody>
+            <a:bodyPr rtlCol="0" anchor="ctr"/>
+            <a:lstStyle/>
+            <a:p>
+              <a:pPr algn="ctr"/>
+              <a:r>
+                <a:rPr kumimoji="1" lang="ja-JP" altLang="en-US" sz="1400" dirty="0" smtClean="0"/>
+                <a:t>ネット</a:t>
+              </a:r>
+              <a:endParaRPr kumimoji="1" lang="en-US" altLang="ja-JP" sz="1400" dirty="0" smtClean="0"/>
+            </a:p>
+            <a:p>
+              <a:pPr algn="ctr"/>
+              <a:r>
+                <a:rPr kumimoji="1" lang="ja-JP" altLang="en-US" sz="1400" dirty="0" smtClean="0"/>
+                <a:t>広告</a:t>
+              </a:r>
+              <a:endParaRPr kumimoji="1" lang="ja-JP" altLang="en-US" sz="1400" dirty="0"/>
+            </a:p>
+          </p:txBody>
+        </p:sp>
+        <p:sp>
+          <p:nvSpPr>
+            <p:cNvPr id="24" name="円/楕円 23"/>
+            <p:cNvSpPr/>
+            <p:nvPr/>
+          </p:nvSpPr>
+          <p:spPr>
+            <a:xfrm>
+              <a:off x="2518802" y="4878363"/>
+              <a:ext cx="1010945" cy="773400"/>
+            </a:xfrm>
+            <a:prstGeom prst="ellipse">
+              <a:avLst/>
+            </a:prstGeom>
+            <a:solidFill>
+              <a:schemeClr val="accent4">
+                <a:lumMod val="75000"/>
+              </a:schemeClr>
+            </a:solidFill>
+          </p:spPr>
+          <p:style>
+            <a:lnRef idx="1">
+              <a:schemeClr val="accent1"/>
+            </a:lnRef>
+            <a:fillRef idx="3">
+              <a:schemeClr val="accent1"/>
+            </a:fillRef>
+            <a:effectRef idx="2">
+              <a:schemeClr val="accent1"/>
+            </a:effectRef>
+            <a:fontRef idx="minor">
+              <a:schemeClr val="lt1"/>
+            </a:fontRef>
+          </p:style>
+          <p:txBody>
+            <a:bodyPr rtlCol="0" anchor="ctr"/>
+            <a:lstStyle/>
+            <a:p>
+              <a:pPr algn="ctr"/>
+              <a:r>
+                <a:rPr kumimoji="1" lang="ja-JP" altLang="en-US" sz="1400" dirty="0" smtClean="0"/>
+                <a:t>メール</a:t>
+              </a:r>
+              <a:endParaRPr kumimoji="1" lang="ja-JP" altLang="en-US" sz="1400" dirty="0"/>
+            </a:p>
+          </p:txBody>
+        </p:sp>
+        <p:sp>
+          <p:nvSpPr>
+            <p:cNvPr id="26" name="円/楕円 25"/>
+            <p:cNvSpPr/>
+            <p:nvPr/>
+          </p:nvSpPr>
+          <p:spPr>
+            <a:xfrm>
+              <a:off x="3994642" y="4750654"/>
+              <a:ext cx="2238327" cy="757702"/>
+            </a:xfrm>
+            <a:prstGeom prst="ellipse">
+              <a:avLst/>
+            </a:prstGeom>
+            <a:solidFill>
+              <a:schemeClr val="accent4">
+                <a:lumMod val="75000"/>
+              </a:schemeClr>
+            </a:solidFill>
+          </p:spPr>
+          <p:style>
+            <a:lnRef idx="1">
+              <a:schemeClr val="accent1"/>
+            </a:lnRef>
+            <a:fillRef idx="3">
+              <a:schemeClr val="accent1"/>
+            </a:fillRef>
+            <a:effectRef idx="2">
+              <a:schemeClr val="accent1"/>
+            </a:effectRef>
+            <a:fontRef idx="minor">
+              <a:schemeClr val="lt1"/>
+            </a:fontRef>
+          </p:style>
+          <p:txBody>
+            <a:bodyPr rtlCol="0" anchor="ctr"/>
+            <a:lstStyle/>
+            <a:p>
+              <a:pPr algn="ctr"/>
+              <a:r>
+                <a:rPr kumimoji="1" lang="ja-JP" altLang="en-US" sz="1400" dirty="0" smtClean="0"/>
+                <a:t>リスティング広告</a:t>
+              </a:r>
+              <a:endParaRPr kumimoji="1" lang="ja-JP" altLang="en-US" sz="1400" dirty="0"/>
+            </a:p>
+          </p:txBody>
+        </p:sp>
+        <p:sp>
+          <p:nvSpPr>
+            <p:cNvPr id="27" name="円/楕円 26"/>
+            <p:cNvSpPr/>
+            <p:nvPr/>
+          </p:nvSpPr>
+          <p:spPr>
+            <a:xfrm>
+              <a:off x="3709453" y="5508356"/>
+              <a:ext cx="1613342" cy="510441"/>
+            </a:xfrm>
+            <a:prstGeom prst="ellipse">
+              <a:avLst/>
+            </a:prstGeom>
+            <a:solidFill>
+              <a:schemeClr val="accent4">
+                <a:lumMod val="75000"/>
+              </a:schemeClr>
+            </a:solidFill>
+          </p:spPr>
+          <p:style>
+            <a:lnRef idx="1">
+              <a:schemeClr val="accent1"/>
+            </a:lnRef>
+            <a:fillRef idx="3">
+              <a:schemeClr val="accent1"/>
+            </a:fillRef>
+            <a:effectRef idx="2">
+              <a:schemeClr val="accent1"/>
+            </a:effectRef>
+            <a:fontRef idx="minor">
+              <a:schemeClr val="lt1"/>
+            </a:fontRef>
+          </p:style>
+          <p:txBody>
+            <a:bodyPr rtlCol="0" anchor="ctr"/>
+            <a:lstStyle/>
+            <a:p>
+              <a:pPr algn="ctr"/>
+              <a:r>
+                <a:rPr kumimoji="1" lang="ja-JP" altLang="en-US" sz="1200" dirty="0" smtClean="0"/>
+                <a:t>アフィリエイト</a:t>
+              </a:r>
+              <a:endParaRPr kumimoji="1" lang="ja-JP" altLang="en-US" sz="1200" dirty="0"/>
+            </a:p>
+          </p:txBody>
+        </p:sp>
+        <p:sp>
+          <p:nvSpPr>
+            <p:cNvPr id="31" name="角丸四角形 30"/>
+            <p:cNvSpPr/>
+            <p:nvPr/>
+          </p:nvSpPr>
+          <p:spPr>
+            <a:xfrm>
+              <a:off x="6734595" y="3806152"/>
+              <a:ext cx="1195364" cy="2106055"/>
+            </a:xfrm>
+            <a:prstGeom prst="roundRect">
+              <a:avLst/>
+            </a:prstGeom>
+          </p:spPr>
+          <p:style>
+            <a:lnRef idx="1">
+              <a:schemeClr val="accent1"/>
+            </a:lnRef>
+            <a:fillRef idx="3">
+              <a:schemeClr val="accent1"/>
+            </a:fillRef>
+            <a:effectRef idx="2">
+              <a:schemeClr val="accent1"/>
+            </a:effectRef>
+            <a:fontRef idx="minor">
+              <a:schemeClr val="lt1"/>
+            </a:fontRef>
+          </p:style>
+          <p:txBody>
+            <a:bodyPr rtlCol="0" anchor="ctr"/>
+            <a:lstStyle/>
+            <a:p>
+              <a:pPr algn="ctr"/>
+              <a:r>
+                <a:rPr kumimoji="1" lang="ja-JP" altLang="en-US" sz="1400" dirty="0" smtClean="0"/>
+                <a:t>自社サイト</a:t>
+              </a:r>
+              <a:endParaRPr kumimoji="1" lang="ja-JP" altLang="en-US" sz="1400" dirty="0"/>
+            </a:p>
+          </p:txBody>
+        </p:sp>
+        <p:sp>
+          <p:nvSpPr>
+            <p:cNvPr id="32" name="角丸四角形 31"/>
+            <p:cNvSpPr/>
+            <p:nvPr/>
+          </p:nvSpPr>
+          <p:spPr>
+            <a:xfrm>
+              <a:off x="8239472" y="812360"/>
+              <a:ext cx="565664" cy="3205799"/>
+            </a:xfrm>
+            <a:prstGeom prst="roundRect">
+              <a:avLst/>
+            </a:prstGeom>
+          </p:spPr>
+          <p:style>
+            <a:lnRef idx="1">
+              <a:schemeClr val="accent1"/>
+            </a:lnRef>
+            <a:fillRef idx="3">
+              <a:schemeClr val="accent1"/>
+            </a:fillRef>
+            <a:effectRef idx="2">
+              <a:schemeClr val="accent1"/>
+            </a:effectRef>
+            <a:fontRef idx="minor">
+              <a:schemeClr val="lt1"/>
+            </a:fontRef>
+          </p:style>
+          <p:txBody>
+            <a:bodyPr rtlCol="0" anchor="ctr"/>
+            <a:lstStyle/>
+            <a:p>
+              <a:pPr algn="ctr"/>
+              <a:r>
+                <a:rPr kumimoji="1" lang="ja-JP" altLang="en-US" sz="1400" dirty="0" smtClean="0"/>
+                <a:t>店舗</a:t>
+              </a:r>
+              <a:endParaRPr kumimoji="1" lang="ja-JP" altLang="en-US" sz="1400" dirty="0"/>
+            </a:p>
+          </p:txBody>
+        </p:sp>
+        <p:sp>
+          <p:nvSpPr>
+            <p:cNvPr id="33" name="角丸四角形 32"/>
+            <p:cNvSpPr/>
+            <p:nvPr/>
+          </p:nvSpPr>
+          <p:spPr>
+            <a:xfrm>
+              <a:off x="8239472" y="4137072"/>
+              <a:ext cx="565664" cy="1748917"/>
+            </a:xfrm>
+            <a:prstGeom prst="roundRect">
+              <a:avLst/>
+            </a:prstGeom>
+          </p:spPr>
+          <p:style>
+            <a:lnRef idx="1">
+              <a:schemeClr val="accent1"/>
+            </a:lnRef>
+            <a:fillRef idx="3">
+              <a:schemeClr val="accent1"/>
+            </a:fillRef>
+            <a:effectRef idx="2">
+              <a:schemeClr val="accent1"/>
+            </a:effectRef>
+            <a:fontRef idx="minor">
+              <a:schemeClr val="lt1"/>
+            </a:fontRef>
+          </p:style>
+          <p:txBody>
+            <a:bodyPr rtlCol="0" anchor="ctr"/>
+            <a:lstStyle/>
+            <a:p>
+              <a:pPr algn="ctr"/>
+              <a:r>
+                <a:rPr kumimoji="1" lang="ja-JP" altLang="en-US" sz="1400" dirty="0" smtClean="0"/>
+                <a:t>通販</a:t>
+              </a:r>
+              <a:endParaRPr kumimoji="1" lang="ja-JP" altLang="en-US" sz="1400" dirty="0"/>
+            </a:p>
+          </p:txBody>
+        </p:sp>
+        <p:sp>
+          <p:nvSpPr>
+            <p:cNvPr id="34" name="左右矢印 33"/>
+            <p:cNvSpPr/>
+            <p:nvPr/>
+          </p:nvSpPr>
+          <p:spPr>
+            <a:xfrm rot="2629000">
+              <a:off x="2091941" y="2926285"/>
+              <a:ext cx="2666273" cy="286118"/>
+            </a:xfrm>
+            <a:prstGeom prst="leftRightArrow">
+              <a:avLst/>
+            </a:prstGeom>
+          </p:spPr>
+          <p:style>
+            <a:lnRef idx="1">
+              <a:schemeClr val="accent1"/>
+            </a:lnRef>
+            <a:fillRef idx="3">
+              <a:schemeClr val="accent1"/>
+            </a:fillRef>
+            <a:effectRef idx="2">
+              <a:schemeClr val="accent1"/>
+            </a:effectRef>
+            <a:fontRef idx="minor">
+              <a:schemeClr val="lt1"/>
+            </a:fontRef>
+          </p:style>
+          <p:txBody>
+            <a:bodyPr rtlCol="0" anchor="ctr"/>
+            <a:lstStyle/>
+            <a:p>
+              <a:pPr algn="ctr"/>
+              <a:endParaRPr kumimoji="1" lang="ja-JP" altLang="en-US"/>
+            </a:p>
+          </p:txBody>
+        </p:sp>
+        <p:sp>
+          <p:nvSpPr>
+            <p:cNvPr id="28" name="円/楕円 27"/>
+            <p:cNvSpPr/>
+            <p:nvPr/>
+          </p:nvSpPr>
+          <p:spPr>
+            <a:xfrm>
+              <a:off x="3300903" y="2068308"/>
+              <a:ext cx="3316290" cy="1539121"/>
+            </a:xfrm>
+            <a:prstGeom prst="ellipse">
+              <a:avLst/>
+            </a:prstGeom>
+            <a:solidFill>
+              <a:schemeClr val="tx2">
+                <a:lumMod val="60000"/>
+                <a:lumOff val="40000"/>
+              </a:schemeClr>
+            </a:solidFill>
+          </p:spPr>
+          <p:style>
+            <a:lnRef idx="1">
+              <a:schemeClr val="accent1"/>
+            </a:lnRef>
+            <a:fillRef idx="3">
+              <a:schemeClr val="accent1"/>
+            </a:fillRef>
+            <a:effectRef idx="2">
+              <a:schemeClr val="accent1"/>
+            </a:effectRef>
+            <a:fontRef idx="minor">
+              <a:schemeClr val="lt1"/>
+            </a:fontRef>
+          </p:style>
+          <p:txBody>
+            <a:bodyPr rtlCol="0" anchor="ctr"/>
+            <a:lstStyle/>
+            <a:p>
+              <a:pPr algn="ctr"/>
+              <a:r>
+                <a:rPr kumimoji="1" lang="ja-JP" altLang="en-US" dirty="0" smtClean="0"/>
+                <a:t>ソーシャルメディア</a:t>
+              </a:r>
+              <a:endParaRPr kumimoji="1" lang="ja-JP" altLang="en-US" dirty="0"/>
+            </a:p>
+          </p:txBody>
+        </p:sp>
+        <p:sp>
+          <p:nvSpPr>
+            <p:cNvPr id="35" name="左右矢印 34"/>
+            <p:cNvSpPr/>
+            <p:nvPr/>
+          </p:nvSpPr>
+          <p:spPr>
+            <a:xfrm rot="3239935">
+              <a:off x="1842695" y="2696403"/>
+              <a:ext cx="1432458" cy="286118"/>
+            </a:xfrm>
+            <a:prstGeom prst="leftRightArrow">
+              <a:avLst/>
+            </a:prstGeom>
+          </p:spPr>
+          <p:style>
+            <a:lnRef idx="1">
+              <a:schemeClr val="accent1"/>
+            </a:lnRef>
+            <a:fillRef idx="3">
+              <a:schemeClr val="accent1"/>
+            </a:fillRef>
+            <a:effectRef idx="2">
+              <a:schemeClr val="accent1"/>
+            </a:effectRef>
+            <a:fontRef idx="minor">
+              <a:schemeClr val="lt1"/>
+            </a:fontRef>
+          </p:style>
+          <p:txBody>
+            <a:bodyPr rtlCol="0" anchor="ctr"/>
+            <a:lstStyle/>
+            <a:p>
+              <a:pPr algn="ctr"/>
+              <a:endParaRPr kumimoji="1" lang="ja-JP" altLang="en-US"/>
+            </a:p>
+          </p:txBody>
+        </p:sp>
+        <p:sp>
+          <p:nvSpPr>
+            <p:cNvPr id="16" name="円/楕円 15"/>
+            <p:cNvSpPr/>
+            <p:nvPr/>
+          </p:nvSpPr>
+          <p:spPr>
+            <a:xfrm>
+              <a:off x="1067289" y="650983"/>
+              <a:ext cx="1899774" cy="1696824"/>
+            </a:xfrm>
+            <a:prstGeom prst="ellipse">
+              <a:avLst/>
+            </a:prstGeom>
+          </p:spPr>
+          <p:style>
+            <a:lnRef idx="1">
+              <a:schemeClr val="accent1"/>
+            </a:lnRef>
+            <a:fillRef idx="3">
+              <a:schemeClr val="accent1"/>
+            </a:fillRef>
+            <a:effectRef idx="2">
+              <a:schemeClr val="accent1"/>
+            </a:effectRef>
+            <a:fontRef idx="minor">
+              <a:schemeClr val="lt1"/>
+            </a:fontRef>
+          </p:style>
+          <p:txBody>
+            <a:bodyPr rtlCol="0" anchor="ctr"/>
+            <a:lstStyle/>
+            <a:p>
+              <a:pPr algn="ctr"/>
+              <a:r>
+                <a:rPr kumimoji="1" lang="ja-JP" altLang="en-US" dirty="0" smtClean="0"/>
+                <a:t>テレビ</a:t>
+              </a:r>
+              <a:endParaRPr kumimoji="1" lang="en-US" altLang="ja-JP" dirty="0" smtClean="0"/>
+            </a:p>
+            <a:p>
+              <a:pPr algn="ctr"/>
+              <a:r>
+                <a:rPr kumimoji="1" lang="ja-JP" altLang="en-US" dirty="0" smtClean="0"/>
+                <a:t>広告</a:t>
+              </a:r>
+              <a:endParaRPr kumimoji="1" lang="ja-JP" altLang="en-US" dirty="0"/>
+            </a:p>
+          </p:txBody>
+        </p:sp>
+        <p:sp>
+          <p:nvSpPr>
+            <p:cNvPr id="36" name="左右矢印 35"/>
+            <p:cNvSpPr/>
+            <p:nvPr/>
+          </p:nvSpPr>
+          <p:spPr>
+            <a:xfrm rot="3239935">
+              <a:off x="3353198" y="4485108"/>
+              <a:ext cx="1006185" cy="286118"/>
+            </a:xfrm>
+            <a:prstGeom prst="leftRightArrow">
+              <a:avLst/>
+            </a:prstGeom>
+          </p:spPr>
+          <p:style>
+            <a:lnRef idx="1">
+              <a:schemeClr val="accent1"/>
+            </a:lnRef>
+            <a:fillRef idx="3">
+              <a:schemeClr val="accent1"/>
+            </a:fillRef>
+            <a:effectRef idx="2">
+              <a:schemeClr val="accent1"/>
+            </a:effectRef>
+            <a:fontRef idx="minor">
+              <a:schemeClr val="lt1"/>
+            </a:fontRef>
+          </p:style>
+          <p:txBody>
+            <a:bodyPr rtlCol="0" anchor="ctr"/>
+            <a:lstStyle/>
+            <a:p>
+              <a:pPr algn="ctr"/>
+              <a:endParaRPr kumimoji="1" lang="ja-JP" altLang="en-US"/>
+            </a:p>
+          </p:txBody>
+        </p:sp>
+        <p:sp>
+          <p:nvSpPr>
+            <p:cNvPr id="37" name="左右矢印 36"/>
+            <p:cNvSpPr/>
+            <p:nvPr/>
+          </p:nvSpPr>
+          <p:spPr>
+            <a:xfrm>
+              <a:off x="3616813" y="3912809"/>
+              <a:ext cx="892886" cy="286118"/>
+            </a:xfrm>
+            <a:prstGeom prst="leftRightArrow">
+              <a:avLst/>
+            </a:prstGeom>
+          </p:spPr>
+          <p:style>
+            <a:lnRef idx="1">
+              <a:schemeClr val="accent1"/>
+            </a:lnRef>
+            <a:fillRef idx="3">
+              <a:schemeClr val="accent1"/>
+            </a:fillRef>
+            <a:effectRef idx="2">
+              <a:schemeClr val="accent1"/>
+            </a:effectRef>
+            <a:fontRef idx="minor">
+              <a:schemeClr val="lt1"/>
+            </a:fontRef>
+          </p:style>
+          <p:txBody>
+            <a:bodyPr rtlCol="0" anchor="ctr"/>
+            <a:lstStyle/>
+            <a:p>
+              <a:pPr algn="ctr"/>
+              <a:endParaRPr kumimoji="1" lang="ja-JP" altLang="en-US"/>
+            </a:p>
+          </p:txBody>
+        </p:sp>
+        <p:sp>
+          <p:nvSpPr>
+            <p:cNvPr id="38" name="左右矢印 37"/>
+            <p:cNvSpPr/>
+            <p:nvPr/>
+          </p:nvSpPr>
+          <p:spPr>
+            <a:xfrm>
+              <a:off x="2410997" y="4464536"/>
+              <a:ext cx="4323598" cy="286118"/>
+            </a:xfrm>
+            <a:prstGeom prst="leftRightArrow">
+              <a:avLst/>
+            </a:prstGeom>
+          </p:spPr>
+          <p:style>
+            <a:lnRef idx="1">
+              <a:schemeClr val="accent1"/>
+            </a:lnRef>
+            <a:fillRef idx="3">
+              <a:schemeClr val="accent1"/>
+            </a:fillRef>
+            <a:effectRef idx="2">
+              <a:schemeClr val="accent1"/>
+            </a:effectRef>
+            <a:fontRef idx="minor">
+              <a:schemeClr val="lt1"/>
+            </a:fontRef>
+          </p:style>
+          <p:txBody>
+            <a:bodyPr rtlCol="0" anchor="ctr"/>
+            <a:lstStyle/>
+            <a:p>
+              <a:pPr algn="ctr"/>
+              <a:endParaRPr kumimoji="1" lang="ja-JP" altLang="en-US"/>
+            </a:p>
+          </p:txBody>
+        </p:sp>
+        <p:sp>
+          <p:nvSpPr>
+            <p:cNvPr id="25" name="円/楕円 24"/>
+            <p:cNvSpPr/>
+            <p:nvPr/>
+          </p:nvSpPr>
+          <p:spPr>
+            <a:xfrm>
+              <a:off x="4285788" y="3743446"/>
+              <a:ext cx="2053909" cy="909482"/>
+            </a:xfrm>
+            <a:prstGeom prst="ellipse">
+              <a:avLst/>
+            </a:prstGeom>
+            <a:solidFill>
+              <a:schemeClr val="accent4">
+                <a:lumMod val="75000"/>
+              </a:schemeClr>
+            </a:solidFill>
+          </p:spPr>
+          <p:style>
+            <a:lnRef idx="1">
+              <a:schemeClr val="accent1"/>
+            </a:lnRef>
+            <a:fillRef idx="3">
+              <a:schemeClr val="accent1"/>
+            </a:fillRef>
+            <a:effectRef idx="2">
+              <a:schemeClr val="accent1"/>
+            </a:effectRef>
+            <a:fontRef idx="minor">
+              <a:schemeClr val="lt1"/>
+            </a:fontRef>
+          </p:style>
+          <p:txBody>
+            <a:bodyPr rtlCol="0" anchor="ctr"/>
+            <a:lstStyle/>
+            <a:p>
+              <a:pPr algn="ctr"/>
+              <a:r>
+                <a:rPr kumimoji="1" lang="ja-JP" altLang="en-US" sz="1400" dirty="0" smtClean="0"/>
+                <a:t>自然検索</a:t>
+              </a:r>
+              <a:endParaRPr kumimoji="1" lang="ja-JP" altLang="en-US" sz="1400" dirty="0"/>
+            </a:p>
+          </p:txBody>
+        </p:sp>
+        <p:sp>
+          <p:nvSpPr>
+            <p:cNvPr id="39" name="左右矢印 38"/>
+            <p:cNvSpPr/>
+            <p:nvPr/>
+          </p:nvSpPr>
+          <p:spPr>
+            <a:xfrm>
+              <a:off x="6206909" y="4175439"/>
+              <a:ext cx="892886" cy="286118"/>
+            </a:xfrm>
+            <a:prstGeom prst="leftRightArrow">
+              <a:avLst/>
+            </a:prstGeom>
+          </p:spPr>
+          <p:style>
+            <a:lnRef idx="1">
+              <a:schemeClr val="accent1"/>
+            </a:lnRef>
+            <a:fillRef idx="3">
+              <a:schemeClr val="accent1"/>
+            </a:fillRef>
+            <a:effectRef idx="2">
+              <a:schemeClr val="accent1"/>
+            </a:effectRef>
+            <a:fontRef idx="minor">
+              <a:schemeClr val="lt1"/>
+            </a:fontRef>
+          </p:style>
+          <p:txBody>
+            <a:bodyPr rtlCol="0" anchor="ctr"/>
+            <a:lstStyle/>
+            <a:p>
+              <a:pPr algn="ctr"/>
+              <a:endParaRPr kumimoji="1" lang="ja-JP" altLang="en-US"/>
+            </a:p>
+          </p:txBody>
+        </p:sp>
+        <p:sp>
+          <p:nvSpPr>
+            <p:cNvPr id="30" name="角丸四角形 29"/>
+            <p:cNvSpPr/>
+            <p:nvPr/>
+          </p:nvSpPr>
+          <p:spPr>
+            <a:xfrm>
+              <a:off x="6736917" y="1455595"/>
+              <a:ext cx="362878" cy="2639976"/>
+            </a:xfrm>
+            <a:prstGeom prst="roundRect">
+              <a:avLst/>
+            </a:prstGeom>
+          </p:spPr>
+          <p:style>
+            <a:lnRef idx="1">
+              <a:schemeClr val="accent1"/>
+            </a:lnRef>
+            <a:fillRef idx="3">
+              <a:schemeClr val="accent1"/>
+            </a:fillRef>
+            <a:effectRef idx="2">
+              <a:schemeClr val="accent1"/>
+            </a:effectRef>
+            <a:fontRef idx="minor">
+              <a:schemeClr val="lt1"/>
+            </a:fontRef>
+          </p:style>
+          <p:txBody>
+            <a:bodyPr rtlCol="0" anchor="ctr"/>
+            <a:lstStyle/>
+            <a:p>
+              <a:pPr algn="ctr"/>
+              <a:r>
+                <a:rPr kumimoji="1" lang="ja-JP" altLang="en-US" sz="1400" dirty="0" smtClean="0"/>
+                <a:t>ブランディングコンテンツ</a:t>
+              </a:r>
+              <a:endParaRPr kumimoji="1" lang="ja-JP" altLang="en-US" sz="1400" dirty="0"/>
+            </a:p>
+          </p:txBody>
+        </p:sp>
+      </p:grpSp>
+    </p:spTree>
+    <p:extLst>
+      <p:ext uri="{BB962C8B-B14F-4D97-AF65-F5344CB8AC3E}">
+        <p14:creationId xmlns:p14="http://schemas.microsoft.com/office/powerpoint/2010/main" val="3052927797"/>
+      </p:ext>
+    </p:extLst>
+  </p:cSld>
+  <p:clrMapOvr>
+    <a:masterClrMapping/>
+  </p:clrMapOvr>
+</p:sld>
+</file>
+
 <file path=ppt/theme/theme1.xml><?xml version="1.0" encoding="utf-8"?>
 <a:theme xmlns:a="http://schemas.openxmlformats.org/drawingml/2006/main" name="ホワイト">
   <a:themeElements>
